--- a/2024/Introduction to R and RStudio.pptx
+++ b/2024/Introduction to R and RStudio.pptx
@@ -2,8 +2,11 @@
 <file path=ppt/presentation.xml><?xml version="1.0" encoding="utf-8"?>
 <p:presentation xmlns:a="http://schemas.openxmlformats.org/drawingml/2006/main" xmlns:r="http://schemas.openxmlformats.org/officeDocument/2006/relationships" xmlns:p="http://schemas.openxmlformats.org/presentationml/2006/main" saveSubsetFonts="1">
   <p:sldMasterIdLst>
-    <p:sldMasterId id="2147483660" r:id="rId4"/>
+    <p:sldMasterId id="2147483677" r:id="rId4"/>
   </p:sldMasterIdLst>
+  <p:notesMasterIdLst>
+    <p:notesMasterId r:id="rId15"/>
+  </p:notesMasterIdLst>
   <p:sldIdLst>
     <p:sldId id="256" r:id="rId5"/>
     <p:sldId id="257" r:id="rId6"/>
@@ -121,534 +124,476 @@
 </p:presentation>
 </file>
 
-<file path=ppt/changesInfos/changesInfo1.xml><?xml version="1.0" encoding="utf-8"?>
-<pc:chgInfo xmlns:a="http://schemas.openxmlformats.org/drawingml/2006/main" xmlns:r="http://schemas.openxmlformats.org/officeDocument/2006/relationships" xmlns:ac="http://schemas.microsoft.com/office/drawing/2013/main/command" xmlns:pc="http://schemas.microsoft.com/office/powerpoint/2013/main/command">
-  <pc:docChgLst>
-    <pc:chgData name="MCLEAN Andrew" userId="53eb7057-3b6c-42b5-a1b3-a500ed6d1b73" providerId="ADAL" clId="{9041F567-5BC2-44EA-B550-D47CE5D0244E}"/>
-    <pc:docChg chg="custSel addSld delSld modSld sldOrd">
-      <pc:chgData name="MCLEAN Andrew" userId="53eb7057-3b6c-42b5-a1b3-a500ed6d1b73" providerId="ADAL" clId="{9041F567-5BC2-44EA-B550-D47CE5D0244E}" dt="2021-09-23T13:38:47.760" v="122"/>
-      <pc:docMkLst>
-        <pc:docMk/>
-      </pc:docMkLst>
-      <pc:sldChg chg="addSp delSp modSp mod setBg addAnim modAnim">
-        <pc:chgData name="MCLEAN Andrew" userId="53eb7057-3b6c-42b5-a1b3-a500ed6d1b73" providerId="ADAL" clId="{9041F567-5BC2-44EA-B550-D47CE5D0244E}" dt="2021-09-23T13:38:47.760" v="122"/>
-        <pc:sldMkLst>
-          <pc:docMk/>
-          <pc:sldMk cId="40268896" sldId="256"/>
-        </pc:sldMkLst>
-        <pc:spChg chg="mod">
-          <ac:chgData name="MCLEAN Andrew" userId="53eb7057-3b6c-42b5-a1b3-a500ed6d1b73" providerId="ADAL" clId="{9041F567-5BC2-44EA-B550-D47CE5D0244E}" dt="2021-09-23T13:28:48.513" v="38" actId="26606"/>
-          <ac:spMkLst>
-            <pc:docMk/>
-            <pc:sldMk cId="40268896" sldId="256"/>
-            <ac:spMk id="2" creationId="{388B6D63-D41F-48B5-BEA8-1EA498A4D5DF}"/>
-          </ac:spMkLst>
-        </pc:spChg>
-        <pc:spChg chg="mod">
-          <ac:chgData name="MCLEAN Andrew" userId="53eb7057-3b6c-42b5-a1b3-a500ed6d1b73" providerId="ADAL" clId="{9041F567-5BC2-44EA-B550-D47CE5D0244E}" dt="2021-09-23T13:28:48.513" v="38" actId="26606"/>
-          <ac:spMkLst>
-            <pc:docMk/>
-            <pc:sldMk cId="40268896" sldId="256"/>
-            <ac:spMk id="3" creationId="{A147CFE1-23CE-4143-BEB0-F68D1E066687}"/>
-          </ac:spMkLst>
-        </pc:spChg>
-        <pc:spChg chg="add del">
-          <ac:chgData name="MCLEAN Andrew" userId="53eb7057-3b6c-42b5-a1b3-a500ed6d1b73" providerId="ADAL" clId="{9041F567-5BC2-44EA-B550-D47CE5D0244E}" dt="2021-09-23T13:38:41.475" v="119" actId="26606"/>
-          <ac:spMkLst>
-            <pc:docMk/>
-            <pc:sldMk cId="40268896" sldId="256"/>
-            <ac:spMk id="10" creationId="{3559A5F2-8BE0-4998-A1E4-1B145465A981}"/>
-          </ac:spMkLst>
-        </pc:spChg>
-        <pc:spChg chg="add del">
-          <ac:chgData name="MCLEAN Andrew" userId="53eb7057-3b6c-42b5-a1b3-a500ed6d1b73" providerId="ADAL" clId="{9041F567-5BC2-44EA-B550-D47CE5D0244E}" dt="2021-09-23T13:38:41.475" v="119" actId="26606"/>
-          <ac:spMkLst>
-            <pc:docMk/>
-            <pc:sldMk cId="40268896" sldId="256"/>
-            <ac:spMk id="12" creationId="{3A6596D4-D53C-424F-9F16-CC8686C079E0}"/>
-          </ac:spMkLst>
-        </pc:spChg>
-        <pc:spChg chg="add del">
-          <ac:chgData name="MCLEAN Andrew" userId="53eb7057-3b6c-42b5-a1b3-a500ed6d1b73" providerId="ADAL" clId="{9041F567-5BC2-44EA-B550-D47CE5D0244E}" dt="2021-09-23T13:38:41.475" v="119" actId="26606"/>
-          <ac:spMkLst>
-            <pc:docMk/>
-            <pc:sldMk cId="40268896" sldId="256"/>
-            <ac:spMk id="18" creationId="{9772CABD-4211-42AA-B349-D4002E52F1EF}"/>
-          </ac:spMkLst>
-        </pc:spChg>
-        <pc:spChg chg="add del">
-          <ac:chgData name="MCLEAN Andrew" userId="53eb7057-3b6c-42b5-a1b3-a500ed6d1b73" providerId="ADAL" clId="{9041F567-5BC2-44EA-B550-D47CE5D0244E}" dt="2021-09-23T13:38:41.475" v="119" actId="26606"/>
-          <ac:spMkLst>
-            <pc:docMk/>
-            <pc:sldMk cId="40268896" sldId="256"/>
-            <ac:spMk id="20" creationId="{BBD91630-4DBA-4294-8016-FEB5C3B0CED1}"/>
-          </ac:spMkLst>
-        </pc:spChg>
-        <pc:spChg chg="add del">
-          <ac:chgData name="MCLEAN Andrew" userId="53eb7057-3b6c-42b5-a1b3-a500ed6d1b73" providerId="ADAL" clId="{9041F567-5BC2-44EA-B550-D47CE5D0244E}" dt="2021-09-23T13:38:41.475" v="119" actId="26606"/>
-          <ac:spMkLst>
-            <pc:docMk/>
-            <pc:sldMk cId="40268896" sldId="256"/>
-            <ac:spMk id="22" creationId="{E67D1587-504D-41BC-9D48-B61257BFBCF0}"/>
-          </ac:spMkLst>
-        </pc:spChg>
-        <pc:spChg chg="add del">
-          <ac:chgData name="MCLEAN Andrew" userId="53eb7057-3b6c-42b5-a1b3-a500ed6d1b73" providerId="ADAL" clId="{9041F567-5BC2-44EA-B550-D47CE5D0244E}" dt="2021-09-23T13:38:41.475" v="119" actId="26606"/>
-          <ac:spMkLst>
-            <pc:docMk/>
-            <pc:sldMk cId="40268896" sldId="256"/>
-            <ac:spMk id="24" creationId="{8765DD1A-F044-4DE7-8A9B-7C30DC85A4AF}"/>
-          </ac:spMkLst>
-        </pc:spChg>
-        <pc:spChg chg="add del">
-          <ac:chgData name="MCLEAN Andrew" userId="53eb7057-3b6c-42b5-a1b3-a500ed6d1b73" providerId="ADAL" clId="{9041F567-5BC2-44EA-B550-D47CE5D0244E}" dt="2021-09-23T13:38:41.475" v="119" actId="26606"/>
-          <ac:spMkLst>
-            <pc:docMk/>
-            <pc:sldMk cId="40268896" sldId="256"/>
-            <ac:spMk id="26" creationId="{2FE2170D-72D6-48A8-8E9A-BFF3BF03D032}"/>
-          </ac:spMkLst>
-        </pc:spChg>
-        <pc:spChg chg="add del">
-          <ac:chgData name="MCLEAN Andrew" userId="53eb7057-3b6c-42b5-a1b3-a500ed6d1b73" providerId="ADAL" clId="{9041F567-5BC2-44EA-B550-D47CE5D0244E}" dt="2021-09-23T13:38:41.475" v="119" actId="26606"/>
-          <ac:spMkLst>
-            <pc:docMk/>
-            <pc:sldMk cId="40268896" sldId="256"/>
-            <ac:spMk id="28" creationId="{01D19436-094D-463D-AFEA-870FDBD03797}"/>
-          </ac:spMkLst>
-        </pc:spChg>
-        <pc:spChg chg="add del">
-          <ac:chgData name="MCLEAN Andrew" userId="53eb7057-3b6c-42b5-a1b3-a500ed6d1b73" providerId="ADAL" clId="{9041F567-5BC2-44EA-B550-D47CE5D0244E}" dt="2021-09-23T13:38:41.475" v="119" actId="26606"/>
-          <ac:spMkLst>
-            <pc:docMk/>
-            <pc:sldMk cId="40268896" sldId="256"/>
-            <ac:spMk id="30" creationId="{9A2DE6E0-967C-4C58-8558-EC08F1138BD1}"/>
-          </ac:spMkLst>
-        </pc:spChg>
-        <pc:spChg chg="add">
-          <ac:chgData name="MCLEAN Andrew" userId="53eb7057-3b6c-42b5-a1b3-a500ed6d1b73" providerId="ADAL" clId="{9041F567-5BC2-44EA-B550-D47CE5D0244E}" dt="2021-09-23T13:38:41.475" v="119" actId="26606"/>
-          <ac:spMkLst>
-            <pc:docMk/>
-            <pc:sldMk cId="40268896" sldId="256"/>
-            <ac:spMk id="35" creationId="{3559A5F2-8BE0-4998-A1E4-1B145465A981}"/>
-          </ac:spMkLst>
-        </pc:spChg>
-        <pc:spChg chg="add">
-          <ac:chgData name="MCLEAN Andrew" userId="53eb7057-3b6c-42b5-a1b3-a500ed6d1b73" providerId="ADAL" clId="{9041F567-5BC2-44EA-B550-D47CE5D0244E}" dt="2021-09-23T13:38:41.475" v="119" actId="26606"/>
-          <ac:spMkLst>
-            <pc:docMk/>
-            <pc:sldMk cId="40268896" sldId="256"/>
-            <ac:spMk id="37" creationId="{3A6596D4-D53C-424F-9F16-CC8686C079E0}"/>
-          </ac:spMkLst>
-        </pc:spChg>
-        <pc:spChg chg="add">
-          <ac:chgData name="MCLEAN Andrew" userId="53eb7057-3b6c-42b5-a1b3-a500ed6d1b73" providerId="ADAL" clId="{9041F567-5BC2-44EA-B550-D47CE5D0244E}" dt="2021-09-23T13:38:41.475" v="119" actId="26606"/>
-          <ac:spMkLst>
-            <pc:docMk/>
-            <pc:sldMk cId="40268896" sldId="256"/>
-            <ac:spMk id="43" creationId="{9772CABD-4211-42AA-B349-D4002E52F1EF}"/>
-          </ac:spMkLst>
-        </pc:spChg>
-        <pc:spChg chg="add">
-          <ac:chgData name="MCLEAN Andrew" userId="53eb7057-3b6c-42b5-a1b3-a500ed6d1b73" providerId="ADAL" clId="{9041F567-5BC2-44EA-B550-D47CE5D0244E}" dt="2021-09-23T13:38:41.475" v="119" actId="26606"/>
-          <ac:spMkLst>
-            <pc:docMk/>
-            <pc:sldMk cId="40268896" sldId="256"/>
-            <ac:spMk id="45" creationId="{BBD91630-4DBA-4294-8016-FEB5C3B0CED1}"/>
-          </ac:spMkLst>
-        </pc:spChg>
-        <pc:spChg chg="add">
-          <ac:chgData name="MCLEAN Andrew" userId="53eb7057-3b6c-42b5-a1b3-a500ed6d1b73" providerId="ADAL" clId="{9041F567-5BC2-44EA-B550-D47CE5D0244E}" dt="2021-09-23T13:38:41.475" v="119" actId="26606"/>
-          <ac:spMkLst>
-            <pc:docMk/>
-            <pc:sldMk cId="40268896" sldId="256"/>
-            <ac:spMk id="47" creationId="{E67D1587-504D-41BC-9D48-B61257BFBCF0}"/>
-          </ac:spMkLst>
-        </pc:spChg>
-        <pc:spChg chg="add">
-          <ac:chgData name="MCLEAN Andrew" userId="53eb7057-3b6c-42b5-a1b3-a500ed6d1b73" providerId="ADAL" clId="{9041F567-5BC2-44EA-B550-D47CE5D0244E}" dt="2021-09-23T13:38:41.475" v="119" actId="26606"/>
-          <ac:spMkLst>
-            <pc:docMk/>
-            <pc:sldMk cId="40268896" sldId="256"/>
-            <ac:spMk id="49" creationId="{8765DD1A-F044-4DE7-8A9B-7C30DC85A4AF}"/>
-          </ac:spMkLst>
-        </pc:spChg>
-        <pc:spChg chg="add">
-          <ac:chgData name="MCLEAN Andrew" userId="53eb7057-3b6c-42b5-a1b3-a500ed6d1b73" providerId="ADAL" clId="{9041F567-5BC2-44EA-B550-D47CE5D0244E}" dt="2021-09-23T13:38:41.475" v="119" actId="26606"/>
-          <ac:spMkLst>
-            <pc:docMk/>
-            <pc:sldMk cId="40268896" sldId="256"/>
-            <ac:spMk id="51" creationId="{2FE2170D-72D6-48A8-8E9A-BFF3BF03D032}"/>
-          </ac:spMkLst>
-        </pc:spChg>
-        <pc:spChg chg="add">
-          <ac:chgData name="MCLEAN Andrew" userId="53eb7057-3b6c-42b5-a1b3-a500ed6d1b73" providerId="ADAL" clId="{9041F567-5BC2-44EA-B550-D47CE5D0244E}" dt="2021-09-23T13:38:41.475" v="119" actId="26606"/>
-          <ac:spMkLst>
-            <pc:docMk/>
-            <pc:sldMk cId="40268896" sldId="256"/>
-            <ac:spMk id="53" creationId="{01D19436-094D-463D-AFEA-870FDBD03797}"/>
-          </ac:spMkLst>
-        </pc:spChg>
-        <pc:spChg chg="add">
-          <ac:chgData name="MCLEAN Andrew" userId="53eb7057-3b6c-42b5-a1b3-a500ed6d1b73" providerId="ADAL" clId="{9041F567-5BC2-44EA-B550-D47CE5D0244E}" dt="2021-09-23T13:38:41.475" v="119" actId="26606"/>
-          <ac:spMkLst>
-            <pc:docMk/>
-            <pc:sldMk cId="40268896" sldId="256"/>
-            <ac:spMk id="55" creationId="{9A2DE6E0-967C-4C58-8558-EC08F1138BD1}"/>
-          </ac:spMkLst>
-        </pc:spChg>
-        <pc:picChg chg="add del mod ord">
-          <ac:chgData name="MCLEAN Andrew" userId="53eb7057-3b6c-42b5-a1b3-a500ed6d1b73" providerId="ADAL" clId="{9041F567-5BC2-44EA-B550-D47CE5D0244E}" dt="2021-09-23T13:38:28.493" v="115" actId="478"/>
-          <ac:picMkLst>
-            <pc:docMk/>
-            <pc:sldMk cId="40268896" sldId="256"/>
-            <ac:picMk id="5" creationId="{F74FAEE2-BD49-45A3-8531-8AAE473372D9}"/>
-          </ac:picMkLst>
-        </pc:picChg>
-        <pc:picChg chg="add mod ord">
-          <ac:chgData name="MCLEAN Andrew" userId="53eb7057-3b6c-42b5-a1b3-a500ed6d1b73" providerId="ADAL" clId="{9041F567-5BC2-44EA-B550-D47CE5D0244E}" dt="2021-09-23T13:38:41.475" v="119" actId="26606"/>
-          <ac:picMkLst>
-            <pc:docMk/>
-            <pc:sldMk cId="40268896" sldId="256"/>
-            <ac:picMk id="7" creationId="{13652E18-EADA-4806-860F-2D28DC07DD5C}"/>
-          </ac:picMkLst>
-        </pc:picChg>
-        <pc:cxnChg chg="add del">
-          <ac:chgData name="MCLEAN Andrew" userId="53eb7057-3b6c-42b5-a1b3-a500ed6d1b73" providerId="ADAL" clId="{9041F567-5BC2-44EA-B550-D47CE5D0244E}" dt="2021-09-23T13:38:41.475" v="119" actId="26606"/>
-          <ac:cxnSpMkLst>
-            <pc:docMk/>
-            <pc:sldMk cId="40268896" sldId="256"/>
-            <ac:cxnSpMk id="14" creationId="{81BB890B-70D4-42FE-A599-6AEF1A42D972}"/>
-          </ac:cxnSpMkLst>
-        </pc:cxnChg>
-        <pc:cxnChg chg="add del">
-          <ac:chgData name="MCLEAN Andrew" userId="53eb7057-3b6c-42b5-a1b3-a500ed6d1b73" providerId="ADAL" clId="{9041F567-5BC2-44EA-B550-D47CE5D0244E}" dt="2021-09-23T13:38:41.475" v="119" actId="26606"/>
-          <ac:cxnSpMkLst>
-            <pc:docMk/>
-            <pc:sldMk cId="40268896" sldId="256"/>
-            <ac:cxnSpMk id="16" creationId="{3842D646-B58C-43C8-8152-01BC782B725D}"/>
-          </ac:cxnSpMkLst>
-        </pc:cxnChg>
-        <pc:cxnChg chg="add">
-          <ac:chgData name="MCLEAN Andrew" userId="53eb7057-3b6c-42b5-a1b3-a500ed6d1b73" providerId="ADAL" clId="{9041F567-5BC2-44EA-B550-D47CE5D0244E}" dt="2021-09-23T13:38:41.475" v="119" actId="26606"/>
-          <ac:cxnSpMkLst>
-            <pc:docMk/>
-            <pc:sldMk cId="40268896" sldId="256"/>
-            <ac:cxnSpMk id="39" creationId="{81BB890B-70D4-42FE-A599-6AEF1A42D972}"/>
-          </ac:cxnSpMkLst>
-        </pc:cxnChg>
-        <pc:cxnChg chg="add">
-          <ac:chgData name="MCLEAN Andrew" userId="53eb7057-3b6c-42b5-a1b3-a500ed6d1b73" providerId="ADAL" clId="{9041F567-5BC2-44EA-B550-D47CE5D0244E}" dt="2021-09-23T13:38:41.475" v="119" actId="26606"/>
-          <ac:cxnSpMkLst>
-            <pc:docMk/>
-            <pc:sldMk cId="40268896" sldId="256"/>
-            <ac:cxnSpMk id="41" creationId="{3842D646-B58C-43C8-8152-01BC782B725D}"/>
-          </ac:cxnSpMkLst>
-        </pc:cxnChg>
-      </pc:sldChg>
-      <pc:sldChg chg="addSp delSp modSp mod">
-        <pc:chgData name="MCLEAN Andrew" userId="53eb7057-3b6c-42b5-a1b3-a500ed6d1b73" providerId="ADAL" clId="{9041F567-5BC2-44EA-B550-D47CE5D0244E}" dt="2021-09-23T13:37:58.185" v="114" actId="208"/>
-        <pc:sldMkLst>
-          <pc:docMk/>
-          <pc:sldMk cId="3927617895" sldId="281"/>
-        </pc:sldMkLst>
-        <pc:picChg chg="add mod">
-          <ac:chgData name="MCLEAN Andrew" userId="53eb7057-3b6c-42b5-a1b3-a500ed6d1b73" providerId="ADAL" clId="{9041F567-5BC2-44EA-B550-D47CE5D0244E}" dt="2021-09-23T13:37:58.185" v="114" actId="208"/>
-          <ac:picMkLst>
-            <pc:docMk/>
-            <pc:sldMk cId="3927617895" sldId="281"/>
-            <ac:picMk id="4" creationId="{D5490FA0-837F-4962-8369-8D9CDEDFB303}"/>
-          </ac:picMkLst>
-        </pc:picChg>
-        <pc:picChg chg="del">
-          <ac:chgData name="MCLEAN Andrew" userId="53eb7057-3b6c-42b5-a1b3-a500ed6d1b73" providerId="ADAL" clId="{9041F567-5BC2-44EA-B550-D47CE5D0244E}" dt="2021-09-23T13:37:32.581" v="108" actId="478"/>
-          <ac:picMkLst>
-            <pc:docMk/>
-            <pc:sldMk cId="3927617895" sldId="281"/>
-            <ac:picMk id="8" creationId="{18D10EE5-703D-4454-956E-2FA85415871C}"/>
-          </ac:picMkLst>
-        </pc:picChg>
-      </pc:sldChg>
-      <pc:sldChg chg="addSp delSp modSp mod setBg">
-        <pc:chgData name="MCLEAN Andrew" userId="53eb7057-3b6c-42b5-a1b3-a500ed6d1b73" providerId="ADAL" clId="{9041F567-5BC2-44EA-B550-D47CE5D0244E}" dt="2021-09-23T13:31:36.906" v="66" actId="20577"/>
-        <pc:sldMkLst>
-          <pc:docMk/>
-          <pc:sldMk cId="3089399495" sldId="283"/>
-        </pc:sldMkLst>
-        <pc:spChg chg="mod">
-          <ac:chgData name="MCLEAN Andrew" userId="53eb7057-3b6c-42b5-a1b3-a500ed6d1b73" providerId="ADAL" clId="{9041F567-5BC2-44EA-B550-D47CE5D0244E}" dt="2021-09-23T13:27:54.227" v="34" actId="26606"/>
-          <ac:spMkLst>
-            <pc:docMk/>
-            <pc:sldMk cId="3089399495" sldId="283"/>
-            <ac:spMk id="2" creationId="{2EE9D09F-1E6A-4463-9162-BB9C91BC0DAC}"/>
-          </ac:spMkLst>
-        </pc:spChg>
-        <pc:spChg chg="mod">
-          <ac:chgData name="MCLEAN Andrew" userId="53eb7057-3b6c-42b5-a1b3-a500ed6d1b73" providerId="ADAL" clId="{9041F567-5BC2-44EA-B550-D47CE5D0244E}" dt="2021-09-23T13:31:36.906" v="66" actId="20577"/>
-          <ac:spMkLst>
-            <pc:docMk/>
-            <pc:sldMk cId="3089399495" sldId="283"/>
-            <ac:spMk id="6" creationId="{8FAA3E5F-AC40-4BD6-87AC-1007B6E82E66}"/>
-          </ac:spMkLst>
-        </pc:spChg>
-        <pc:spChg chg="add">
-          <ac:chgData name="MCLEAN Andrew" userId="53eb7057-3b6c-42b5-a1b3-a500ed6d1b73" providerId="ADAL" clId="{9041F567-5BC2-44EA-B550-D47CE5D0244E}" dt="2021-09-23T13:27:54.227" v="34" actId="26606"/>
-          <ac:spMkLst>
-            <pc:docMk/>
-            <pc:sldMk cId="3089399495" sldId="283"/>
-            <ac:spMk id="15" creationId="{3F088236-D655-4F88-B238-E16762358025}"/>
-          </ac:spMkLst>
-        </pc:spChg>
-        <pc:spChg chg="add">
-          <ac:chgData name="MCLEAN Andrew" userId="53eb7057-3b6c-42b5-a1b3-a500ed6d1b73" providerId="ADAL" clId="{9041F567-5BC2-44EA-B550-D47CE5D0244E}" dt="2021-09-23T13:27:54.227" v="34" actId="26606"/>
-          <ac:spMkLst>
-            <pc:docMk/>
-            <pc:sldMk cId="3089399495" sldId="283"/>
-            <ac:spMk id="17" creationId="{3DAC0C92-199E-475C-9390-119A9B027276}"/>
-          </ac:spMkLst>
-        </pc:spChg>
-        <pc:spChg chg="add">
-          <ac:chgData name="MCLEAN Andrew" userId="53eb7057-3b6c-42b5-a1b3-a500ed6d1b73" providerId="ADAL" clId="{9041F567-5BC2-44EA-B550-D47CE5D0244E}" dt="2021-09-23T13:27:54.227" v="34" actId="26606"/>
-          <ac:spMkLst>
-            <pc:docMk/>
-            <pc:sldMk cId="3089399495" sldId="283"/>
-            <ac:spMk id="19" creationId="{C4CFB339-0ED8-4FE2-9EF1-6D1375B8499B}"/>
-          </ac:spMkLst>
-        </pc:spChg>
-        <pc:spChg chg="add">
-          <ac:chgData name="MCLEAN Andrew" userId="53eb7057-3b6c-42b5-a1b3-a500ed6d1b73" providerId="ADAL" clId="{9041F567-5BC2-44EA-B550-D47CE5D0244E}" dt="2021-09-23T13:27:54.227" v="34" actId="26606"/>
-          <ac:spMkLst>
-            <pc:docMk/>
-            <pc:sldMk cId="3089399495" sldId="283"/>
-            <ac:spMk id="21" creationId="{31896C80-2069-4431-9C19-83B913734490}"/>
-          </ac:spMkLst>
-        </pc:spChg>
-        <pc:spChg chg="add">
-          <ac:chgData name="MCLEAN Andrew" userId="53eb7057-3b6c-42b5-a1b3-a500ed6d1b73" providerId="ADAL" clId="{9041F567-5BC2-44EA-B550-D47CE5D0244E}" dt="2021-09-23T13:27:54.227" v="34" actId="26606"/>
-          <ac:spMkLst>
-            <pc:docMk/>
-            <pc:sldMk cId="3089399495" sldId="283"/>
-            <ac:spMk id="23" creationId="{BF120A21-0841-4823-B0C4-28AEBCEF9B78}"/>
-          </ac:spMkLst>
-        </pc:spChg>
-        <pc:spChg chg="add">
-          <ac:chgData name="MCLEAN Andrew" userId="53eb7057-3b6c-42b5-a1b3-a500ed6d1b73" providerId="ADAL" clId="{9041F567-5BC2-44EA-B550-D47CE5D0244E}" dt="2021-09-23T13:27:54.227" v="34" actId="26606"/>
-          <ac:spMkLst>
-            <pc:docMk/>
-            <pc:sldMk cId="3089399495" sldId="283"/>
-            <ac:spMk id="25" creationId="{DBB05BAE-BBD3-4289-899F-A6851503C6B0}"/>
-          </ac:spMkLst>
-        </pc:spChg>
-        <pc:spChg chg="add">
-          <ac:chgData name="MCLEAN Andrew" userId="53eb7057-3b6c-42b5-a1b3-a500ed6d1b73" providerId="ADAL" clId="{9041F567-5BC2-44EA-B550-D47CE5D0244E}" dt="2021-09-23T13:27:54.227" v="34" actId="26606"/>
-          <ac:spMkLst>
-            <pc:docMk/>
-            <pc:sldMk cId="3089399495" sldId="283"/>
-            <ac:spMk id="27" creationId="{9874D11C-36F5-4BBE-A490-019A54E953B0}"/>
-          </ac:spMkLst>
-        </pc:spChg>
-        <pc:picChg chg="del">
-          <ac:chgData name="MCLEAN Andrew" userId="53eb7057-3b6c-42b5-a1b3-a500ed6d1b73" providerId="ADAL" clId="{9041F567-5BC2-44EA-B550-D47CE5D0244E}" dt="2021-09-23T13:26:07.672" v="30" actId="478"/>
-          <ac:picMkLst>
-            <pc:docMk/>
-            <pc:sldMk cId="3089399495" sldId="283"/>
-            <ac:picMk id="4" creationId="{A64595E1-F783-4D2D-909E-6F8DEF88E7A3}"/>
-          </ac:picMkLst>
-        </pc:picChg>
-        <pc:picChg chg="add mod ord">
-          <ac:chgData name="MCLEAN Andrew" userId="53eb7057-3b6c-42b5-a1b3-a500ed6d1b73" providerId="ADAL" clId="{9041F567-5BC2-44EA-B550-D47CE5D0244E}" dt="2021-09-23T13:27:54.227" v="34" actId="26606"/>
-          <ac:picMkLst>
-            <pc:docMk/>
-            <pc:sldMk cId="3089399495" sldId="283"/>
-            <ac:picMk id="5" creationId="{004B37A0-A86F-40C4-80E7-64A6C6E2C128}"/>
-          </ac:picMkLst>
-        </pc:picChg>
-        <pc:cxnChg chg="add">
-          <ac:chgData name="MCLEAN Andrew" userId="53eb7057-3b6c-42b5-a1b3-a500ed6d1b73" providerId="ADAL" clId="{9041F567-5BC2-44EA-B550-D47CE5D0244E}" dt="2021-09-23T13:27:54.227" v="34" actId="26606"/>
-          <ac:cxnSpMkLst>
-            <pc:docMk/>
-            <pc:sldMk cId="3089399495" sldId="283"/>
-            <ac:cxnSpMk id="11" creationId="{64FA5DFF-7FE6-4855-84E6-DFA78EE978BD}"/>
-          </ac:cxnSpMkLst>
-        </pc:cxnChg>
-        <pc:cxnChg chg="add">
-          <ac:chgData name="MCLEAN Andrew" userId="53eb7057-3b6c-42b5-a1b3-a500ed6d1b73" providerId="ADAL" clId="{9041F567-5BC2-44EA-B550-D47CE5D0244E}" dt="2021-09-23T13:27:54.227" v="34" actId="26606"/>
-          <ac:cxnSpMkLst>
-            <pc:docMk/>
-            <pc:sldMk cId="3089399495" sldId="283"/>
-            <ac:cxnSpMk id="13" creationId="{2AFD8CBA-54A3-4363-991B-B9C631BBFA74}"/>
-          </ac:cxnSpMkLst>
-        </pc:cxnChg>
-      </pc:sldChg>
-      <pc:sldChg chg="del">
-        <pc:chgData name="MCLEAN Andrew" userId="53eb7057-3b6c-42b5-a1b3-a500ed6d1b73" providerId="ADAL" clId="{9041F567-5BC2-44EA-B550-D47CE5D0244E}" dt="2021-09-23T13:32:47.857" v="69" actId="47"/>
-        <pc:sldMkLst>
-          <pc:docMk/>
-          <pc:sldMk cId="3177233107" sldId="284"/>
-        </pc:sldMkLst>
-      </pc:sldChg>
-      <pc:sldChg chg="modSp mod">
-        <pc:chgData name="MCLEAN Andrew" userId="53eb7057-3b6c-42b5-a1b3-a500ed6d1b73" providerId="ADAL" clId="{9041F567-5BC2-44EA-B550-D47CE5D0244E}" dt="2021-09-23T13:33:37.287" v="107" actId="20577"/>
-        <pc:sldMkLst>
-          <pc:docMk/>
-          <pc:sldMk cId="457858153" sldId="285"/>
-        </pc:sldMkLst>
-        <pc:spChg chg="mod">
-          <ac:chgData name="MCLEAN Andrew" userId="53eb7057-3b6c-42b5-a1b3-a500ed6d1b73" providerId="ADAL" clId="{9041F567-5BC2-44EA-B550-D47CE5D0244E}" dt="2021-09-23T13:33:37.287" v="107" actId="20577"/>
-          <ac:spMkLst>
-            <pc:docMk/>
-            <pc:sldMk cId="457858153" sldId="285"/>
-            <ac:spMk id="3" creationId="{C8290B68-1810-42B4-A767-127981EADCEC}"/>
-          </ac:spMkLst>
-        </pc:spChg>
-      </pc:sldChg>
-      <pc:sldChg chg="ord">
-        <pc:chgData name="MCLEAN Andrew" userId="53eb7057-3b6c-42b5-a1b3-a500ed6d1b73" providerId="ADAL" clId="{9041F567-5BC2-44EA-B550-D47CE5D0244E}" dt="2021-09-23T13:32:01.676" v="68"/>
-        <pc:sldMkLst>
-          <pc:docMk/>
-          <pc:sldMk cId="4064535349" sldId="287"/>
-        </pc:sldMkLst>
-      </pc:sldChg>
-      <pc:sldChg chg="modSp mod">
-        <pc:chgData name="MCLEAN Andrew" userId="53eb7057-3b6c-42b5-a1b3-a500ed6d1b73" providerId="ADAL" clId="{9041F567-5BC2-44EA-B550-D47CE5D0244E}" dt="2021-09-23T13:33:07.640" v="102" actId="14100"/>
-        <pc:sldMkLst>
-          <pc:docMk/>
-          <pc:sldMk cId="2758534087" sldId="289"/>
-        </pc:sldMkLst>
-        <pc:spChg chg="mod">
-          <ac:chgData name="MCLEAN Andrew" userId="53eb7057-3b6c-42b5-a1b3-a500ed6d1b73" providerId="ADAL" clId="{9041F567-5BC2-44EA-B550-D47CE5D0244E}" dt="2021-09-23T13:33:07.640" v="102" actId="14100"/>
-          <ac:spMkLst>
-            <pc:docMk/>
-            <pc:sldMk cId="2758534087" sldId="289"/>
-            <ac:spMk id="2" creationId="{F29DD455-E6E2-437E-99D2-5279CE2535F6}"/>
-          </ac:spMkLst>
-        </pc:spChg>
-      </pc:sldChg>
-      <pc:sldChg chg="delSp modSp add mod">
-        <pc:chgData name="MCLEAN Andrew" userId="53eb7057-3b6c-42b5-a1b3-a500ed6d1b73" providerId="ADAL" clId="{9041F567-5BC2-44EA-B550-D47CE5D0244E}" dt="2021-09-23T13:30:19.022" v="44" actId="20577"/>
-        <pc:sldMkLst>
-          <pc:docMk/>
-          <pc:sldMk cId="2815963577" sldId="290"/>
-        </pc:sldMkLst>
-        <pc:spChg chg="mod">
-          <ac:chgData name="MCLEAN Andrew" userId="53eb7057-3b6c-42b5-a1b3-a500ed6d1b73" providerId="ADAL" clId="{9041F567-5BC2-44EA-B550-D47CE5D0244E}" dt="2021-09-23T13:30:19.022" v="44" actId="20577"/>
-          <ac:spMkLst>
-            <pc:docMk/>
-            <pc:sldMk cId="2815963577" sldId="290"/>
-            <ac:spMk id="6" creationId="{8FAA3E5F-AC40-4BD6-87AC-1007B6E82E66}"/>
-          </ac:spMkLst>
-        </pc:spChg>
-        <pc:picChg chg="del">
-          <ac:chgData name="MCLEAN Andrew" userId="53eb7057-3b6c-42b5-a1b3-a500ed6d1b73" providerId="ADAL" clId="{9041F567-5BC2-44EA-B550-D47CE5D0244E}" dt="2021-09-23T13:30:14.753" v="43" actId="478"/>
-          <ac:picMkLst>
-            <pc:docMk/>
-            <pc:sldMk cId="2815963577" sldId="290"/>
-            <ac:picMk id="5" creationId="{92B7BB61-C3AD-429D-B881-8D72115C19EA}"/>
-          </ac:picMkLst>
-        </pc:picChg>
-      </pc:sldChg>
-    </pc:docChg>
-  </pc:docChgLst>
-  <pc:docChgLst>
-    <pc:chgData name="Andrew McLean" userId="53eb7057-3b6c-42b5-a1b3-a500ed6d1b73" providerId="ADAL" clId="{E4BB9B51-6DBF-4DDB-9535-1B6D3E471AD7}"/>
-    <pc:docChg chg="modSld">
-      <pc:chgData name="Andrew McLean" userId="53eb7057-3b6c-42b5-a1b3-a500ed6d1b73" providerId="ADAL" clId="{E4BB9B51-6DBF-4DDB-9535-1B6D3E471AD7}" dt="2022-09-26T13:27:08.605" v="37" actId="20577"/>
-      <pc:docMkLst>
-        <pc:docMk/>
-      </pc:docMkLst>
-      <pc:sldChg chg="modSp mod">
-        <pc:chgData name="Andrew McLean" userId="53eb7057-3b6c-42b5-a1b3-a500ed6d1b73" providerId="ADAL" clId="{E4BB9B51-6DBF-4DDB-9535-1B6D3E471AD7}" dt="2022-09-26T13:15:14.176" v="4" actId="20577"/>
-        <pc:sldMkLst>
-          <pc:docMk/>
-          <pc:sldMk cId="2577635408" sldId="257"/>
-        </pc:sldMkLst>
-        <pc:spChg chg="mod">
-          <ac:chgData name="Andrew McLean" userId="53eb7057-3b6c-42b5-a1b3-a500ed6d1b73" providerId="ADAL" clId="{E4BB9B51-6DBF-4DDB-9535-1B6D3E471AD7}" dt="2022-09-26T13:15:14.176" v="4" actId="20577"/>
-          <ac:spMkLst>
-            <pc:docMk/>
-            <pc:sldMk cId="2577635408" sldId="257"/>
-            <ac:spMk id="6" creationId="{8FAA3E5F-AC40-4BD6-87AC-1007B6E82E66}"/>
-          </ac:spMkLst>
-        </pc:spChg>
-      </pc:sldChg>
-      <pc:sldChg chg="modSp mod">
-        <pc:chgData name="Andrew McLean" userId="53eb7057-3b6c-42b5-a1b3-a500ed6d1b73" providerId="ADAL" clId="{E4BB9B51-6DBF-4DDB-9535-1B6D3E471AD7}" dt="2022-09-26T13:16:15.410" v="32" actId="20577"/>
-        <pc:sldMkLst>
-          <pc:docMk/>
-          <pc:sldMk cId="3089399495" sldId="283"/>
-        </pc:sldMkLst>
-        <pc:spChg chg="mod">
-          <ac:chgData name="Andrew McLean" userId="53eb7057-3b6c-42b5-a1b3-a500ed6d1b73" providerId="ADAL" clId="{E4BB9B51-6DBF-4DDB-9535-1B6D3E471AD7}" dt="2022-09-26T13:16:15.410" v="32" actId="20577"/>
-          <ac:spMkLst>
-            <pc:docMk/>
-            <pc:sldMk cId="3089399495" sldId="283"/>
-            <ac:spMk id="6" creationId="{8FAA3E5F-AC40-4BD6-87AC-1007B6E82E66}"/>
-          </ac:spMkLst>
-        </pc:spChg>
-      </pc:sldChg>
-      <pc:sldChg chg="modSp mod">
-        <pc:chgData name="Andrew McLean" userId="53eb7057-3b6c-42b5-a1b3-a500ed6d1b73" providerId="ADAL" clId="{E4BB9B51-6DBF-4DDB-9535-1B6D3E471AD7}" dt="2022-09-26T13:27:08.605" v="37" actId="20577"/>
-        <pc:sldMkLst>
-          <pc:docMk/>
-          <pc:sldMk cId="3593407456" sldId="292"/>
-        </pc:sldMkLst>
-        <pc:spChg chg="mod">
-          <ac:chgData name="Andrew McLean" userId="53eb7057-3b6c-42b5-a1b3-a500ed6d1b73" providerId="ADAL" clId="{E4BB9B51-6DBF-4DDB-9535-1B6D3E471AD7}" dt="2022-09-26T13:27:08.605" v="37" actId="20577"/>
-          <ac:spMkLst>
-            <pc:docMk/>
-            <pc:sldMk cId="3593407456" sldId="292"/>
-            <ac:spMk id="3" creationId="{C8290B68-1810-42B4-A767-127981EADCEC}"/>
-          </ac:spMkLst>
-        </pc:spChg>
-      </pc:sldChg>
-    </pc:docChg>
-  </pc:docChgLst>
-  <pc:docChgLst>
-    <pc:chgData name="MCLEAN Andrew" userId="53eb7057-3b6c-42b5-a1b3-a500ed6d1b73" providerId="ADAL" clId="{19FBCF6A-22E7-4C81-A4CA-B3C31798BC02}"/>
-    <pc:docChg chg="custSel delSld modSld">
-      <pc:chgData name="MCLEAN Andrew" userId="53eb7057-3b6c-42b5-a1b3-a500ed6d1b73" providerId="ADAL" clId="{19FBCF6A-22E7-4C81-A4CA-B3C31798BC02}" dt="2022-01-18T16:47:33.803" v="29" actId="47"/>
-      <pc:docMkLst>
-        <pc:docMk/>
-      </pc:docMkLst>
-      <pc:sldChg chg="modSp mod">
-        <pc:chgData name="MCLEAN Andrew" userId="53eb7057-3b6c-42b5-a1b3-a500ed6d1b73" providerId="ADAL" clId="{19FBCF6A-22E7-4C81-A4CA-B3C31798BC02}" dt="2022-01-18T16:24:49.380" v="27" actId="20577"/>
-        <pc:sldMkLst>
-          <pc:docMk/>
-          <pc:sldMk cId="3089399495" sldId="283"/>
-        </pc:sldMkLst>
-        <pc:spChg chg="mod">
-          <ac:chgData name="MCLEAN Andrew" userId="53eb7057-3b6c-42b5-a1b3-a500ed6d1b73" providerId="ADAL" clId="{19FBCF6A-22E7-4C81-A4CA-B3C31798BC02}" dt="2022-01-18T16:24:49.380" v="27" actId="20577"/>
-          <ac:spMkLst>
-            <pc:docMk/>
-            <pc:sldMk cId="3089399495" sldId="283"/>
-            <ac:spMk id="6" creationId="{8FAA3E5F-AC40-4BD6-87AC-1007B6E82E66}"/>
-          </ac:spMkLst>
-        </pc:spChg>
-      </pc:sldChg>
-      <pc:sldChg chg="modSp mod">
-        <pc:chgData name="MCLEAN Andrew" userId="53eb7057-3b6c-42b5-a1b3-a500ed6d1b73" providerId="ADAL" clId="{19FBCF6A-22E7-4C81-A4CA-B3C31798BC02}" dt="2022-01-18T16:25:31.974" v="28" actId="313"/>
-        <pc:sldMkLst>
-          <pc:docMk/>
-          <pc:sldMk cId="457858153" sldId="285"/>
-        </pc:sldMkLst>
-        <pc:spChg chg="mod">
-          <ac:chgData name="MCLEAN Andrew" userId="53eb7057-3b6c-42b5-a1b3-a500ed6d1b73" providerId="ADAL" clId="{19FBCF6A-22E7-4C81-A4CA-B3C31798BC02}" dt="2022-01-18T16:25:31.974" v="28" actId="313"/>
-          <ac:spMkLst>
-            <pc:docMk/>
-            <pc:sldMk cId="457858153" sldId="285"/>
-            <ac:spMk id="3" creationId="{C8290B68-1810-42B4-A767-127981EADCEC}"/>
-          </ac:spMkLst>
-        </pc:spChg>
-      </pc:sldChg>
-      <pc:sldChg chg="del">
-        <pc:chgData name="MCLEAN Andrew" userId="53eb7057-3b6c-42b5-a1b3-a500ed6d1b73" providerId="ADAL" clId="{19FBCF6A-22E7-4C81-A4CA-B3C31798BC02}" dt="2022-01-18T16:47:33.803" v="29" actId="47"/>
-        <pc:sldMkLst>
-          <pc:docMk/>
-          <pc:sldMk cId="2815963577" sldId="290"/>
-        </pc:sldMkLst>
-      </pc:sldChg>
-    </pc:docChg>
-  </pc:docChgLst>
-</pc:chgInfo>
+<file path=ppt/revisionInfo.xml><?xml version="1.0" encoding="utf-8"?>
+<p1510:revInfo xmlns:a="http://schemas.openxmlformats.org/drawingml/2006/main" xmlns:r="http://schemas.openxmlformats.org/officeDocument/2006/relationships" xmlns:p1510="http://schemas.microsoft.com/office/powerpoint/2015/10/main">
+  <p1510:revLst>
+    <p1510:client id="{ADA82207-2232-495D-A820-19873DD328BB}" v="4" dt="2024-09-24T12:36:23.663"/>
+  </p1510:revLst>
+</p1510:revInfo>
+</file>
+
+<file path=ppt/notesMasters/notesMaster1.xml><?xml version="1.0" encoding="utf-8"?>
+<p:notesMaster xmlns:a="http://schemas.openxmlformats.org/drawingml/2006/main" xmlns:r="http://schemas.openxmlformats.org/officeDocument/2006/relationships" xmlns:p="http://schemas.openxmlformats.org/presentationml/2006/main">
+  <p:cSld>
+    <p:bg>
+      <p:bgRef idx="1001">
+        <a:schemeClr val="bg1"/>
+      </p:bgRef>
+    </p:bg>
+    <p:spTree>
+      <p:nvGrpSpPr>
+        <p:cNvPr id="1" name=""/>
+        <p:cNvGrpSpPr/>
+        <p:nvPr/>
+      </p:nvGrpSpPr>
+      <p:grpSpPr>
+        <a:xfrm>
+          <a:off x="0" y="0"/>
+          <a:ext cx="0" cy="0"/>
+          <a:chOff x="0" y="0"/>
+          <a:chExt cx="0" cy="0"/>
+        </a:xfrm>
+      </p:grpSpPr>
+      <p:sp>
+        <p:nvSpPr>
+          <p:cNvPr id="2" name="Header Placeholder 1"/>
+          <p:cNvSpPr>
+            <a:spLocks noGrp="1"/>
+          </p:cNvSpPr>
+          <p:nvPr>
+            <p:ph type="hdr" sz="quarter"/>
+          </p:nvPr>
+        </p:nvSpPr>
+        <p:spPr>
+          <a:xfrm>
+            <a:off x="0" y="0"/>
+            <a:ext cx="2971800" cy="458788"/>
+          </a:xfrm>
+          <a:prstGeom prst="rect">
+            <a:avLst/>
+          </a:prstGeom>
+        </p:spPr>
+        <p:txBody>
+          <a:bodyPr vert="horz" lIns="91440" tIns="45720" rIns="91440" bIns="45720" rtlCol="0"/>
+          <a:lstStyle>
+            <a:lvl1pPr algn="l">
+              <a:defRPr sz="1200"/>
+            </a:lvl1pPr>
+          </a:lstStyle>
+          <a:p>
+            <a:endParaRPr lang="en-GB"/>
+          </a:p>
+        </p:txBody>
+      </p:sp>
+      <p:sp>
+        <p:nvSpPr>
+          <p:cNvPr id="3" name="Date Placeholder 2"/>
+          <p:cNvSpPr>
+            <a:spLocks noGrp="1"/>
+          </p:cNvSpPr>
+          <p:nvPr>
+            <p:ph type="dt" idx="1"/>
+          </p:nvPr>
+        </p:nvSpPr>
+        <p:spPr>
+          <a:xfrm>
+            <a:off x="3884613" y="0"/>
+            <a:ext cx="2971800" cy="458788"/>
+          </a:xfrm>
+          <a:prstGeom prst="rect">
+            <a:avLst/>
+          </a:prstGeom>
+        </p:spPr>
+        <p:txBody>
+          <a:bodyPr vert="horz" lIns="91440" tIns="45720" rIns="91440" bIns="45720" rtlCol="0"/>
+          <a:lstStyle>
+            <a:lvl1pPr algn="r">
+              <a:defRPr sz="1200"/>
+            </a:lvl1pPr>
+          </a:lstStyle>
+          <a:p>
+            <a:fld id="{CD420DB3-DB4E-455A-B8BD-AA7FEFD7CD83}" type="datetimeFigureOut">
+              <a:rPr lang="en-GB" smtClean="0"/>
+              <a:t>24/09/2024</a:t>
+            </a:fld>
+            <a:endParaRPr lang="en-GB"/>
+          </a:p>
+        </p:txBody>
+      </p:sp>
+      <p:sp>
+        <p:nvSpPr>
+          <p:cNvPr id="4" name="Slide Image Placeholder 3"/>
+          <p:cNvSpPr>
+            <a:spLocks noGrp="1" noRot="1" noChangeAspect="1"/>
+          </p:cNvSpPr>
+          <p:nvPr>
+            <p:ph type="sldImg" idx="2"/>
+          </p:nvPr>
+        </p:nvSpPr>
+        <p:spPr>
+          <a:xfrm>
+            <a:off x="685800" y="1143000"/>
+            <a:ext cx="5486400" cy="3086100"/>
+          </a:xfrm>
+          <a:prstGeom prst="rect">
+            <a:avLst/>
+          </a:prstGeom>
+          <a:noFill/>
+          <a:ln w="12700">
+            <a:solidFill>
+              <a:prstClr val="black"/>
+            </a:solidFill>
+          </a:ln>
+        </p:spPr>
+        <p:txBody>
+          <a:bodyPr vert="horz" lIns="91440" tIns="45720" rIns="91440" bIns="45720" rtlCol="0" anchor="ctr"/>
+          <a:lstStyle/>
+          <a:p>
+            <a:endParaRPr lang="en-GB"/>
+          </a:p>
+        </p:txBody>
+      </p:sp>
+      <p:sp>
+        <p:nvSpPr>
+          <p:cNvPr id="5" name="Notes Placeholder 4"/>
+          <p:cNvSpPr>
+            <a:spLocks noGrp="1"/>
+          </p:cNvSpPr>
+          <p:nvPr>
+            <p:ph type="body" sz="quarter" idx="3"/>
+          </p:nvPr>
+        </p:nvSpPr>
+        <p:spPr>
+          <a:xfrm>
+            <a:off x="685800" y="4400550"/>
+            <a:ext cx="5486400" cy="3600450"/>
+          </a:xfrm>
+          <a:prstGeom prst="rect">
+            <a:avLst/>
+          </a:prstGeom>
+        </p:spPr>
+        <p:txBody>
+          <a:bodyPr vert="horz" lIns="91440" tIns="45720" rIns="91440" bIns="45720" rtlCol="0"/>
+          <a:lstStyle/>
+          <a:p>
+            <a:pPr lvl="0"/>
+            <a:r>
+              <a:rPr lang="en-US"/>
+              <a:t>Click to edit Master text styles</a:t>
+            </a:r>
+          </a:p>
+          <a:p>
+            <a:pPr lvl="1"/>
+            <a:r>
+              <a:rPr lang="en-US"/>
+              <a:t>Second level</a:t>
+            </a:r>
+          </a:p>
+          <a:p>
+            <a:pPr lvl="2"/>
+            <a:r>
+              <a:rPr lang="en-US"/>
+              <a:t>Third level</a:t>
+            </a:r>
+          </a:p>
+          <a:p>
+            <a:pPr lvl="3"/>
+            <a:r>
+              <a:rPr lang="en-US"/>
+              <a:t>Fourth level</a:t>
+            </a:r>
+          </a:p>
+          <a:p>
+            <a:pPr lvl="4"/>
+            <a:r>
+              <a:rPr lang="en-US"/>
+              <a:t>Fifth level</a:t>
+            </a:r>
+            <a:endParaRPr lang="en-GB"/>
+          </a:p>
+        </p:txBody>
+      </p:sp>
+      <p:sp>
+        <p:nvSpPr>
+          <p:cNvPr id="6" name="Footer Placeholder 5"/>
+          <p:cNvSpPr>
+            <a:spLocks noGrp="1"/>
+          </p:cNvSpPr>
+          <p:nvPr>
+            <p:ph type="ftr" sz="quarter" idx="4"/>
+          </p:nvPr>
+        </p:nvSpPr>
+        <p:spPr>
+          <a:xfrm>
+            <a:off x="0" y="8685213"/>
+            <a:ext cx="2971800" cy="458787"/>
+          </a:xfrm>
+          <a:prstGeom prst="rect">
+            <a:avLst/>
+          </a:prstGeom>
+        </p:spPr>
+        <p:txBody>
+          <a:bodyPr vert="horz" lIns="91440" tIns="45720" rIns="91440" bIns="45720" rtlCol="0" anchor="b"/>
+          <a:lstStyle>
+            <a:lvl1pPr algn="l">
+              <a:defRPr sz="1200"/>
+            </a:lvl1pPr>
+          </a:lstStyle>
+          <a:p>
+            <a:endParaRPr lang="en-GB"/>
+          </a:p>
+        </p:txBody>
+      </p:sp>
+      <p:sp>
+        <p:nvSpPr>
+          <p:cNvPr id="7" name="Slide Number Placeholder 6"/>
+          <p:cNvSpPr>
+            <a:spLocks noGrp="1"/>
+          </p:cNvSpPr>
+          <p:nvPr>
+            <p:ph type="sldNum" sz="quarter" idx="5"/>
+          </p:nvPr>
+        </p:nvSpPr>
+        <p:spPr>
+          <a:xfrm>
+            <a:off x="3884613" y="8685213"/>
+            <a:ext cx="2971800" cy="458787"/>
+          </a:xfrm>
+          <a:prstGeom prst="rect">
+            <a:avLst/>
+          </a:prstGeom>
+        </p:spPr>
+        <p:txBody>
+          <a:bodyPr vert="horz" lIns="91440" tIns="45720" rIns="91440" bIns="45720" rtlCol="0" anchor="b"/>
+          <a:lstStyle>
+            <a:lvl1pPr algn="r">
+              <a:defRPr sz="1200"/>
+            </a:lvl1pPr>
+          </a:lstStyle>
+          <a:p>
+            <a:fld id="{4FFE8176-A870-43EE-B2AB-C4200210AE6F}" type="slidenum">
+              <a:rPr lang="en-GB" smtClean="0"/>
+              <a:t>‹#›</a:t>
+            </a:fld>
+            <a:endParaRPr lang="en-GB"/>
+          </a:p>
+        </p:txBody>
+      </p:sp>
+    </p:spTree>
+    <p:extLst>
+      <p:ext uri="{BB962C8B-B14F-4D97-AF65-F5344CB8AC3E}">
+        <p14:creationId xmlns:p14="http://schemas.microsoft.com/office/powerpoint/2010/main" val="1651468674"/>
+      </p:ext>
+    </p:extLst>
+  </p:cSld>
+  <p:clrMap bg1="lt1" tx1="dk1" bg2="lt2" tx2="dk2" accent1="accent1" accent2="accent2" accent3="accent3" accent4="accent4" accent5="accent5" accent6="accent6" hlink="hlink" folHlink="folHlink"/>
+  <p:notesStyle>
+    <a:lvl1pPr marL="0" algn="l" defTabSz="914400" rtl="0" eaLnBrk="1" latinLnBrk="0" hangingPunct="1">
+      <a:defRPr sz="1200" kern="1200">
+        <a:solidFill>
+          <a:schemeClr val="tx1"/>
+        </a:solidFill>
+        <a:latin typeface="+mn-lt"/>
+        <a:ea typeface="+mn-ea"/>
+        <a:cs typeface="+mn-cs"/>
+      </a:defRPr>
+    </a:lvl1pPr>
+    <a:lvl2pPr marL="457200" algn="l" defTabSz="914400" rtl="0" eaLnBrk="1" latinLnBrk="0" hangingPunct="1">
+      <a:defRPr sz="1200" kern="1200">
+        <a:solidFill>
+          <a:schemeClr val="tx1"/>
+        </a:solidFill>
+        <a:latin typeface="+mn-lt"/>
+        <a:ea typeface="+mn-ea"/>
+        <a:cs typeface="+mn-cs"/>
+      </a:defRPr>
+    </a:lvl2pPr>
+    <a:lvl3pPr marL="914400" algn="l" defTabSz="914400" rtl="0" eaLnBrk="1" latinLnBrk="0" hangingPunct="1">
+      <a:defRPr sz="1200" kern="1200">
+        <a:solidFill>
+          <a:schemeClr val="tx1"/>
+        </a:solidFill>
+        <a:latin typeface="+mn-lt"/>
+        <a:ea typeface="+mn-ea"/>
+        <a:cs typeface="+mn-cs"/>
+      </a:defRPr>
+    </a:lvl3pPr>
+    <a:lvl4pPr marL="1371600" algn="l" defTabSz="914400" rtl="0" eaLnBrk="1" latinLnBrk="0" hangingPunct="1">
+      <a:defRPr sz="1200" kern="1200">
+        <a:solidFill>
+          <a:schemeClr val="tx1"/>
+        </a:solidFill>
+        <a:latin typeface="+mn-lt"/>
+        <a:ea typeface="+mn-ea"/>
+        <a:cs typeface="+mn-cs"/>
+      </a:defRPr>
+    </a:lvl4pPr>
+    <a:lvl5pPr marL="1828800" algn="l" defTabSz="914400" rtl="0" eaLnBrk="1" latinLnBrk="0" hangingPunct="1">
+      <a:defRPr sz="1200" kern="1200">
+        <a:solidFill>
+          <a:schemeClr val="tx1"/>
+        </a:solidFill>
+        <a:latin typeface="+mn-lt"/>
+        <a:ea typeface="+mn-ea"/>
+        <a:cs typeface="+mn-cs"/>
+      </a:defRPr>
+    </a:lvl5pPr>
+    <a:lvl6pPr marL="2286000" algn="l" defTabSz="914400" rtl="0" eaLnBrk="1" latinLnBrk="0" hangingPunct="1">
+      <a:defRPr sz="1200" kern="1200">
+        <a:solidFill>
+          <a:schemeClr val="tx1"/>
+        </a:solidFill>
+        <a:latin typeface="+mn-lt"/>
+        <a:ea typeface="+mn-ea"/>
+        <a:cs typeface="+mn-cs"/>
+      </a:defRPr>
+    </a:lvl6pPr>
+    <a:lvl7pPr marL="2743200" algn="l" defTabSz="914400" rtl="0" eaLnBrk="1" latinLnBrk="0" hangingPunct="1">
+      <a:defRPr sz="1200" kern="1200">
+        <a:solidFill>
+          <a:schemeClr val="tx1"/>
+        </a:solidFill>
+        <a:latin typeface="+mn-lt"/>
+        <a:ea typeface="+mn-ea"/>
+        <a:cs typeface="+mn-cs"/>
+      </a:defRPr>
+    </a:lvl7pPr>
+    <a:lvl8pPr marL="3200400" algn="l" defTabSz="914400" rtl="0" eaLnBrk="1" latinLnBrk="0" hangingPunct="1">
+      <a:defRPr sz="1200" kern="1200">
+        <a:solidFill>
+          <a:schemeClr val="tx1"/>
+        </a:solidFill>
+        <a:latin typeface="+mn-lt"/>
+        <a:ea typeface="+mn-ea"/>
+        <a:cs typeface="+mn-cs"/>
+      </a:defRPr>
+    </a:lvl8pPr>
+    <a:lvl9pPr marL="3657600" algn="l" defTabSz="914400" rtl="0" eaLnBrk="1" latinLnBrk="0" hangingPunct="1">
+      <a:defRPr sz="1200" kern="1200">
+        <a:solidFill>
+          <a:schemeClr val="tx1"/>
+        </a:solidFill>
+        <a:latin typeface="+mn-lt"/>
+        <a:ea typeface="+mn-ea"/>
+        <a:cs typeface="+mn-cs"/>
+      </a:defRPr>
+    </a:lvl9pPr>
+  </p:notesStyle>
+</p:notesMaster>
+</file>
+
+<file path=ppt/notesSlides/notesSlide1.xml><?xml version="1.0" encoding="utf-8"?>
+<p:notes xmlns:a="http://schemas.openxmlformats.org/drawingml/2006/main" xmlns:r="http://schemas.openxmlformats.org/officeDocument/2006/relationships" xmlns:p="http://schemas.openxmlformats.org/presentationml/2006/main">
+  <p:cSld>
+    <p:spTree>
+      <p:nvGrpSpPr>
+        <p:cNvPr id="1" name=""/>
+        <p:cNvGrpSpPr/>
+        <p:nvPr/>
+      </p:nvGrpSpPr>
+      <p:grpSpPr>
+        <a:xfrm>
+          <a:off x="0" y="0"/>
+          <a:ext cx="0" cy="0"/>
+          <a:chOff x="0" y="0"/>
+          <a:chExt cx="0" cy="0"/>
+        </a:xfrm>
+      </p:grpSpPr>
+      <p:sp>
+        <p:nvSpPr>
+          <p:cNvPr id="2" name="Slide Image Placeholder 1"/>
+          <p:cNvSpPr>
+            <a:spLocks noGrp="1" noRot="1" noChangeAspect="1"/>
+          </p:cNvSpPr>
+          <p:nvPr>
+            <p:ph type="sldImg"/>
+          </p:nvPr>
+        </p:nvSpPr>
+        <p:spPr/>
+      </p:sp>
+      <p:sp>
+        <p:nvSpPr>
+          <p:cNvPr id="3" name="Notes Placeholder 2"/>
+          <p:cNvSpPr>
+            <a:spLocks noGrp="1"/>
+          </p:cNvSpPr>
+          <p:nvPr>
+            <p:ph type="body" idx="1"/>
+          </p:nvPr>
+        </p:nvSpPr>
+        <p:spPr/>
+        <p:txBody>
+          <a:bodyPr/>
+          <a:lstStyle/>
+          <a:p>
+            <a:r>
+              <a:rPr lang="en-GB" dirty="0"/>
+              <a:t>Who am I and how and why do I use R?</a:t>
+            </a:r>
+          </a:p>
+          <a:p>
+            <a:r>
+              <a:rPr lang="en-GB" dirty="0"/>
+              <a:t>- former athlete, current clinical sport psychology researcher.</a:t>
+            </a:r>
+          </a:p>
+          <a:p>
+            <a:r>
+              <a:rPr lang="en-GB" dirty="0"/>
+              <a:t>- I use R to manage and perform the analytic sections of my research; all the way from tidying and managing my data, to analysing, exploring and presenting it.</a:t>
+            </a:r>
+          </a:p>
+          <a:p>
+            <a:r>
+              <a:rPr lang="en-GB" dirty="0"/>
+              <a:t>- Analytically, I am interested in interaction effects in regression analyses as a means of understanding the influence of individual context on a generalised pattern. </a:t>
+            </a:r>
+          </a:p>
+          <a:p>
+            <a:r>
+              <a:rPr lang="en-GB" dirty="0"/>
+              <a:t>- I use these strategies to better understand some of the mental health challenges and paradoxes faced by elite athletes whose career and passions revolve around competing in high pressure environments.</a:t>
+            </a:r>
+          </a:p>
+          <a:p>
+            <a:endParaRPr lang="en-GB" dirty="0"/>
+          </a:p>
+        </p:txBody>
+      </p:sp>
+      <p:sp>
+        <p:nvSpPr>
+          <p:cNvPr id="4" name="Slide Number Placeholder 3"/>
+          <p:cNvSpPr>
+            <a:spLocks noGrp="1"/>
+          </p:cNvSpPr>
+          <p:nvPr>
+            <p:ph type="sldNum" sz="quarter" idx="5"/>
+          </p:nvPr>
+        </p:nvSpPr>
+        <p:spPr/>
+        <p:txBody>
+          <a:bodyPr/>
+          <a:lstStyle/>
+          <a:p>
+            <a:fld id="{4FFE8176-A870-43EE-B2AB-C4200210AE6F}" type="slidenum">
+              <a:rPr lang="en-GB" smtClean="0"/>
+              <a:t>2</a:t>
+            </a:fld>
+            <a:endParaRPr lang="en-GB"/>
+          </a:p>
+        </p:txBody>
+      </p:sp>
+    </p:spTree>
+    <p:extLst>
+      <p:ext uri="{BB962C8B-B14F-4D97-AF65-F5344CB8AC3E}">
+        <p14:creationId xmlns:p14="http://schemas.microsoft.com/office/powerpoint/2010/main" val="1705716002"/>
+      </p:ext>
+    </p:extLst>
+  </p:cSld>
+  <p:clrMapOvr>
+    <a:masterClrMapping/>
+  </p:clrMapOvr>
+</p:notes>
 </file>
 
 <file path=ppt/slideLayouts/slideLayout1.xml><?xml version="1.0" encoding="utf-8"?>
@@ -670,7 +615,7 @@
       </p:grpSpPr>
       <p:grpSp>
         <p:nvGrpSpPr>
-          <p:cNvPr id="7" name="Group 6"/>
+          <p:cNvPr id="16" name="Group 15"/>
           <p:cNvGrpSpPr/>
           <p:nvPr/>
         </p:nvGrpSpPr>
@@ -682,9 +627,72 @@
             <a:chExt cx="12192000" cy="6866467"/>
           </a:xfrm>
         </p:grpSpPr>
+        <p:sp>
+          <p:nvSpPr>
+            <p:cNvPr id="15" name="Freeform 14"/>
+            <p:cNvSpPr/>
+            <p:nvPr/>
+          </p:nvSpPr>
+          <p:spPr>
+            <a:xfrm>
+              <a:off x="0" y="-7862"/>
+              <a:ext cx="863600" cy="5698067"/>
+            </a:xfrm>
+            <a:custGeom>
+              <a:avLst/>
+              <a:gdLst/>
+              <a:ahLst/>
+              <a:cxnLst/>
+              <a:rect l="l" t="t" r="r" b="b"/>
+              <a:pathLst>
+                <a:path w="863600" h="5698067">
+                  <a:moveTo>
+                    <a:pt x="0" y="8467"/>
+                  </a:moveTo>
+                  <a:lnTo>
+                    <a:pt x="863600" y="0"/>
+                  </a:lnTo>
+                  <a:lnTo>
+                    <a:pt x="863600" y="16934"/>
+                  </a:lnTo>
+                  <a:lnTo>
+                    <a:pt x="0" y="5698067"/>
+                  </a:lnTo>
+                  <a:lnTo>
+                    <a:pt x="0" y="8467"/>
+                  </a:lnTo>
+                  <a:close/>
+                </a:path>
+              </a:pathLst>
+            </a:custGeom>
+            <a:solidFill>
+              <a:schemeClr val="accent1">
+                <a:alpha val="70000"/>
+              </a:schemeClr>
+            </a:solidFill>
+            <a:ln>
+              <a:noFill/>
+            </a:ln>
+            <a:effectLst/>
+          </p:spPr>
+          <p:style>
+            <a:lnRef idx="1">
+              <a:schemeClr val="accent1"/>
+            </a:lnRef>
+            <a:fillRef idx="3">
+              <a:schemeClr val="accent1"/>
+            </a:fillRef>
+            <a:effectRef idx="2">
+              <a:schemeClr val="accent1"/>
+            </a:effectRef>
+            <a:fontRef idx="minor">
+              <a:schemeClr val="lt1"/>
+            </a:fontRef>
+          </p:style>
+        </p:sp>
         <p:cxnSp>
           <p:nvCxnSpPr>
-            <p:cNvPr id="32" name="Straight Connector 31"/>
+            <p:cNvPr id="19" name="Straight Connector 18"/>
             <p:cNvCxnSpPr/>
             <p:nvPr/>
           </p:nvCxnSpPr>
@@ -698,8 +706,8 @@
             </a:prstGeom>
             <a:ln w="9525">
               <a:solidFill>
-                <a:schemeClr val="bg1">
-                  <a:lumMod val="75000"/>
+                <a:schemeClr val="accent1">
+                  <a:alpha val="70000"/>
                 </a:schemeClr>
               </a:solidFill>
             </a:ln>
@@ -721,7 +729,7 @@
         </p:cxnSp>
         <p:cxnSp>
           <p:nvCxnSpPr>
-            <p:cNvPr id="21" name="Straight Connector 20"/>
+            <p:cNvPr id="20" name="Straight Connector 19"/>
             <p:cNvCxnSpPr/>
             <p:nvPr/>
           </p:nvCxnSpPr>
@@ -735,8 +743,8 @@
             </a:prstGeom>
             <a:ln w="9525">
               <a:solidFill>
-                <a:schemeClr val="bg1">
-                  <a:lumMod val="85000"/>
+                <a:schemeClr val="accent1">
+                  <a:alpha val="70000"/>
                 </a:schemeClr>
               </a:solidFill>
             </a:ln>
@@ -758,7 +766,7 @@
         </p:cxnSp>
         <p:sp>
           <p:nvSpPr>
-            <p:cNvPr id="24" name="Rectangle 23"/>
+            <p:cNvPr id="21" name="Rectangle 23"/>
             <p:cNvSpPr/>
             <p:nvPr/>
           </p:nvSpPr>
@@ -796,7 +804,7 @@
             </a:custGeom>
             <a:solidFill>
               <a:schemeClr val="accent1">
-                <a:alpha val="30000"/>
+                <a:alpha val="36000"/>
               </a:schemeClr>
             </a:solidFill>
             <a:ln>
@@ -821,7 +829,7 @@
         </p:sp>
         <p:sp>
           <p:nvSpPr>
-            <p:cNvPr id="26" name="Rectangle 25"/>
+            <p:cNvPr id="22" name="Rectangle 25"/>
             <p:cNvSpPr/>
             <p:nvPr/>
           </p:nvSpPr>
@@ -884,7 +892,7 @@
         </p:sp>
         <p:sp>
           <p:nvSpPr>
-            <p:cNvPr id="27" name="Isosceles Triangle 26"/>
+            <p:cNvPr id="23" name="Isosceles Triangle 22"/>
             <p:cNvSpPr/>
             <p:nvPr/>
           </p:nvSpPr>
@@ -899,8 +907,9 @@
               </a:avLst>
             </a:prstGeom>
             <a:solidFill>
-              <a:schemeClr val="accent2">
-                <a:alpha val="72000"/>
+              <a:schemeClr val="accent1">
+                <a:lumMod val="75000"/>
+                <a:alpha val="66000"/>
               </a:schemeClr>
             </a:solidFill>
             <a:ln>
@@ -925,7 +934,7 @@
         </p:sp>
         <p:sp>
           <p:nvSpPr>
-            <p:cNvPr id="28" name="Rectangle 27"/>
+            <p:cNvPr id="24" name="Rectangle 27"/>
             <p:cNvSpPr/>
             <p:nvPr/>
           </p:nvSpPr>
@@ -962,9 +971,9 @@
               </a:pathLst>
             </a:custGeom>
             <a:solidFill>
-              <a:schemeClr val="accent2">
+              <a:schemeClr val="accent1">
                 <a:lumMod val="75000"/>
-                <a:alpha val="70000"/>
+                <a:alpha val="50000"/>
               </a:schemeClr>
             </a:solidFill>
             <a:ln>
@@ -989,7 +998,7 @@
         </p:sp>
         <p:sp>
           <p:nvSpPr>
-            <p:cNvPr id="29" name="Rectangle 28"/>
+            <p:cNvPr id="25" name="Rectangle 28"/>
             <p:cNvSpPr/>
             <p:nvPr/>
           </p:nvSpPr>
@@ -1026,9 +1035,7 @@
               </a:pathLst>
             </a:custGeom>
             <a:solidFill>
-              <a:schemeClr val="accent1">
-                <a:lumMod val="60000"/>
-                <a:lumOff val="40000"/>
+              <a:schemeClr val="accent2">
                 <a:alpha val="70000"/>
               </a:schemeClr>
             </a:solidFill>
@@ -1054,7 +1061,7 @@
         </p:sp>
         <p:sp>
           <p:nvSpPr>
-            <p:cNvPr id="30" name="Rectangle 29"/>
+            <p:cNvPr id="26" name="Rectangle 29"/>
             <p:cNvSpPr/>
             <p:nvPr/>
           </p:nvSpPr>
@@ -1091,48 +1098,8 @@
               </a:pathLst>
             </a:custGeom>
             <a:solidFill>
-              <a:schemeClr val="accent1">
-                <a:alpha val="65000"/>
-              </a:schemeClr>
-            </a:solidFill>
-            <a:ln>
-              <a:noFill/>
-            </a:ln>
-            <a:effectLst/>
-          </p:spPr>
-          <p:style>
-            <a:lnRef idx="1">
-              <a:schemeClr val="accent1"/>
-            </a:lnRef>
-            <a:fillRef idx="3">
-              <a:schemeClr val="accent1"/>
-            </a:fillRef>
-            <a:effectRef idx="2">
-              <a:schemeClr val="accent1"/>
-            </a:effectRef>
-            <a:fontRef idx="minor">
-              <a:schemeClr val="lt1"/>
-            </a:fontRef>
-          </p:style>
-        </p:sp>
-        <p:sp>
-          <p:nvSpPr>
-            <p:cNvPr id="31" name="Isosceles Triangle 30"/>
-            <p:cNvSpPr/>
-            <p:nvPr/>
-          </p:nvSpPr>
-          <p:spPr>
-            <a:xfrm>
-              <a:off x="10371666" y="3589867"/>
-              <a:ext cx="1817159" cy="3268133"/>
-            </a:xfrm>
-            <a:prstGeom prst="triangle">
-              <a:avLst>
-                <a:gd name="adj" fmla="val 100000"/>
-              </a:avLst>
-            </a:prstGeom>
-            <a:solidFill>
-              <a:schemeClr val="accent1">
+              <a:schemeClr val="accent2">
+                <a:lumMod val="75000"/>
                 <a:alpha val="80000"/>
               </a:schemeClr>
             </a:solidFill>
@@ -1158,14 +1125,14 @@
         </p:sp>
         <p:sp>
           <p:nvSpPr>
-            <p:cNvPr id="19" name="Isosceles Triangle 18"/>
+            <p:cNvPr id="27" name="Isosceles Triangle 26"/>
             <p:cNvSpPr/>
             <p:nvPr/>
           </p:nvSpPr>
           <p:spPr>
-            <a:xfrm rot="10800000">
-              <a:off x="0" y="0"/>
-              <a:ext cx="842596" cy="5666154"/>
+            <a:xfrm>
+              <a:off x="10371666" y="3589867"/>
+              <a:ext cx="1817159" cy="3268133"/>
             </a:xfrm>
             <a:prstGeom prst="triangle">
               <a:avLst>
@@ -1174,7 +1141,8 @@
             </a:prstGeom>
             <a:solidFill>
               <a:schemeClr val="accent1">
-                <a:alpha val="85000"/>
+                <a:lumMod val="75000"/>
+                <a:alpha val="66000"/>
               </a:schemeClr>
             </a:solidFill>
             <a:ln>
@@ -1373,7 +1341,7 @@
           <a:p>
             <a:fld id="{DEF935DE-EE82-448F-BD2C-F33E7B672033}" type="datetimeFigureOut">
               <a:rPr lang="en-GB" smtClean="0"/>
-              <a:t>26/09/2022</a:t>
+              <a:t>24/09/2024</a:t>
             </a:fld>
             <a:endParaRPr lang="en-GB"/>
           </a:p>
@@ -1424,7 +1392,7 @@
     </p:spTree>
     <p:extLst>
       <p:ext uri="{BB962C8B-B14F-4D97-AF65-F5344CB8AC3E}">
-        <p14:creationId xmlns:p14="http://schemas.microsoft.com/office/powerpoint/2010/main" val="1179351284"/>
+        <p14:creationId xmlns:p14="http://schemas.microsoft.com/office/powerpoint/2010/main" val="4230637962"/>
       </p:ext>
     </p:extLst>
   </p:cSld>
@@ -1624,7 +1592,7 @@
           <a:p>
             <a:fld id="{DEF935DE-EE82-448F-BD2C-F33E7B672033}" type="datetimeFigureOut">
               <a:rPr lang="en-GB" smtClean="0"/>
-              <a:t>26/09/2022</a:t>
+              <a:t>24/09/2024</a:t>
             </a:fld>
             <a:endParaRPr lang="en-GB"/>
           </a:p>
@@ -1675,7 +1643,7 @@
     </p:spTree>
     <p:extLst>
       <p:ext uri="{BB962C8B-B14F-4D97-AF65-F5344CB8AC3E}">
-        <p14:creationId xmlns:p14="http://schemas.microsoft.com/office/powerpoint/2010/main" val="1665572274"/>
+        <p14:creationId xmlns:p14="http://schemas.microsoft.com/office/powerpoint/2010/main" val="939823457"/>
       </p:ext>
     </p:extLst>
   </p:cSld>
@@ -1938,7 +1906,7 @@
           <a:p>
             <a:fld id="{DEF935DE-EE82-448F-BD2C-F33E7B672033}" type="datetimeFigureOut">
               <a:rPr lang="en-GB" smtClean="0"/>
-              <a:t>26/09/2022</a:t>
+              <a:t>24/09/2024</a:t>
             </a:fld>
             <a:endParaRPr lang="en-GB"/>
           </a:p>
@@ -1988,7 +1956,7 @@
       </p:sp>
       <p:sp>
         <p:nvSpPr>
-          <p:cNvPr id="20" name="TextBox 19"/>
+          <p:cNvPr id="24" name="TextBox 23"/>
           <p:cNvSpPr txBox="1"/>
           <p:nvPr/>
         </p:nvSpPr>
@@ -2029,7 +1997,7 @@
       </p:sp>
       <p:sp>
         <p:nvSpPr>
-          <p:cNvPr id="22" name="TextBox 21"/>
+          <p:cNvPr id="25" name="TextBox 24"/>
           <p:cNvSpPr txBox="1"/>
           <p:nvPr/>
         </p:nvSpPr>
@@ -2060,26 +2028,18 @@
                     <a:lumOff val="40000"/>
                   </a:schemeClr>
                 </a:solidFill>
+                <a:effectLst/>
                 <a:latin typeface="Arial"/>
               </a:rPr>
               <a:t>”</a:t>
             </a:r>
-            <a:endParaRPr lang="en-US" dirty="0">
-              <a:solidFill>
-                <a:schemeClr val="accent1">
-                  <a:lumMod val="60000"/>
-                  <a:lumOff val="40000"/>
-                </a:schemeClr>
-              </a:solidFill>
-              <a:latin typeface="Arial"/>
-            </a:endParaRPr>
           </a:p>
         </p:txBody>
       </p:sp>
     </p:spTree>
     <p:extLst>
       <p:ext uri="{BB962C8B-B14F-4D97-AF65-F5344CB8AC3E}">
-        <p14:creationId xmlns:p14="http://schemas.microsoft.com/office/powerpoint/2010/main" val="3517227070"/>
+        <p14:creationId xmlns:p14="http://schemas.microsoft.com/office/powerpoint/2010/main" val="893090158"/>
       </p:ext>
     </p:extLst>
   </p:cSld>
@@ -2279,7 +2239,7 @@
           <a:p>
             <a:fld id="{DEF935DE-EE82-448F-BD2C-F33E7B672033}" type="datetimeFigureOut">
               <a:rPr lang="en-GB" smtClean="0"/>
-              <a:t>26/09/2022</a:t>
+              <a:t>24/09/2024</a:t>
             </a:fld>
             <a:endParaRPr lang="en-GB"/>
           </a:p>
@@ -2330,7 +2290,7 @@
     </p:spTree>
     <p:extLst>
       <p:ext uri="{BB962C8B-B14F-4D97-AF65-F5344CB8AC3E}">
-        <p14:creationId xmlns:p14="http://schemas.microsoft.com/office/powerpoint/2010/main" val="1983932790"/>
+        <p14:creationId xmlns:p14="http://schemas.microsoft.com/office/powerpoint/2010/main" val="2994878804"/>
       </p:ext>
     </p:extLst>
   </p:cSld>
@@ -2593,7 +2553,7 @@
           <a:p>
             <a:fld id="{DEF935DE-EE82-448F-BD2C-F33E7B672033}" type="datetimeFigureOut">
               <a:rPr lang="en-GB" smtClean="0"/>
-              <a:t>26/09/2022</a:t>
+              <a:t>24/09/2024</a:t>
             </a:fld>
             <a:endParaRPr lang="en-GB"/>
           </a:p>
@@ -2726,7 +2686,7 @@
     </p:spTree>
     <p:extLst>
       <p:ext uri="{BB962C8B-B14F-4D97-AF65-F5344CB8AC3E}">
-        <p14:creationId xmlns:p14="http://schemas.microsoft.com/office/powerpoint/2010/main" val="3017607354"/>
+        <p14:creationId xmlns:p14="http://schemas.microsoft.com/office/powerpoint/2010/main" val="331769694"/>
       </p:ext>
     </p:extLst>
   </p:cSld>
@@ -2986,7 +2946,7 @@
           <a:p>
             <a:fld id="{DEF935DE-EE82-448F-BD2C-F33E7B672033}" type="datetimeFigureOut">
               <a:rPr lang="en-GB" smtClean="0"/>
-              <a:t>26/09/2022</a:t>
+              <a:t>24/09/2024</a:t>
             </a:fld>
             <a:endParaRPr lang="en-GB"/>
           </a:p>
@@ -3037,7 +2997,7 @@
     </p:spTree>
     <p:extLst>
       <p:ext uri="{BB962C8B-B14F-4D97-AF65-F5344CB8AC3E}">
-        <p14:creationId xmlns:p14="http://schemas.microsoft.com/office/powerpoint/2010/main" val="462129285"/>
+        <p14:creationId xmlns:p14="http://schemas.microsoft.com/office/powerpoint/2010/main" val="3182672071"/>
       </p:ext>
     </p:extLst>
   </p:cSld>
@@ -3156,7 +3116,7 @@
           <a:p>
             <a:fld id="{DEF935DE-EE82-448F-BD2C-F33E7B672033}" type="datetimeFigureOut">
               <a:rPr lang="en-GB" smtClean="0"/>
-              <a:t>26/09/2022</a:t>
+              <a:t>24/09/2024</a:t>
             </a:fld>
             <a:endParaRPr lang="en-GB"/>
           </a:p>
@@ -3207,7 +3167,7 @@
     </p:spTree>
     <p:extLst>
       <p:ext uri="{BB962C8B-B14F-4D97-AF65-F5344CB8AC3E}">
-        <p14:creationId xmlns:p14="http://schemas.microsoft.com/office/powerpoint/2010/main" val="1826803617"/>
+        <p14:creationId xmlns:p14="http://schemas.microsoft.com/office/powerpoint/2010/main" val="3631522443"/>
       </p:ext>
     </p:extLst>
   </p:cSld>
@@ -3336,7 +3296,7 @@
           <a:p>
             <a:fld id="{DEF935DE-EE82-448F-BD2C-F33E7B672033}" type="datetimeFigureOut">
               <a:rPr lang="en-GB" smtClean="0"/>
-              <a:t>26/09/2022</a:t>
+              <a:t>24/09/2024</a:t>
             </a:fld>
             <a:endParaRPr lang="en-GB"/>
           </a:p>
@@ -3387,7 +3347,7 @@
     </p:spTree>
     <p:extLst>
       <p:ext uri="{BB962C8B-B14F-4D97-AF65-F5344CB8AC3E}">
-        <p14:creationId xmlns:p14="http://schemas.microsoft.com/office/powerpoint/2010/main" val="4153172479"/>
+        <p14:creationId xmlns:p14="http://schemas.microsoft.com/office/powerpoint/2010/main" val="4294552949"/>
       </p:ext>
     </p:extLst>
   </p:cSld>
@@ -3426,14 +3386,8 @@
         </p:nvSpPr>
         <p:spPr/>
         <p:txBody>
-          <a:bodyPr>
-            <a:normAutofit/>
-          </a:bodyPr>
-          <a:lstStyle>
-            <a:lvl1pPr>
-              <a:defRPr sz="3600"/>
-            </a:lvl1pPr>
-          </a:lstStyle>
+          <a:bodyPr/>
+          <a:lstStyle/>
           <a:p>
             <a:r>
               <a:rPr lang="en-US"/>
@@ -3512,7 +3466,7 @@
           <a:p>
             <a:fld id="{DEF935DE-EE82-448F-BD2C-F33E7B672033}" type="datetimeFigureOut">
               <a:rPr lang="en-GB" smtClean="0"/>
-              <a:t>26/09/2022</a:t>
+              <a:t>24/09/2024</a:t>
             </a:fld>
             <a:endParaRPr lang="en-GB"/>
           </a:p>
@@ -3563,7 +3517,7 @@
     </p:spTree>
     <p:extLst>
       <p:ext uri="{BB962C8B-B14F-4D97-AF65-F5344CB8AC3E}">
-        <p14:creationId xmlns:p14="http://schemas.microsoft.com/office/powerpoint/2010/main" val="2956145444"/>
+        <p14:creationId xmlns:p14="http://schemas.microsoft.com/office/powerpoint/2010/main" val="318644181"/>
       </p:ext>
     </p:extLst>
   </p:cSld>
@@ -3759,7 +3713,7 @@
           <a:p>
             <a:fld id="{DEF935DE-EE82-448F-BD2C-F33E7B672033}" type="datetimeFigureOut">
               <a:rPr lang="en-GB" smtClean="0"/>
-              <a:t>26/09/2022</a:t>
+              <a:t>24/09/2024</a:t>
             </a:fld>
             <a:endParaRPr lang="en-GB"/>
           </a:p>
@@ -3810,7 +3764,7 @@
     </p:spTree>
     <p:extLst>
       <p:ext uri="{BB962C8B-B14F-4D97-AF65-F5344CB8AC3E}">
-        <p14:creationId xmlns:p14="http://schemas.microsoft.com/office/powerpoint/2010/main" val="2009298574"/>
+        <p14:creationId xmlns:p14="http://schemas.microsoft.com/office/powerpoint/2010/main" val="241673342"/>
       </p:ext>
     </p:extLst>
   </p:cSld>
@@ -3991,7 +3945,7 @@
           <a:p>
             <a:fld id="{DEF935DE-EE82-448F-BD2C-F33E7B672033}" type="datetimeFigureOut">
               <a:rPr lang="en-GB" smtClean="0"/>
-              <a:t>26/09/2022</a:t>
+              <a:t>24/09/2024</a:t>
             </a:fld>
             <a:endParaRPr lang="en-GB"/>
           </a:p>
@@ -4042,7 +3996,7 @@
     </p:spTree>
     <p:extLst>
       <p:ext uri="{BB962C8B-B14F-4D97-AF65-F5344CB8AC3E}">
-        <p14:creationId xmlns:p14="http://schemas.microsoft.com/office/powerpoint/2010/main" val="2683822"/>
+        <p14:creationId xmlns:p14="http://schemas.microsoft.com/office/powerpoint/2010/main" val="2382657728"/>
       </p:ext>
     </p:extLst>
   </p:cSld>
@@ -4365,7 +4319,7 @@
           <a:p>
             <a:fld id="{DEF935DE-EE82-448F-BD2C-F33E7B672033}" type="datetimeFigureOut">
               <a:rPr lang="en-GB" smtClean="0"/>
-              <a:t>26/09/2022</a:t>
+              <a:t>24/09/2024</a:t>
             </a:fld>
             <a:endParaRPr lang="en-GB"/>
           </a:p>
@@ -4416,7 +4370,7 @@
     </p:spTree>
     <p:extLst>
       <p:ext uri="{BB962C8B-B14F-4D97-AF65-F5344CB8AC3E}">
-        <p14:creationId xmlns:p14="http://schemas.microsoft.com/office/powerpoint/2010/main" val="2070388270"/>
+        <p14:creationId xmlns:p14="http://schemas.microsoft.com/office/powerpoint/2010/main" val="1140923952"/>
       </p:ext>
     </p:extLst>
   </p:cSld>
@@ -4488,7 +4442,7 @@
           <a:p>
             <a:fld id="{DEF935DE-EE82-448F-BD2C-F33E7B672033}" type="datetimeFigureOut">
               <a:rPr lang="en-GB" smtClean="0"/>
-              <a:t>26/09/2022</a:t>
+              <a:t>24/09/2024</a:t>
             </a:fld>
             <a:endParaRPr lang="en-GB"/>
           </a:p>
@@ -4539,7 +4493,7 @@
     </p:spTree>
     <p:extLst>
       <p:ext uri="{BB962C8B-B14F-4D97-AF65-F5344CB8AC3E}">
-        <p14:creationId xmlns:p14="http://schemas.microsoft.com/office/powerpoint/2010/main" val="367487092"/>
+        <p14:creationId xmlns:p14="http://schemas.microsoft.com/office/powerpoint/2010/main" val="3547972778"/>
       </p:ext>
     </p:extLst>
   </p:cSld>
@@ -4583,7 +4537,7 @@
           <a:p>
             <a:fld id="{DEF935DE-EE82-448F-BD2C-F33E7B672033}" type="datetimeFigureOut">
               <a:rPr lang="en-GB" smtClean="0"/>
-              <a:t>26/09/2022</a:t>
+              <a:t>24/09/2024</a:t>
             </a:fld>
             <a:endParaRPr lang="en-GB"/>
           </a:p>
@@ -4634,7 +4588,7 @@
     </p:spTree>
     <p:extLst>
       <p:ext uri="{BB962C8B-B14F-4D97-AF65-F5344CB8AC3E}">
-        <p14:creationId xmlns:p14="http://schemas.microsoft.com/office/powerpoint/2010/main" val="3628548922"/>
+        <p14:creationId xmlns:p14="http://schemas.microsoft.com/office/powerpoint/2010/main" val="2436674992"/>
       </p:ext>
     </p:extLst>
   </p:cSld>
@@ -4838,7 +4792,7 @@
           <a:p>
             <a:fld id="{DEF935DE-EE82-448F-BD2C-F33E7B672033}" type="datetimeFigureOut">
               <a:rPr lang="en-GB" smtClean="0"/>
-              <a:t>26/09/2022</a:t>
+              <a:t>24/09/2024</a:t>
             </a:fld>
             <a:endParaRPr lang="en-GB"/>
           </a:p>
@@ -4889,7 +4843,7 @@
     </p:spTree>
     <p:extLst>
       <p:ext uri="{BB962C8B-B14F-4D97-AF65-F5344CB8AC3E}">
-        <p14:creationId xmlns:p14="http://schemas.microsoft.com/office/powerpoint/2010/main" val="3977941851"/>
+        <p14:creationId xmlns:p14="http://schemas.microsoft.com/office/powerpoint/2010/main" val="410774217"/>
       </p:ext>
     </p:extLst>
   </p:cSld>
@@ -5086,29 +5040,6 @@
       </p:sp>
       <p:sp>
         <p:nvSpPr>
-          <p:cNvPr id="5" name="Date Placeholder 4"/>
-          <p:cNvSpPr>
-            <a:spLocks noGrp="1"/>
-          </p:cNvSpPr>
-          <p:nvPr>
-            <p:ph type="dt" sz="half" idx="10"/>
-          </p:nvPr>
-        </p:nvSpPr>
-        <p:spPr/>
-        <p:txBody>
-          <a:bodyPr/>
-          <a:lstStyle/>
-          <a:p>
-            <a:fld id="{DEF935DE-EE82-448F-BD2C-F33E7B672033}" type="datetimeFigureOut">
-              <a:rPr lang="en-GB" smtClean="0"/>
-              <a:t>26/09/2022</a:t>
-            </a:fld>
-            <a:endParaRPr lang="en-GB"/>
-          </a:p>
-        </p:txBody>
-      </p:sp>
-      <p:sp>
-        <p:nvSpPr>
           <p:cNvPr id="6" name="Footer Placeholder 5"/>
           <p:cNvSpPr>
             <a:spLocks noGrp="1"/>
@@ -5149,10 +5080,33 @@
           </a:p>
         </p:txBody>
       </p:sp>
+      <p:sp>
+        <p:nvSpPr>
+          <p:cNvPr id="5" name="Date Placeholder 4"/>
+          <p:cNvSpPr>
+            <a:spLocks noGrp="1"/>
+          </p:cNvSpPr>
+          <p:nvPr>
+            <p:ph type="dt" sz="half" idx="10"/>
+          </p:nvPr>
+        </p:nvSpPr>
+        <p:spPr/>
+        <p:txBody>
+          <a:bodyPr/>
+          <a:lstStyle/>
+          <a:p>
+            <a:fld id="{DEF935DE-EE82-448F-BD2C-F33E7B672033}" type="datetimeFigureOut">
+              <a:rPr lang="en-GB" smtClean="0"/>
+              <a:t>24/09/2024</a:t>
+            </a:fld>
+            <a:endParaRPr lang="en-GB"/>
+          </a:p>
+        </p:txBody>
+      </p:sp>
     </p:spTree>
     <p:extLst>
       <p:ext uri="{BB962C8B-B14F-4D97-AF65-F5344CB8AC3E}">
-        <p14:creationId xmlns:p14="http://schemas.microsoft.com/office/powerpoint/2010/main" val="1939561206"/>
+        <p14:creationId xmlns:p14="http://schemas.microsoft.com/office/powerpoint/2010/main" val="360161147"/>
       </p:ext>
     </p:extLst>
   </p:cSld>
@@ -5186,7 +5140,7 @@
       </p:grpSpPr>
       <p:grpSp>
         <p:nvGrpSpPr>
-          <p:cNvPr id="7" name="Group 6"/>
+          <p:cNvPr id="44" name="Group 43"/>
           <p:cNvGrpSpPr/>
           <p:nvPr/>
         </p:nvGrpSpPr>
@@ -5214,8 +5168,8 @@
             </a:prstGeom>
             <a:ln w="9525">
               <a:solidFill>
-                <a:schemeClr val="bg1">
-                  <a:lumMod val="75000"/>
+                <a:schemeClr val="accent1">
+                  <a:alpha val="70000"/>
                 </a:schemeClr>
               </a:solidFill>
             </a:ln>
@@ -5251,8 +5205,8 @@
             </a:prstGeom>
             <a:ln w="9525">
               <a:solidFill>
-                <a:schemeClr val="bg1">
-                  <a:lumMod val="85000"/>
+                <a:schemeClr val="accent1">
+                  <a:alpha val="70000"/>
                 </a:schemeClr>
               </a:solidFill>
             </a:ln>
@@ -5312,7 +5266,7 @@
             </a:custGeom>
             <a:solidFill>
               <a:schemeClr val="accent1">
-                <a:alpha val="30000"/>
+                <a:alpha val="36000"/>
               </a:schemeClr>
             </a:solidFill>
             <a:ln>
@@ -5415,8 +5369,9 @@
               </a:avLst>
             </a:prstGeom>
             <a:solidFill>
-              <a:schemeClr val="accent2">
-                <a:alpha val="72000"/>
+              <a:schemeClr val="accent1">
+                <a:lumMod val="75000"/>
+                <a:alpha val="66000"/>
               </a:schemeClr>
             </a:solidFill>
             <a:ln>
@@ -5478,9 +5433,9 @@
               </a:pathLst>
             </a:custGeom>
             <a:solidFill>
-              <a:schemeClr val="accent2">
+              <a:schemeClr val="accent1">
                 <a:lumMod val="75000"/>
-                <a:alpha val="70000"/>
+                <a:alpha val="50000"/>
               </a:schemeClr>
             </a:solidFill>
             <a:ln>
@@ -5542,9 +5497,7 @@
               </a:pathLst>
             </a:custGeom>
             <a:solidFill>
-              <a:schemeClr val="accent1">
-                <a:lumMod val="60000"/>
-                <a:lumOff val="40000"/>
+              <a:schemeClr val="accent2">
                 <a:alpha val="70000"/>
               </a:schemeClr>
             </a:solidFill>
@@ -5607,8 +5560,9 @@
               </a:pathLst>
             </a:custGeom>
             <a:solidFill>
-              <a:schemeClr val="accent1">
-                <a:alpha val="65000"/>
+              <a:schemeClr val="accent2">
+                <a:lumMod val="75000"/>
+                <a:alpha val="80000"/>
               </a:schemeClr>
             </a:solidFill>
             <a:ln>
@@ -5649,7 +5603,8 @@
             </a:prstGeom>
             <a:solidFill>
               <a:schemeClr val="accent1">
-                <a:alpha val="80000"/>
+                <a:lumMod val="75000"/>
+                <a:alpha val="66000"/>
               </a:schemeClr>
             </a:solidFill>
             <a:ln>
@@ -5674,7 +5629,7 @@
         </p:sp>
         <p:sp>
           <p:nvSpPr>
-            <p:cNvPr id="29" name="Isosceles Triangle 28"/>
+            <p:cNvPr id="19" name="Isosceles Triangle 18"/>
             <p:cNvSpPr/>
             <p:nvPr/>
           </p:nvSpPr>
@@ -5690,7 +5645,7 @@
             </a:prstGeom>
             <a:solidFill>
               <a:schemeClr val="accent1">
-                <a:alpha val="85000"/>
+                <a:alpha val="70000"/>
               </a:schemeClr>
             </a:solidFill>
             <a:ln>
@@ -5844,7 +5799,7 @@
           <a:p>
             <a:fld id="{DEF935DE-EE82-448F-BD2C-F33E7B672033}" type="datetimeFigureOut">
               <a:rPr lang="en-GB" smtClean="0"/>
-              <a:t>26/09/2022</a:t>
+              <a:t>24/09/2024</a:t>
             </a:fld>
             <a:endParaRPr lang="en-GB"/>
           </a:p>
@@ -5929,28 +5884,28 @@
     </p:spTree>
     <p:extLst>
       <p:ext uri="{BB962C8B-B14F-4D97-AF65-F5344CB8AC3E}">
-        <p14:creationId xmlns:p14="http://schemas.microsoft.com/office/powerpoint/2010/main" val="1030725436"/>
+        <p14:creationId xmlns:p14="http://schemas.microsoft.com/office/powerpoint/2010/main" val="1367089411"/>
       </p:ext>
     </p:extLst>
   </p:cSld>
   <p:clrMap bg1="lt1" tx1="dk1" bg2="lt2" tx2="dk2" accent1="accent1" accent2="accent2" accent3="accent3" accent4="accent4" accent5="accent5" accent6="accent6" hlink="hlink" folHlink="folHlink"/>
   <p:sldLayoutIdLst>
-    <p:sldLayoutId id="2147483661" r:id="rId1"/>
-    <p:sldLayoutId id="2147483662" r:id="rId2"/>
-    <p:sldLayoutId id="2147483663" r:id="rId3"/>
-    <p:sldLayoutId id="2147483664" r:id="rId4"/>
-    <p:sldLayoutId id="2147483665" r:id="rId5"/>
-    <p:sldLayoutId id="2147483666" r:id="rId6"/>
-    <p:sldLayoutId id="2147483667" r:id="rId7"/>
-    <p:sldLayoutId id="2147483668" r:id="rId8"/>
-    <p:sldLayoutId id="2147483669" r:id="rId9"/>
-    <p:sldLayoutId id="2147483670" r:id="rId10"/>
-    <p:sldLayoutId id="2147483671" r:id="rId11"/>
-    <p:sldLayoutId id="2147483672" r:id="rId12"/>
-    <p:sldLayoutId id="2147483673" r:id="rId13"/>
-    <p:sldLayoutId id="2147483674" r:id="rId14"/>
-    <p:sldLayoutId id="2147483675" r:id="rId15"/>
-    <p:sldLayoutId id="2147483676" r:id="rId16"/>
+    <p:sldLayoutId id="2147483678" r:id="rId1"/>
+    <p:sldLayoutId id="2147483679" r:id="rId2"/>
+    <p:sldLayoutId id="2147483680" r:id="rId3"/>
+    <p:sldLayoutId id="2147483681" r:id="rId4"/>
+    <p:sldLayoutId id="2147483682" r:id="rId5"/>
+    <p:sldLayoutId id="2147483683" r:id="rId6"/>
+    <p:sldLayoutId id="2147483684" r:id="rId7"/>
+    <p:sldLayoutId id="2147483685" r:id="rId8"/>
+    <p:sldLayoutId id="2147483686" r:id="rId9"/>
+    <p:sldLayoutId id="2147483687" r:id="rId10"/>
+    <p:sldLayoutId id="2147483688" r:id="rId11"/>
+    <p:sldLayoutId id="2147483689" r:id="rId12"/>
+    <p:sldLayoutId id="2147483690" r:id="rId13"/>
+    <p:sldLayoutId id="2147483691" r:id="rId14"/>
+    <p:sldLayoutId id="2147483692" r:id="rId15"/>
+    <p:sldLayoutId id="2147483693" r:id="rId16"/>
   </p:sldLayoutIdLst>
   <p:txStyles>
     <p:titleStyle>
@@ -6398,469 +6353,19 @@
               </a:ext>
             </a:extLst>
           </a:blip>
-          <a:srcRect l="9091" b="9091"/>
+          <a:srcRect l="19424" r="16963" b="9091"/>
           <a:stretch/>
         </p:blipFill>
         <p:spPr>
           <a:xfrm>
-            <a:off x="0" y="0"/>
-            <a:ext cx="12192000" cy="6858000"/>
+            <a:off x="516797" y="2033195"/>
+            <a:ext cx="6001990" cy="4824805"/>
           </a:xfrm>
           <a:prstGeom prst="rect">
             <a:avLst/>
           </a:prstGeom>
         </p:spPr>
       </p:pic>
-      <p:sp>
-        <p:nvSpPr>
-          <p:cNvPr id="35" name="Isosceles Triangle 34">
-            <a:extLst>
-              <a:ext uri="{FF2B5EF4-FFF2-40B4-BE49-F238E27FC236}">
-                <a16:creationId xmlns:a16="http://schemas.microsoft.com/office/drawing/2014/main" id="{3559A5F2-8BE0-4998-A1E4-1B145465A981}"/>
-              </a:ext>
-              <a:ext uri="{C183D7F6-B498-43B3-948B-1728B52AA6E4}">
-                <adec:decorative xmlns:adec="http://schemas.microsoft.com/office/drawing/2017/decorative" val="1"/>
-              </a:ext>
-            </a:extLst>
-          </p:cNvPr>
-          <p:cNvSpPr>
-            <a:spLocks noGrp="1" noRot="1" noChangeAspect="1" noMove="1" noResize="1" noEditPoints="1" noAdjustHandles="1" noChangeArrowheads="1" noChangeShapeType="1" noTextEdit="1"/>
-          </p:cNvSpPr>
-          <p:nvPr>
-            <p:extLst>
-              <p:ext uri="{386F3935-93C4-4BCD-93E2-E3B085C9AB24}">
-                <p16:designElem xmlns:p16="http://schemas.microsoft.com/office/powerpoint/2015/main" val="1"/>
-              </p:ext>
-            </p:extLst>
-          </p:nvPr>
-        </p:nvSpPr>
-        <p:spPr>
-          <a:xfrm rot="10800000">
-            <a:off x="0" y="0"/>
-            <a:ext cx="842596" cy="5666154"/>
-          </a:xfrm>
-          <a:prstGeom prst="triangle">
-            <a:avLst>
-              <a:gd name="adj" fmla="val 100000"/>
-            </a:avLst>
-          </a:prstGeom>
-          <a:solidFill>
-            <a:schemeClr val="accent1">
-              <a:alpha val="85000"/>
-            </a:schemeClr>
-          </a:solidFill>
-          <a:ln>
-            <a:noFill/>
-          </a:ln>
-          <a:effectLst/>
-        </p:spPr>
-        <p:style>
-          <a:lnRef idx="1">
-            <a:schemeClr val="accent1"/>
-          </a:lnRef>
-          <a:fillRef idx="3">
-            <a:schemeClr val="accent1"/>
-          </a:fillRef>
-          <a:effectRef idx="2">
-            <a:schemeClr val="accent1"/>
-          </a:effectRef>
-          <a:fontRef idx="minor">
-            <a:schemeClr val="lt1"/>
-          </a:fontRef>
-        </p:style>
-      </p:sp>
-      <p:sp>
-        <p:nvSpPr>
-          <p:cNvPr id="37" name="Parallelogram 36">
-            <a:extLst>
-              <a:ext uri="{FF2B5EF4-FFF2-40B4-BE49-F238E27FC236}">
-                <a16:creationId xmlns:a16="http://schemas.microsoft.com/office/drawing/2014/main" id="{3A6596D4-D53C-424F-9F16-CC8686C079E0}"/>
-              </a:ext>
-              <a:ext uri="{C183D7F6-B498-43B3-948B-1728B52AA6E4}">
-                <adec:decorative xmlns:adec="http://schemas.microsoft.com/office/drawing/2017/decorative" val="1"/>
-              </a:ext>
-            </a:extLst>
-          </p:cNvPr>
-          <p:cNvSpPr>
-            <a:spLocks noGrp="1" noRot="1" noChangeAspect="1" noMove="1" noResize="1" noEditPoints="1" noAdjustHandles="1" noChangeArrowheads="1" noChangeShapeType="1" noTextEdit="1"/>
-          </p:cNvSpPr>
-          <p:nvPr>
-            <p:extLst>
-              <p:ext uri="{386F3935-93C4-4BCD-93E2-E3B085C9AB24}">
-                <p16:designElem xmlns:p16="http://schemas.microsoft.com/office/powerpoint/2015/main" val="1"/>
-              </p:ext>
-            </p:extLst>
-          </p:nvPr>
-        </p:nvSpPr>
-        <p:spPr>
-          <a:xfrm>
-            <a:off x="3684541" y="0"/>
-            <a:ext cx="7315200" cy="6858000"/>
-          </a:xfrm>
-          <a:prstGeom prst="parallelogram">
-            <a:avLst>
-              <a:gd name="adj" fmla="val 14937"/>
-            </a:avLst>
-          </a:prstGeom>
-          <a:solidFill>
-            <a:schemeClr val="tx1">
-              <a:alpha val="75000"/>
-            </a:schemeClr>
-          </a:solidFill>
-          <a:ln>
-            <a:noFill/>
-          </a:ln>
-          <a:effectLst/>
-        </p:spPr>
-        <p:style>
-          <a:lnRef idx="1">
-            <a:schemeClr val="accent1"/>
-          </a:lnRef>
-          <a:fillRef idx="3">
-            <a:schemeClr val="accent1"/>
-          </a:fillRef>
-          <a:effectRef idx="2">
-            <a:schemeClr val="accent1"/>
-          </a:effectRef>
-          <a:fontRef idx="minor">
-            <a:schemeClr val="lt1"/>
-          </a:fontRef>
-        </p:style>
-        <p:txBody>
-          <a:bodyPr rtlCol="0" anchor="ctr"/>
-          <a:lstStyle/>
-          <a:p>
-            <a:pPr algn="ctr"/>
-            <a:endParaRPr lang="en-US"/>
-          </a:p>
-        </p:txBody>
-      </p:sp>
-      <p:cxnSp>
-        <p:nvCxnSpPr>
-          <p:cNvPr id="39" name="Straight Connector 38">
-            <a:extLst>
-              <a:ext uri="{FF2B5EF4-FFF2-40B4-BE49-F238E27FC236}">
-                <a16:creationId xmlns:a16="http://schemas.microsoft.com/office/drawing/2014/main" id="{81BB890B-70D4-42FE-A599-6AEF1A42D972}"/>
-              </a:ext>
-              <a:ext uri="{C183D7F6-B498-43B3-948B-1728B52AA6E4}">
-                <adec:decorative xmlns:adec="http://schemas.microsoft.com/office/drawing/2017/decorative" val="1"/>
-              </a:ext>
-            </a:extLst>
-          </p:cNvPr>
-          <p:cNvCxnSpPr>
-            <a:cxnSpLocks noGrp="1" noRot="1" noChangeAspect="1" noMove="1" noResize="1" noEditPoints="1" noAdjustHandles="1" noChangeArrowheads="1" noChangeShapeType="1"/>
-          </p:cNvCxnSpPr>
-          <p:nvPr>
-            <p:extLst>
-              <p:ext uri="{386F3935-93C4-4BCD-93E2-E3B085C9AB24}">
-                <p16:designElem xmlns:p16="http://schemas.microsoft.com/office/powerpoint/2015/main" val="1"/>
-              </p:ext>
-            </p:extLst>
-          </p:nvPr>
-        </p:nvCxnSpPr>
-        <p:spPr>
-          <a:xfrm>
-            <a:off x="9371012" y="0"/>
-            <a:ext cx="1219200" cy="6858000"/>
-          </a:xfrm>
-          <a:prstGeom prst="line">
-            <a:avLst/>
-          </a:prstGeom>
-          <a:ln w="9525">
-            <a:solidFill>
-              <a:schemeClr val="bg1">
-                <a:lumMod val="75000"/>
-              </a:schemeClr>
-            </a:solidFill>
-          </a:ln>
-        </p:spPr>
-        <p:style>
-          <a:lnRef idx="2">
-            <a:schemeClr val="accent1"/>
-          </a:lnRef>
-          <a:fillRef idx="0">
-            <a:schemeClr val="accent1"/>
-          </a:fillRef>
-          <a:effectRef idx="1">
-            <a:schemeClr val="accent1"/>
-          </a:effectRef>
-          <a:fontRef idx="minor">
-            <a:schemeClr val="tx1"/>
-          </a:fontRef>
-        </p:style>
-      </p:cxnSp>
-      <p:cxnSp>
-        <p:nvCxnSpPr>
-          <p:cNvPr id="41" name="Straight Connector 40">
-            <a:extLst>
-              <a:ext uri="{FF2B5EF4-FFF2-40B4-BE49-F238E27FC236}">
-                <a16:creationId xmlns:a16="http://schemas.microsoft.com/office/drawing/2014/main" id="{3842D646-B58C-43C8-8152-01BC782B725D}"/>
-              </a:ext>
-              <a:ext uri="{C183D7F6-B498-43B3-948B-1728B52AA6E4}">
-                <adec:decorative xmlns:adec="http://schemas.microsoft.com/office/drawing/2017/decorative" val="1"/>
-              </a:ext>
-            </a:extLst>
-          </p:cNvPr>
-          <p:cNvCxnSpPr>
-            <a:cxnSpLocks noGrp="1" noRot="1" noChangeAspect="1" noMove="1" noResize="1" noEditPoints="1" noAdjustHandles="1" noChangeArrowheads="1" noChangeShapeType="1"/>
-          </p:cNvCxnSpPr>
-          <p:nvPr>
-            <p:extLst>
-              <p:ext uri="{386F3935-93C4-4BCD-93E2-E3B085C9AB24}">
-                <p16:designElem xmlns:p16="http://schemas.microsoft.com/office/powerpoint/2015/main" val="1"/>
-              </p:ext>
-            </p:extLst>
-          </p:nvPr>
-        </p:nvCxnSpPr>
-        <p:spPr>
-          <a:xfrm flipH="1">
-            <a:off x="7425267" y="3681413"/>
-            <a:ext cx="4763558" cy="3176587"/>
-          </a:xfrm>
-          <a:prstGeom prst="line">
-            <a:avLst/>
-          </a:prstGeom>
-          <a:ln w="9525">
-            <a:solidFill>
-              <a:schemeClr val="bg1">
-                <a:lumMod val="85000"/>
-              </a:schemeClr>
-            </a:solidFill>
-          </a:ln>
-        </p:spPr>
-        <p:style>
-          <a:lnRef idx="2">
-            <a:schemeClr val="accent1"/>
-          </a:lnRef>
-          <a:fillRef idx="0">
-            <a:schemeClr val="accent1"/>
-          </a:fillRef>
-          <a:effectRef idx="1">
-            <a:schemeClr val="accent1"/>
-          </a:effectRef>
-          <a:fontRef idx="minor">
-            <a:schemeClr val="tx1"/>
-          </a:fontRef>
-        </p:style>
-      </p:cxnSp>
-      <p:sp>
-        <p:nvSpPr>
-          <p:cNvPr id="43" name="Rectangle 23">
-            <a:extLst>
-              <a:ext uri="{FF2B5EF4-FFF2-40B4-BE49-F238E27FC236}">
-                <a16:creationId xmlns:a16="http://schemas.microsoft.com/office/drawing/2014/main" id="{9772CABD-4211-42AA-B349-D4002E52F1EF}"/>
-              </a:ext>
-              <a:ext uri="{C183D7F6-B498-43B3-948B-1728B52AA6E4}">
-                <adec:decorative xmlns:adec="http://schemas.microsoft.com/office/drawing/2017/decorative" val="1"/>
-              </a:ext>
-            </a:extLst>
-          </p:cNvPr>
-          <p:cNvSpPr>
-            <a:spLocks noGrp="1" noRot="1" noChangeAspect="1" noMove="1" noResize="1" noEditPoints="1" noAdjustHandles="1" noChangeArrowheads="1" noChangeShapeType="1" noTextEdit="1"/>
-          </p:cNvSpPr>
-          <p:nvPr>
-            <p:extLst>
-              <p:ext uri="{386F3935-93C4-4BCD-93E2-E3B085C9AB24}">
-                <p16:designElem xmlns:p16="http://schemas.microsoft.com/office/powerpoint/2015/main" val="1"/>
-              </p:ext>
-            </p:extLst>
-          </p:nvPr>
-        </p:nvSpPr>
-        <p:spPr>
-          <a:xfrm>
-            <a:off x="9181476" y="-8467"/>
-            <a:ext cx="3007349" cy="6866467"/>
-          </a:xfrm>
-          <a:custGeom>
-            <a:avLst/>
-            <a:gdLst/>
-            <a:ahLst/>
-            <a:cxnLst/>
-            <a:rect l="l" t="t" r="r" b="b"/>
-            <a:pathLst>
-              <a:path w="3007349" h="6866467">
-                <a:moveTo>
-                  <a:pt x="2045532" y="0"/>
-                </a:moveTo>
-                <a:lnTo>
-                  <a:pt x="3007349" y="0"/>
-                </a:lnTo>
-                <a:lnTo>
-                  <a:pt x="3007349" y="6866467"/>
-                </a:lnTo>
-                <a:lnTo>
-                  <a:pt x="0" y="6866467"/>
-                </a:lnTo>
-                <a:lnTo>
-                  <a:pt x="2045532" y="0"/>
-                </a:lnTo>
-                <a:close/>
-              </a:path>
-            </a:pathLst>
-          </a:custGeom>
-          <a:solidFill>
-            <a:schemeClr val="accent1">
-              <a:alpha val="30000"/>
-            </a:schemeClr>
-          </a:solidFill>
-          <a:ln>
-            <a:noFill/>
-          </a:ln>
-          <a:effectLst/>
-        </p:spPr>
-        <p:style>
-          <a:lnRef idx="1">
-            <a:schemeClr val="accent1"/>
-          </a:lnRef>
-          <a:fillRef idx="3">
-            <a:schemeClr val="accent1"/>
-          </a:fillRef>
-          <a:effectRef idx="2">
-            <a:schemeClr val="accent1"/>
-          </a:effectRef>
-          <a:fontRef idx="minor">
-            <a:schemeClr val="lt1"/>
-          </a:fontRef>
-        </p:style>
-      </p:sp>
-      <p:sp>
-        <p:nvSpPr>
-          <p:cNvPr id="45" name="Rectangle 25">
-            <a:extLst>
-              <a:ext uri="{FF2B5EF4-FFF2-40B4-BE49-F238E27FC236}">
-                <a16:creationId xmlns:a16="http://schemas.microsoft.com/office/drawing/2014/main" id="{BBD91630-4DBA-4294-8016-FEB5C3B0CED1}"/>
-              </a:ext>
-              <a:ext uri="{C183D7F6-B498-43B3-948B-1728B52AA6E4}">
-                <adec:decorative xmlns:adec="http://schemas.microsoft.com/office/drawing/2017/decorative" val="1"/>
-              </a:ext>
-            </a:extLst>
-          </p:cNvPr>
-          <p:cNvSpPr>
-            <a:spLocks noGrp="1" noRot="1" noChangeAspect="1" noMove="1" noResize="1" noEditPoints="1" noAdjustHandles="1" noChangeArrowheads="1" noChangeShapeType="1" noTextEdit="1"/>
-          </p:cNvSpPr>
-          <p:nvPr>
-            <p:extLst>
-              <p:ext uri="{386F3935-93C4-4BCD-93E2-E3B085C9AB24}">
-                <p16:designElem xmlns:p16="http://schemas.microsoft.com/office/powerpoint/2015/main" val="1"/>
-              </p:ext>
-            </p:extLst>
-          </p:nvPr>
-        </p:nvSpPr>
-        <p:spPr>
-          <a:xfrm>
-            <a:off x="9603442" y="-8467"/>
-            <a:ext cx="2588558" cy="6866467"/>
-          </a:xfrm>
-          <a:custGeom>
-            <a:avLst/>
-            <a:gdLst/>
-            <a:ahLst/>
-            <a:cxnLst/>
-            <a:rect l="l" t="t" r="r" b="b"/>
-            <a:pathLst>
-              <a:path w="2573311" h="6866467">
-                <a:moveTo>
-                  <a:pt x="0" y="0"/>
-                </a:moveTo>
-                <a:lnTo>
-                  <a:pt x="2573311" y="0"/>
-                </a:lnTo>
-                <a:lnTo>
-                  <a:pt x="2573311" y="6866467"/>
-                </a:lnTo>
-                <a:lnTo>
-                  <a:pt x="1202336" y="6866467"/>
-                </a:lnTo>
-                <a:lnTo>
-                  <a:pt x="0" y="0"/>
-                </a:lnTo>
-                <a:close/>
-              </a:path>
-            </a:pathLst>
-          </a:custGeom>
-          <a:solidFill>
-            <a:schemeClr val="accent1">
-              <a:alpha val="20000"/>
-            </a:schemeClr>
-          </a:solidFill>
-          <a:ln>
-            <a:noFill/>
-          </a:ln>
-          <a:effectLst/>
-        </p:spPr>
-        <p:style>
-          <a:lnRef idx="1">
-            <a:schemeClr val="accent1"/>
-          </a:lnRef>
-          <a:fillRef idx="3">
-            <a:schemeClr val="accent1"/>
-          </a:fillRef>
-          <a:effectRef idx="2">
-            <a:schemeClr val="accent1"/>
-          </a:effectRef>
-          <a:fontRef idx="minor">
-            <a:schemeClr val="lt1"/>
-          </a:fontRef>
-        </p:style>
-      </p:sp>
-      <p:sp>
-        <p:nvSpPr>
-          <p:cNvPr id="47" name="Isosceles Triangle 46">
-            <a:extLst>
-              <a:ext uri="{FF2B5EF4-FFF2-40B4-BE49-F238E27FC236}">
-                <a16:creationId xmlns:a16="http://schemas.microsoft.com/office/drawing/2014/main" id="{E67D1587-504D-41BC-9D48-B61257BFBCF0}"/>
-              </a:ext>
-              <a:ext uri="{C183D7F6-B498-43B3-948B-1728B52AA6E4}">
-                <adec:decorative xmlns:adec="http://schemas.microsoft.com/office/drawing/2017/decorative" val="1"/>
-              </a:ext>
-            </a:extLst>
-          </p:cNvPr>
-          <p:cNvSpPr>
-            <a:spLocks noGrp="1" noRot="1" noChangeAspect="1" noMove="1" noResize="1" noEditPoints="1" noAdjustHandles="1" noChangeArrowheads="1" noChangeShapeType="1" noTextEdit="1"/>
-          </p:cNvSpPr>
-          <p:nvPr>
-            <p:extLst>
-              <p:ext uri="{386F3935-93C4-4BCD-93E2-E3B085C9AB24}">
-                <p16:designElem xmlns:p16="http://schemas.microsoft.com/office/powerpoint/2015/main" val="1"/>
-              </p:ext>
-            </p:extLst>
-          </p:nvPr>
-        </p:nvSpPr>
-        <p:spPr>
-          <a:xfrm>
-            <a:off x="8932333" y="3048000"/>
-            <a:ext cx="3259667" cy="3810000"/>
-          </a:xfrm>
-          <a:prstGeom prst="triangle">
-            <a:avLst>
-              <a:gd name="adj" fmla="val 100000"/>
-            </a:avLst>
-          </a:prstGeom>
-          <a:solidFill>
-            <a:schemeClr val="accent2">
-              <a:alpha val="72000"/>
-            </a:schemeClr>
-          </a:solidFill>
-          <a:ln>
-            <a:noFill/>
-          </a:ln>
-          <a:effectLst/>
-        </p:spPr>
-        <p:style>
-          <a:lnRef idx="1">
-            <a:schemeClr val="accent1"/>
-          </a:lnRef>
-          <a:fillRef idx="3">
-            <a:schemeClr val="accent1"/>
-          </a:fillRef>
-          <a:effectRef idx="2">
-            <a:schemeClr val="accent1"/>
-          </a:effectRef>
-          <a:fontRef idx="minor">
-            <a:schemeClr val="lt1"/>
-          </a:fontRef>
-        </p:style>
-      </p:sp>
       <p:sp>
         <p:nvSpPr>
           <p:cNvPr id="2" name="Title 1">
@@ -6879,23 +6384,28 @@
         </p:nvSpPr>
         <p:spPr>
           <a:xfrm>
-            <a:off x="4704200" y="1678665"/>
-            <a:ext cx="4569803" cy="2369131"/>
+            <a:off x="1167832" y="557997"/>
+            <a:ext cx="8327922" cy="1356551"/>
           </a:xfrm>
         </p:spPr>
         <p:txBody>
           <a:bodyPr>
-            <a:normAutofit/>
+            <a:normAutofit fontScale="90000"/>
           </a:bodyPr>
           <a:lstStyle/>
           <a:p>
-            <a:pPr>
+            <a:pPr algn="ctr">
               <a:lnSpc>
                 <a:spcPct val="90000"/>
               </a:lnSpc>
             </a:pPr>
             <a:r>
               <a:rPr lang="en-US" b="1" i="0" dirty="0">
+                <a:solidFill>
+                  <a:schemeClr val="accent1">
+                    <a:lumMod val="50000"/>
+                  </a:schemeClr>
+                </a:solidFill>
                 <a:effectLst/>
                 <a:latin typeface="Segoe UI" panose="020B0502040204020203" pitchFamily="34" charset="0"/>
               </a:rPr>
@@ -6904,356 +6414,170 @@
           </a:p>
         </p:txBody>
       </p:sp>
-      <p:sp>
-        <p:nvSpPr>
-          <p:cNvPr id="3" name="Subtitle 2">
+      <p:pic>
+        <p:nvPicPr>
+          <p:cNvPr id="4" name="Google Shape;121;p4">
             <a:extLst>
               <a:ext uri="{FF2B5EF4-FFF2-40B4-BE49-F238E27FC236}">
-                <a16:creationId xmlns:a16="http://schemas.microsoft.com/office/drawing/2014/main" id="{A147CFE1-23CE-4143-BEB0-F68D1E066687}"/>
+                <a16:creationId xmlns:a16="http://schemas.microsoft.com/office/drawing/2014/main" id="{DC10FA58-D404-01E7-6562-5B11DA37AC6A}"/>
               </a:ext>
             </a:extLst>
           </p:cNvPr>
-          <p:cNvSpPr>
-            <a:spLocks noGrp="1"/>
-          </p:cNvSpPr>
-          <p:nvPr>
-            <p:ph type="subTitle" idx="1"/>
-          </p:nvPr>
-        </p:nvSpPr>
+          <p:cNvPicPr preferRelativeResize="0"/>
+          <p:nvPr/>
+        </p:nvPicPr>
+        <p:blipFill rotWithShape="1">
+          <a:blip r:embed="rId3">
+            <a:alphaModFix/>
+          </a:blip>
+          <a:srcRect/>
+          <a:stretch/>
+        </p:blipFill>
         <p:spPr>
           <a:xfrm>
-            <a:off x="4700964" y="4050832"/>
-            <a:ext cx="4573037" cy="1096899"/>
+            <a:off x="10404711" y="5063674"/>
+            <a:ext cx="1787289" cy="1794326"/>
           </a:xfrm>
+          <a:prstGeom prst="rect">
+            <a:avLst/>
+          </a:prstGeom>
+          <a:noFill/>
+          <a:ln>
+            <a:noFill/>
+          </a:ln>
         </p:spPr>
-        <p:txBody>
-          <a:bodyPr>
-            <a:normAutofit/>
-          </a:bodyPr>
-          <a:lstStyle/>
-          <a:p>
-            <a:r>
-              <a:rPr lang="en-GB" dirty="0">
-                <a:solidFill>
-                  <a:schemeClr val="bg1"/>
-                </a:solidFill>
-              </a:rPr>
-              <a:t>Andrew McLean</a:t>
-            </a:r>
-          </a:p>
-          <a:p>
-            <a:r>
-              <a:rPr lang="en-GB" dirty="0">
-                <a:solidFill>
-                  <a:schemeClr val="bg1"/>
-                </a:solidFill>
-              </a:rPr>
-              <a:t>andrew.mclean@ed.ac.uk</a:t>
-            </a:r>
-          </a:p>
-        </p:txBody>
-      </p:sp>
-      <p:sp>
-        <p:nvSpPr>
-          <p:cNvPr id="49" name="Rectangle 27">
+      </p:pic>
+      <p:sp>
+        <p:nvSpPr>
+          <p:cNvPr id="6" name="TextBox 5">
             <a:extLst>
               <a:ext uri="{FF2B5EF4-FFF2-40B4-BE49-F238E27FC236}">
-                <a16:creationId xmlns:a16="http://schemas.microsoft.com/office/drawing/2014/main" id="{8765DD1A-F044-4DE7-8A9B-7C30DC85A4AF}"/>
-              </a:ext>
-              <a:ext uri="{C183D7F6-B498-43B3-948B-1728B52AA6E4}">
-                <adec:decorative xmlns:adec="http://schemas.microsoft.com/office/drawing/2017/decorative" val="1"/>
+                <a16:creationId xmlns:a16="http://schemas.microsoft.com/office/drawing/2014/main" id="{73D1BC27-D318-6B72-28FE-DAEEE9C2C1E7}"/>
               </a:ext>
             </a:extLst>
           </p:cNvPr>
-          <p:cNvSpPr>
-            <a:spLocks noGrp="1" noRot="1" noChangeAspect="1" noMove="1" noResize="1" noEditPoints="1" noAdjustHandles="1" noChangeArrowheads="1" noChangeShapeType="1" noTextEdit="1"/>
-          </p:cNvSpPr>
-          <p:nvPr>
-            <p:extLst>
-              <p:ext uri="{386F3935-93C4-4BCD-93E2-E3B085C9AB24}">
-                <p16:designElem xmlns:p16="http://schemas.microsoft.com/office/powerpoint/2015/main" val="1"/>
-              </p:ext>
-            </p:extLst>
-          </p:nvPr>
+          <p:cNvSpPr txBox="1"/>
+          <p:nvPr/>
         </p:nvSpPr>
         <p:spPr>
           <a:xfrm>
-            <a:off x="9334500" y="-8467"/>
-            <a:ext cx="2854326" cy="6866467"/>
+            <a:off x="5712667" y="6300003"/>
+            <a:ext cx="3258742" cy="369332"/>
           </a:xfrm>
-          <a:custGeom>
+          <a:prstGeom prst="rect">
             <a:avLst/>
-            <a:gdLst/>
-            <a:ahLst/>
-            <a:cxnLst/>
-            <a:rect l="l" t="t" r="r" b="b"/>
-            <a:pathLst>
-              <a:path w="2858013" h="6866467">
-                <a:moveTo>
-                  <a:pt x="0" y="0"/>
-                </a:moveTo>
-                <a:lnTo>
-                  <a:pt x="2858013" y="0"/>
-                </a:lnTo>
-                <a:lnTo>
-                  <a:pt x="2858013" y="6866467"/>
-                </a:lnTo>
-                <a:lnTo>
-                  <a:pt x="2473942" y="6866467"/>
-                </a:lnTo>
-                <a:lnTo>
-                  <a:pt x="0" y="0"/>
-                </a:lnTo>
-                <a:close/>
-              </a:path>
-            </a:pathLst>
-          </a:custGeom>
-          <a:solidFill>
-            <a:schemeClr val="accent2">
-              <a:lumMod val="75000"/>
-              <a:alpha val="47000"/>
-            </a:schemeClr>
-          </a:solidFill>
-          <a:ln>
-            <a:noFill/>
-          </a:ln>
-          <a:effectLst/>
+          </a:prstGeom>
+          <a:noFill/>
         </p:spPr>
-        <p:style>
-          <a:lnRef idx="1">
-            <a:schemeClr val="accent1"/>
-          </a:lnRef>
-          <a:fillRef idx="3">
-            <a:schemeClr val="accent1"/>
-          </a:fillRef>
-          <a:effectRef idx="2">
-            <a:schemeClr val="accent1"/>
-          </a:effectRef>
-          <a:fontRef idx="minor">
-            <a:schemeClr val="lt1"/>
-          </a:fontRef>
-        </p:style>
-      </p:sp>
-      <p:sp>
-        <p:nvSpPr>
-          <p:cNvPr id="51" name="Rectangle 28">
+        <p:txBody>
+          <a:bodyPr wrap="square">
+            <a:spAutoFit/>
+          </a:bodyPr>
+          <a:lstStyle/>
+          <a:p>
+            <a:pPr algn="l"/>
+            <a:r>
+              <a:rPr lang="en-GB" dirty="0">
+                <a:solidFill>
+                  <a:schemeClr val="accent1">
+                    <a:lumMod val="75000"/>
+                  </a:schemeClr>
+                </a:solidFill>
+              </a:rPr>
+              <a:t>Javiera.Alfaro@ed.ac.uk</a:t>
+            </a:r>
+          </a:p>
+        </p:txBody>
+      </p:sp>
+      <p:sp>
+        <p:nvSpPr>
+          <p:cNvPr id="9" name="TextBox 8">
             <a:extLst>
               <a:ext uri="{FF2B5EF4-FFF2-40B4-BE49-F238E27FC236}">
-                <a16:creationId xmlns:a16="http://schemas.microsoft.com/office/drawing/2014/main" id="{2FE2170D-72D6-48A8-8E9A-BFF3BF03D032}"/>
-              </a:ext>
-              <a:ext uri="{C183D7F6-B498-43B3-948B-1728B52AA6E4}">
-                <adec:decorative xmlns:adec="http://schemas.microsoft.com/office/drawing/2017/decorative" val="1"/>
+                <a16:creationId xmlns:a16="http://schemas.microsoft.com/office/drawing/2014/main" id="{FFECA9E7-CFE1-3ABB-F177-0B6123D41FFE}"/>
               </a:ext>
             </a:extLst>
           </p:cNvPr>
-          <p:cNvSpPr>
-            <a:spLocks noGrp="1" noRot="1" noChangeAspect="1" noMove="1" noResize="1" noEditPoints="1" noAdjustHandles="1" noChangeArrowheads="1" noChangeShapeType="1" noTextEdit="1"/>
-          </p:cNvSpPr>
-          <p:nvPr>
-            <p:extLst>
-              <p:ext uri="{386F3935-93C4-4BCD-93E2-E3B085C9AB24}">
-                <p16:designElem xmlns:p16="http://schemas.microsoft.com/office/powerpoint/2015/main" val="1"/>
-              </p:ext>
-            </p:extLst>
-          </p:nvPr>
+          <p:cNvSpPr txBox="1"/>
+          <p:nvPr/>
         </p:nvSpPr>
         <p:spPr>
           <a:xfrm>
-            <a:off x="10898730" y="-8467"/>
-            <a:ext cx="1290094" cy="6866467"/>
+            <a:off x="5712667" y="5871348"/>
+            <a:ext cx="3258742" cy="369332"/>
           </a:xfrm>
-          <a:custGeom>
+          <a:prstGeom prst="rect">
             <a:avLst/>
-            <a:gdLst/>
-            <a:ahLst/>
-            <a:cxnLst/>
-            <a:rect l="l" t="t" r="r" b="b"/>
-            <a:pathLst>
-              <a:path w="1290094" h="6858000">
-                <a:moveTo>
-                  <a:pt x="1019735" y="0"/>
-                </a:moveTo>
-                <a:lnTo>
-                  <a:pt x="1290094" y="0"/>
-                </a:lnTo>
-                <a:lnTo>
-                  <a:pt x="1290094" y="6858000"/>
-                </a:lnTo>
-                <a:lnTo>
-                  <a:pt x="0" y="6858000"/>
-                </a:lnTo>
-                <a:lnTo>
-                  <a:pt x="1019735" y="0"/>
-                </a:lnTo>
-                <a:close/>
-              </a:path>
-            </a:pathLst>
-          </a:custGeom>
-          <a:solidFill>
-            <a:schemeClr val="accent1">
-              <a:lumMod val="60000"/>
-              <a:lumOff val="40000"/>
-              <a:alpha val="70000"/>
-            </a:schemeClr>
-          </a:solidFill>
-          <a:ln>
-            <a:noFill/>
-          </a:ln>
-          <a:effectLst/>
+          </a:prstGeom>
+          <a:noFill/>
         </p:spPr>
-        <p:style>
-          <a:lnRef idx="1">
-            <a:schemeClr val="accent1"/>
-          </a:lnRef>
-          <a:fillRef idx="3">
-            <a:schemeClr val="accent1"/>
-          </a:fillRef>
-          <a:effectRef idx="2">
-            <a:schemeClr val="accent1"/>
-          </a:effectRef>
-          <a:fontRef idx="minor">
-            <a:schemeClr val="lt1"/>
-          </a:fontRef>
-        </p:style>
-      </p:sp>
-      <p:sp>
-        <p:nvSpPr>
-          <p:cNvPr id="53" name="Rectangle 29">
+        <p:txBody>
+          <a:bodyPr wrap="square">
+            <a:spAutoFit/>
+          </a:bodyPr>
+          <a:lstStyle/>
+          <a:p>
+            <a:pPr algn="l"/>
+            <a:r>
+              <a:rPr lang="en-GB" dirty="0">
+                <a:solidFill>
+                  <a:schemeClr val="accent1">
+                    <a:lumMod val="75000"/>
+                  </a:schemeClr>
+                </a:solidFill>
+              </a:rPr>
+              <a:t>r.m.m.davies@sms.ed.ac.uk</a:t>
+            </a:r>
+          </a:p>
+        </p:txBody>
+      </p:sp>
+      <p:pic>
+        <p:nvPicPr>
+          <p:cNvPr id="1026" name="Picture 2">
             <a:extLst>
               <a:ext uri="{FF2B5EF4-FFF2-40B4-BE49-F238E27FC236}">
-                <a16:creationId xmlns:a16="http://schemas.microsoft.com/office/drawing/2014/main" id="{01D19436-094D-463D-AFEA-870FDBD03797}"/>
-              </a:ext>
-              <a:ext uri="{C183D7F6-B498-43B3-948B-1728B52AA6E4}">
-                <adec:decorative xmlns:adec="http://schemas.microsoft.com/office/drawing/2017/decorative" val="1"/>
+                <a16:creationId xmlns:a16="http://schemas.microsoft.com/office/drawing/2014/main" id="{EF66FE63-19F7-3CED-EF8E-A10204008DED}"/>
               </a:ext>
             </a:extLst>
           </p:cNvPr>
-          <p:cNvSpPr>
-            <a:spLocks noGrp="1" noRot="1" noChangeAspect="1" noMove="1" noResize="1" noEditPoints="1" noAdjustHandles="1" noChangeArrowheads="1" noChangeShapeType="1" noTextEdit="1"/>
-          </p:cNvSpPr>
-          <p:nvPr>
-            <p:extLst>
-              <p:ext uri="{386F3935-93C4-4BCD-93E2-E3B085C9AB24}">
-                <p16:designElem xmlns:p16="http://schemas.microsoft.com/office/powerpoint/2015/main" val="1"/>
-              </p:ext>
-            </p:extLst>
-          </p:nvPr>
-        </p:nvSpPr>
-        <p:spPr>
-          <a:xfrm>
-            <a:off x="10938999" y="-8467"/>
-            <a:ext cx="1249825" cy="6866467"/>
-          </a:xfrm>
-          <a:custGeom>
-            <a:avLst/>
-            <a:gdLst/>
-            <a:ahLst/>
-            <a:cxnLst/>
-            <a:rect l="l" t="t" r="r" b="b"/>
-            <a:pathLst>
-              <a:path w="1249825" h="6858000">
-                <a:moveTo>
-                  <a:pt x="0" y="0"/>
-                </a:moveTo>
-                <a:lnTo>
-                  <a:pt x="1249825" y="0"/>
-                </a:lnTo>
-                <a:lnTo>
-                  <a:pt x="1249825" y="6858000"/>
-                </a:lnTo>
-                <a:lnTo>
-                  <a:pt x="1109382" y="6858000"/>
-                </a:lnTo>
-                <a:lnTo>
-                  <a:pt x="0" y="0"/>
-                </a:lnTo>
-                <a:close/>
-              </a:path>
-            </a:pathLst>
-          </a:custGeom>
-          <a:solidFill>
-            <a:schemeClr val="accent1">
-              <a:alpha val="65000"/>
-            </a:schemeClr>
-          </a:solidFill>
-          <a:ln>
-            <a:noFill/>
-          </a:ln>
-          <a:effectLst/>
-        </p:spPr>
-        <p:style>
-          <a:lnRef idx="1">
-            <a:schemeClr val="accent1"/>
-          </a:lnRef>
-          <a:fillRef idx="3">
-            <a:schemeClr val="accent1"/>
-          </a:fillRef>
-          <a:effectRef idx="2">
-            <a:schemeClr val="accent1"/>
-          </a:effectRef>
-          <a:fontRef idx="minor">
-            <a:schemeClr val="lt1"/>
-          </a:fontRef>
-        </p:style>
-      </p:sp>
-      <p:sp>
-        <p:nvSpPr>
-          <p:cNvPr id="55" name="Isosceles Triangle 54">
+          <p:cNvPicPr>
+            <a:picLocks noChangeAspect="1" noChangeArrowheads="1"/>
+          </p:cNvPicPr>
+          <p:nvPr/>
+        </p:nvPicPr>
+        <p:blipFill>
+          <a:blip r:embed="rId4">
             <a:extLst>
-              <a:ext uri="{FF2B5EF4-FFF2-40B4-BE49-F238E27FC236}">
-                <a16:creationId xmlns:a16="http://schemas.microsoft.com/office/drawing/2014/main" id="{9A2DE6E0-967C-4C58-8558-EC08F1138BD1}"/>
-              </a:ext>
-              <a:ext uri="{C183D7F6-B498-43B3-948B-1728B52AA6E4}">
-                <adec:decorative xmlns:adec="http://schemas.microsoft.com/office/drawing/2017/decorative" val="1"/>
+              <a:ext uri="{28A0092B-C50C-407E-A947-70E740481C1C}">
+                <a14:useLocalDpi xmlns:a14="http://schemas.microsoft.com/office/drawing/2010/main" val="0"/>
               </a:ext>
             </a:extLst>
-          </p:cNvPr>
-          <p:cNvSpPr>
-            <a:spLocks noGrp="1" noRot="1" noChangeAspect="1" noMove="1" noResize="1" noEditPoints="1" noAdjustHandles="1" noChangeArrowheads="1" noChangeShapeType="1" noTextEdit="1"/>
-          </p:cNvSpPr>
-          <p:nvPr>
-            <p:extLst>
-              <p:ext uri="{386F3935-93C4-4BCD-93E2-E3B085C9AB24}">
-                <p16:designElem xmlns:p16="http://schemas.microsoft.com/office/powerpoint/2015/main" val="1"/>
-              </p:ext>
-            </p:extLst>
-          </p:nvPr>
-        </p:nvSpPr>
-        <p:spPr>
+          </a:blip>
+          <a:srcRect/>
+          <a:stretch>
+            <a:fillRect/>
+          </a:stretch>
+        </p:blipFill>
+        <p:spPr bwMode="auto">
           <a:xfrm>
-            <a:off x="10371666" y="3589867"/>
-            <a:ext cx="1817159" cy="3268133"/>
+            <a:off x="0" y="-14514"/>
+            <a:ext cx="12192000" cy="6858000"/>
           </a:xfrm>
-          <a:prstGeom prst="triangle">
-            <a:avLst>
-              <a:gd name="adj" fmla="val 100000"/>
-            </a:avLst>
+          <a:prstGeom prst="rect">
+            <a:avLst/>
           </a:prstGeom>
-          <a:solidFill>
-            <a:schemeClr val="accent1">
-              <a:alpha val="80000"/>
-            </a:schemeClr>
-          </a:solidFill>
-          <a:ln>
-            <a:noFill/>
-          </a:ln>
-          <a:effectLst/>
+          <a:noFill/>
+          <a:extLst>
+            <a:ext uri="{909E8E84-426E-40DD-AFC4-6F175D3DCCD1}">
+              <a14:hiddenFill xmlns:a14="http://schemas.microsoft.com/office/drawing/2010/main">
+                <a:solidFill>
+                  <a:srgbClr val="FFFFFF"/>
+                </a:solidFill>
+              </a14:hiddenFill>
+            </a:ext>
+          </a:extLst>
         </p:spPr>
-        <p:style>
-          <a:lnRef idx="1">
-            <a:schemeClr val="accent1"/>
-          </a:lnRef>
-          <a:fillRef idx="3">
-            <a:schemeClr val="accent1"/>
-          </a:fillRef>
-          <a:effectRef idx="2">
-            <a:schemeClr val="accent1"/>
-          </a:effectRef>
-          <a:fontRef idx="minor">
-            <a:schemeClr val="lt1"/>
-          </a:fontRef>
-        </p:style>
-      </p:sp>
+      </p:pic>
     </p:spTree>
     <p:extLst>
       <p:ext uri="{BB962C8B-B14F-4D97-AF65-F5344CB8AC3E}">
@@ -7264,6 +6588,130 @@
   <p:clrMapOvr>
     <a:masterClrMapping/>
   </p:clrMapOvr>
+  <p:timing>
+    <p:tnLst>
+      <p:par>
+        <p:cTn id="1" dur="indefinite" restart="never" nodeType="tmRoot">
+          <p:childTnLst>
+            <p:seq concurrent="1" nextAc="seek">
+              <p:cTn id="2" dur="indefinite" nodeType="mainSeq">
+                <p:childTnLst>
+                  <p:par>
+                    <p:cTn id="3" fill="hold">
+                      <p:stCondLst>
+                        <p:cond delay="indefinite"/>
+                      </p:stCondLst>
+                      <p:childTnLst>
+                        <p:par>
+                          <p:cTn id="4" fill="hold">
+                            <p:stCondLst>
+                              <p:cond delay="0"/>
+                            </p:stCondLst>
+                            <p:childTnLst>
+                              <p:par>
+                                <p:cTn id="5" presetID="1" presetClass="entr" presetSubtype="0" fill="hold" grpId="0" nodeType="clickEffect">
+                                  <p:stCondLst>
+                                    <p:cond delay="0"/>
+                                  </p:stCondLst>
+                                  <p:childTnLst>
+                                    <p:set>
+                                      <p:cBhvr>
+                                        <p:cTn id="6" dur="1" fill="hold">
+                                          <p:stCondLst>
+                                            <p:cond delay="0"/>
+                                          </p:stCondLst>
+                                        </p:cTn>
+                                        <p:tgtEl>
+                                          <p:spTgt spid="6"/>
+                                        </p:tgtEl>
+                                        <p:attrNameLst>
+                                          <p:attrName>style.visibility</p:attrName>
+                                        </p:attrNameLst>
+                                      </p:cBhvr>
+                                      <p:to>
+                                        <p:strVal val="visible"/>
+                                      </p:to>
+                                    </p:set>
+                                  </p:childTnLst>
+                                </p:cTn>
+                              </p:par>
+                            </p:childTnLst>
+                          </p:cTn>
+                        </p:par>
+                      </p:childTnLst>
+                    </p:cTn>
+                  </p:par>
+                  <p:par>
+                    <p:cTn id="7" fill="hold">
+                      <p:stCondLst>
+                        <p:cond delay="indefinite"/>
+                      </p:stCondLst>
+                      <p:childTnLst>
+                        <p:par>
+                          <p:cTn id="8" fill="hold">
+                            <p:stCondLst>
+                              <p:cond delay="0"/>
+                            </p:stCondLst>
+                            <p:childTnLst>
+                              <p:par>
+                                <p:cTn id="9" presetID="1" presetClass="entr" presetSubtype="0" fill="hold" grpId="0" nodeType="clickEffect">
+                                  <p:stCondLst>
+                                    <p:cond delay="0"/>
+                                  </p:stCondLst>
+                                  <p:childTnLst>
+                                    <p:set>
+                                      <p:cBhvr>
+                                        <p:cTn id="10" dur="1" fill="hold">
+                                          <p:stCondLst>
+                                            <p:cond delay="0"/>
+                                          </p:stCondLst>
+                                        </p:cTn>
+                                        <p:tgtEl>
+                                          <p:spTgt spid="9"/>
+                                        </p:tgtEl>
+                                        <p:attrNameLst>
+                                          <p:attrName>style.visibility</p:attrName>
+                                        </p:attrNameLst>
+                                      </p:cBhvr>
+                                      <p:to>
+                                        <p:strVal val="visible"/>
+                                      </p:to>
+                                    </p:set>
+                                  </p:childTnLst>
+                                </p:cTn>
+                              </p:par>
+                            </p:childTnLst>
+                          </p:cTn>
+                        </p:par>
+                      </p:childTnLst>
+                    </p:cTn>
+                  </p:par>
+                </p:childTnLst>
+              </p:cTn>
+              <p:prevCondLst>
+                <p:cond evt="onPrev" delay="0">
+                  <p:tgtEl>
+                    <p:sldTgt/>
+                  </p:tgtEl>
+                </p:cond>
+              </p:prevCondLst>
+              <p:nextCondLst>
+                <p:cond evt="onNext" delay="0">
+                  <p:tgtEl>
+                    <p:sldTgt/>
+                  </p:tgtEl>
+                </p:cond>
+              </p:nextCondLst>
+            </p:seq>
+          </p:childTnLst>
+        </p:cTn>
+      </p:par>
+    </p:tnLst>
+    <p:bldLst>
+      <p:bldP spid="6" grpId="0"/>
+      <p:bldP spid="9" grpId="0"/>
+    </p:bldLst>
+  </p:timing>
 </p:sld>
 </file>
 
@@ -7306,7 +6754,13 @@
           <a:lstStyle/>
           <a:p>
             <a:r>
-              <a:rPr lang="en-GB" dirty="0"/>
+              <a:rPr lang="en-GB" dirty="0">
+                <a:solidFill>
+                  <a:schemeClr val="accent1">
+                    <a:lumMod val="50000"/>
+                  </a:schemeClr>
+                </a:solidFill>
+              </a:rPr>
               <a:t>Let’s try it ourselves!</a:t>
             </a:r>
           </a:p>
@@ -7410,13 +6864,23 @@
           <a:lstStyle/>
           <a:p>
             <a:r>
+              <a:rPr lang="en-GB" dirty="0">
+                <a:solidFill>
+                  <a:schemeClr val="accent1">
+                    <a:lumMod val="50000"/>
+                  </a:schemeClr>
+                </a:solidFill>
+              </a:rPr>
+              <a:t>Before</a:t>
+            </a:r>
+            <a:r>
               <a:rPr lang="en-GB" dirty="0"/>
-              <a:t>Before </a:t>
+              <a:t> </a:t>
             </a:r>
             <a:r>
               <a:rPr lang="en-GB" dirty="0">
                 <a:solidFill>
-                  <a:srgbClr val="90C226"/>
+                  <a:srgbClr val="0070C0"/>
                 </a:solidFill>
               </a:rPr>
               <a:t>Starting</a:t>
@@ -7425,192 +6889,6 @@
               <a:rPr lang="en-GB" dirty="0"/>
               <a:t>…</a:t>
             </a:r>
-          </a:p>
-        </p:txBody>
-      </p:sp>
-      <p:pic>
-        <p:nvPicPr>
-          <p:cNvPr id="5" name="Picture 4">
-            <a:extLst>
-              <a:ext uri="{FF2B5EF4-FFF2-40B4-BE49-F238E27FC236}">
-                <a16:creationId xmlns:a16="http://schemas.microsoft.com/office/drawing/2014/main" id="{92B7BB61-C3AD-429D-B881-8D72115C19EA}"/>
-              </a:ext>
-            </a:extLst>
-          </p:cNvPr>
-          <p:cNvPicPr>
-            <a:picLocks noChangeAspect="1"/>
-          </p:cNvPicPr>
-          <p:nvPr/>
-        </p:nvPicPr>
-        <p:blipFill>
-          <a:blip r:embed="rId2"/>
-          <a:stretch>
-            <a:fillRect/>
-          </a:stretch>
-        </p:blipFill>
-        <p:spPr>
-          <a:xfrm>
-            <a:off x="4314290" y="147643"/>
-            <a:ext cx="7200376" cy="6562714"/>
-          </a:xfrm>
-          <a:prstGeom prst="rect">
-            <a:avLst/>
-          </a:prstGeom>
-        </p:spPr>
-      </p:pic>
-      <p:sp>
-        <p:nvSpPr>
-          <p:cNvPr id="6" name="Google Shape;115;p4">
-            <a:extLst>
-              <a:ext uri="{FF2B5EF4-FFF2-40B4-BE49-F238E27FC236}">
-                <a16:creationId xmlns:a16="http://schemas.microsoft.com/office/drawing/2014/main" id="{8FAA3E5F-AC40-4BD6-87AC-1007B6E82E66}"/>
-              </a:ext>
-            </a:extLst>
-          </p:cNvPr>
-          <p:cNvSpPr txBox="1"/>
-          <p:nvPr/>
-        </p:nvSpPr>
-        <p:spPr>
-          <a:xfrm>
-            <a:off x="251206" y="1981704"/>
-            <a:ext cx="3607930" cy="3677158"/>
-          </a:xfrm>
-          <a:prstGeom prst="rect">
-            <a:avLst/>
-          </a:prstGeom>
-          <a:noFill/>
-          <a:ln>
-            <a:noFill/>
-          </a:ln>
-        </p:spPr>
-        <p:txBody>
-          <a:bodyPr spcFirstLastPara="1" wrap="square" lIns="91425" tIns="45700" rIns="91425" bIns="45700" anchor="t" anchorCtr="0">
-            <a:normAutofit/>
-          </a:bodyPr>
-          <a:lstStyle/>
-          <a:p>
-            <a:pPr>
-              <a:lnSpc>
-                <a:spcPct val="90000"/>
-              </a:lnSpc>
-              <a:buClr>
-                <a:srgbClr val="FFFFFF"/>
-              </a:buClr>
-              <a:buSzPts val="2400"/>
-              <a:buFont typeface="Arial"/>
-              <a:buChar char="•"/>
-            </a:pPr>
-            <a:r>
-              <a:rPr lang="it-IT" sz="2400" b="1" dirty="0">
-                <a:solidFill>
-                  <a:schemeClr val="tx2"/>
-                </a:solidFill>
-                <a:latin typeface="Calibri"/>
-                <a:ea typeface="Calibri"/>
-                <a:cs typeface="Calibri"/>
-                <a:sym typeface="Calibri"/>
-              </a:rPr>
-              <a:t>Andrew</a:t>
-            </a:r>
-            <a:endParaRPr lang="en-US" dirty="0">
-              <a:solidFill>
-                <a:schemeClr val="tx2"/>
-              </a:solidFill>
-            </a:endParaRPr>
-          </a:p>
-          <a:p>
-            <a:pPr marL="228600" indent="-228600">
-              <a:lnSpc>
-                <a:spcPct val="90000"/>
-              </a:lnSpc>
-              <a:spcBef>
-                <a:spcPts val="1000"/>
-              </a:spcBef>
-              <a:buClr>
-                <a:srgbClr val="FFFFFF"/>
-              </a:buClr>
-              <a:buSzPts val="2400"/>
-              <a:buFont typeface="Arial"/>
-              <a:buChar char="•"/>
-            </a:pPr>
-            <a:r>
-              <a:rPr lang="it-IT" sz="2400" dirty="0">
-                <a:solidFill>
-                  <a:schemeClr val="tx2"/>
-                </a:solidFill>
-                <a:latin typeface="Calibri"/>
-                <a:ea typeface="Calibri"/>
-                <a:cs typeface="Calibri"/>
-                <a:sym typeface="Calibri"/>
-              </a:rPr>
-              <a:t>Archaeologist at the University of Edinburgh</a:t>
-            </a:r>
-            <a:endParaRPr lang="it-IT" sz="2400" dirty="0">
-              <a:solidFill>
-                <a:schemeClr val="tx2"/>
-              </a:solidFill>
-              <a:latin typeface="Calibri"/>
-              <a:cs typeface="Calibri"/>
-            </a:endParaRPr>
-          </a:p>
-          <a:p>
-            <a:pPr marL="228600" indent="-228600">
-              <a:lnSpc>
-                <a:spcPct val="90000"/>
-              </a:lnSpc>
-              <a:spcBef>
-                <a:spcPts val="1000"/>
-              </a:spcBef>
-              <a:buClr>
-                <a:srgbClr val="FFFFFF"/>
-              </a:buClr>
-              <a:buSzPts val="2400"/>
-              <a:buFont typeface="Arial"/>
-              <a:buChar char="•"/>
-            </a:pPr>
-            <a:r>
-              <a:rPr lang="it-IT" sz="2400" dirty="0">
-                <a:solidFill>
-                  <a:schemeClr val="tx2"/>
-                </a:solidFill>
-                <a:latin typeface="Calibri"/>
-                <a:ea typeface="Calibri"/>
-                <a:cs typeface="Calibri"/>
-                <a:sym typeface="Calibri"/>
-              </a:rPr>
-              <a:t>Training Fellow with DCS</a:t>
-            </a:r>
-            <a:endParaRPr lang="it-IT" dirty="0">
-              <a:solidFill>
-                <a:schemeClr val="tx2"/>
-              </a:solidFill>
-            </a:endParaRPr>
-          </a:p>
-          <a:p>
-            <a:pPr marL="228600" marR="0" lvl="0" indent="-228600" algn="l" rtl="0">
-              <a:lnSpc>
-                <a:spcPct val="90000"/>
-              </a:lnSpc>
-              <a:spcBef>
-                <a:spcPts val="1000"/>
-              </a:spcBef>
-              <a:spcAft>
-                <a:spcPts val="0"/>
-              </a:spcAft>
-              <a:buClr>
-                <a:srgbClr val="FFFFFF"/>
-              </a:buClr>
-              <a:buSzPts val="2400"/>
-              <a:buFont typeface="Arial"/>
-              <a:buChar char="•"/>
-            </a:pPr>
-            <a:endParaRPr lang="it-IT" sz="2400" dirty="0">
-              <a:solidFill>
-                <a:srgbClr val="90C226"/>
-              </a:solidFill>
-              <a:latin typeface="Calibri"/>
-              <a:cs typeface="Calibri"/>
-            </a:endParaRPr>
           </a:p>
         </p:txBody>
       </p:sp>
@@ -7647,6 +6925,218 @@
           </a:ln>
         </p:spPr>
       </p:pic>
+      <p:pic>
+        <p:nvPicPr>
+          <p:cNvPr id="9" name="Picture 8" descr="A graph of a number of numbers&#10;&#10;Description automatically generated with medium confidence">
+            <a:extLst>
+              <a:ext uri="{FF2B5EF4-FFF2-40B4-BE49-F238E27FC236}">
+                <a16:creationId xmlns:a16="http://schemas.microsoft.com/office/drawing/2014/main" id="{0A3B515B-04C7-53EB-B12E-106BB14F2932}"/>
+              </a:ext>
+            </a:extLst>
+          </p:cNvPr>
+          <p:cNvPicPr>
+            <a:picLocks noChangeAspect="1"/>
+          </p:cNvPicPr>
+          <p:nvPr/>
+        </p:nvPicPr>
+        <p:blipFill>
+          <a:blip r:embed="rId4">
+            <a:extLst>
+              <a:ext uri="{28A0092B-C50C-407E-A947-70E740481C1C}">
+                <a14:useLocalDpi xmlns:a14="http://schemas.microsoft.com/office/drawing/2010/main" val="0"/>
+              </a:ext>
+            </a:extLst>
+          </a:blip>
+          <a:stretch>
+            <a:fillRect/>
+          </a:stretch>
+        </p:blipFill>
+        <p:spPr>
+          <a:xfrm>
+            <a:off x="7888051" y="1990776"/>
+            <a:ext cx="3057832" cy="2402920"/>
+          </a:xfrm>
+          <a:prstGeom prst="rect">
+            <a:avLst/>
+          </a:prstGeom>
+        </p:spPr>
+      </p:pic>
+      <p:pic>
+        <p:nvPicPr>
+          <p:cNvPr id="15" name="Picture 14">
+            <a:extLst>
+              <a:ext uri="{FF2B5EF4-FFF2-40B4-BE49-F238E27FC236}">
+                <a16:creationId xmlns:a16="http://schemas.microsoft.com/office/drawing/2014/main" id="{35DEE629-7626-0ED8-6997-DE6D8080219D}"/>
+              </a:ext>
+            </a:extLst>
+          </p:cNvPr>
+          <p:cNvPicPr>
+            <a:picLocks noChangeAspect="1"/>
+          </p:cNvPicPr>
+          <p:nvPr/>
+        </p:nvPicPr>
+        <p:blipFill rotWithShape="1">
+          <a:blip r:embed="rId5"/>
+          <a:srcRect l="24186" t="22955" r="35670" b="16289"/>
+          <a:stretch/>
+        </p:blipFill>
+        <p:spPr>
+          <a:xfrm>
+            <a:off x="707137" y="2044617"/>
+            <a:ext cx="2696066" cy="2295239"/>
+          </a:xfrm>
+          <a:prstGeom prst="rect">
+            <a:avLst/>
+          </a:prstGeom>
+        </p:spPr>
+      </p:pic>
+      <p:pic>
+        <p:nvPicPr>
+          <p:cNvPr id="25" name="Picture 24" descr="A diagram of a graph showing different colored lines&#10;&#10;Description automatically generated">
+            <a:extLst>
+              <a:ext uri="{FF2B5EF4-FFF2-40B4-BE49-F238E27FC236}">
+                <a16:creationId xmlns:a16="http://schemas.microsoft.com/office/drawing/2014/main" id="{EDB59C4D-988E-BFC0-EEF5-6ADF670F55E1}"/>
+              </a:ext>
+            </a:extLst>
+          </p:cNvPr>
+          <p:cNvPicPr>
+            <a:picLocks noChangeAspect="1"/>
+          </p:cNvPicPr>
+          <p:nvPr/>
+        </p:nvPicPr>
+        <p:blipFill>
+          <a:blip r:embed="rId6">
+            <a:extLst>
+              <a:ext uri="{28A0092B-C50C-407E-A947-70E740481C1C}">
+                <a14:useLocalDpi xmlns:a14="http://schemas.microsoft.com/office/drawing/2010/main" val="0"/>
+              </a:ext>
+            </a:extLst>
+          </a:blip>
+          <a:stretch>
+            <a:fillRect/>
+          </a:stretch>
+        </p:blipFill>
+        <p:spPr>
+          <a:xfrm>
+            <a:off x="4504737" y="2066273"/>
+            <a:ext cx="3182525" cy="2382922"/>
+          </a:xfrm>
+          <a:prstGeom prst="rect">
+            <a:avLst/>
+          </a:prstGeom>
+        </p:spPr>
+      </p:pic>
+      <p:sp>
+        <p:nvSpPr>
+          <p:cNvPr id="4" name="Title 1">
+            <a:extLst>
+              <a:ext uri="{FF2B5EF4-FFF2-40B4-BE49-F238E27FC236}">
+                <a16:creationId xmlns:a16="http://schemas.microsoft.com/office/drawing/2014/main" id="{F28CB3B9-DBDD-87AB-82D7-56E27CA03ECB}"/>
+              </a:ext>
+            </a:extLst>
+          </p:cNvPr>
+          <p:cNvSpPr txBox="1">
+            <a:spLocks/>
+          </p:cNvSpPr>
+          <p:nvPr/>
+        </p:nvSpPr>
+        <p:spPr>
+          <a:xfrm>
+            <a:off x="2775033" y="1188929"/>
+            <a:ext cx="8596668" cy="1320800"/>
+          </a:xfrm>
+          <a:prstGeom prst="rect">
+            <a:avLst/>
+          </a:prstGeom>
+        </p:spPr>
+        <p:txBody>
+          <a:bodyPr vert="horz" lIns="91440" tIns="45720" rIns="91440" bIns="45720" rtlCol="0" anchor="t">
+            <a:normAutofit/>
+          </a:bodyPr>
+          <a:lstStyle>
+            <a:lvl1pPr algn="l" defTabSz="457200" rtl="0" eaLnBrk="1" latinLnBrk="0" hangingPunct="1">
+              <a:spcBef>
+                <a:spcPct val="0"/>
+              </a:spcBef>
+              <a:buNone/>
+              <a:defRPr sz="3600" kern="1200">
+                <a:solidFill>
+                  <a:schemeClr val="accent1"/>
+                </a:solidFill>
+                <a:latin typeface="+mj-lt"/>
+                <a:ea typeface="+mj-ea"/>
+                <a:cs typeface="+mj-cs"/>
+              </a:defRPr>
+            </a:lvl1pPr>
+            <a:lvl2pPr eaLnBrk="1" hangingPunct="1">
+              <a:defRPr>
+                <a:solidFill>
+                  <a:schemeClr val="tx2"/>
+                </a:solidFill>
+              </a:defRPr>
+            </a:lvl2pPr>
+            <a:lvl3pPr eaLnBrk="1" hangingPunct="1">
+              <a:defRPr>
+                <a:solidFill>
+                  <a:schemeClr val="tx2"/>
+                </a:solidFill>
+              </a:defRPr>
+            </a:lvl3pPr>
+            <a:lvl4pPr eaLnBrk="1" hangingPunct="1">
+              <a:defRPr>
+                <a:solidFill>
+                  <a:schemeClr val="tx2"/>
+                </a:solidFill>
+              </a:defRPr>
+            </a:lvl4pPr>
+            <a:lvl5pPr eaLnBrk="1" hangingPunct="1">
+              <a:defRPr>
+                <a:solidFill>
+                  <a:schemeClr val="tx2"/>
+                </a:solidFill>
+              </a:defRPr>
+            </a:lvl5pPr>
+            <a:lvl6pPr eaLnBrk="1" hangingPunct="1">
+              <a:defRPr>
+                <a:solidFill>
+                  <a:schemeClr val="tx2"/>
+                </a:solidFill>
+              </a:defRPr>
+            </a:lvl6pPr>
+            <a:lvl7pPr eaLnBrk="1" hangingPunct="1">
+              <a:defRPr>
+                <a:solidFill>
+                  <a:schemeClr val="tx2"/>
+                </a:solidFill>
+              </a:defRPr>
+            </a:lvl7pPr>
+            <a:lvl8pPr eaLnBrk="1" hangingPunct="1">
+              <a:defRPr>
+                <a:solidFill>
+                  <a:schemeClr val="tx2"/>
+                </a:solidFill>
+              </a:defRPr>
+            </a:lvl8pPr>
+            <a:lvl9pPr eaLnBrk="1" hangingPunct="1">
+              <a:defRPr>
+                <a:solidFill>
+                  <a:schemeClr val="tx2"/>
+                </a:solidFill>
+              </a:defRPr>
+            </a:lvl9pPr>
+          </a:lstStyle>
+          <a:p>
+            <a:r>
+              <a:rPr lang="en-GB" dirty="0">
+                <a:solidFill>
+                  <a:srgbClr val="00B0F0"/>
+                </a:solidFill>
+              </a:rPr>
+              <a:t>How we use R for our research</a:t>
+            </a:r>
+          </a:p>
+        </p:txBody>
+      </p:sp>
     </p:spTree>
     <p:extLst>
       <p:ext uri="{BB962C8B-B14F-4D97-AF65-F5344CB8AC3E}">
@@ -7657,6 +7147,171 @@
   <p:clrMapOvr>
     <a:masterClrMapping/>
   </p:clrMapOvr>
+  <p:timing>
+    <p:tnLst>
+      <p:par>
+        <p:cTn id="1" dur="indefinite" restart="never" nodeType="tmRoot">
+          <p:childTnLst>
+            <p:seq concurrent="1" nextAc="seek">
+              <p:cTn id="2" dur="indefinite" nodeType="mainSeq">
+                <p:childTnLst>
+                  <p:par>
+                    <p:cTn id="3" fill="hold">
+                      <p:stCondLst>
+                        <p:cond delay="indefinite"/>
+                      </p:stCondLst>
+                      <p:childTnLst>
+                        <p:par>
+                          <p:cTn id="4" fill="hold">
+                            <p:stCondLst>
+                              <p:cond delay="0"/>
+                            </p:stCondLst>
+                            <p:childTnLst>
+                              <p:par>
+                                <p:cTn id="5" presetID="1" presetClass="entr" presetSubtype="0" fill="hold" nodeType="clickEffect">
+                                  <p:stCondLst>
+                                    <p:cond delay="0"/>
+                                  </p:stCondLst>
+                                  <p:childTnLst>
+                                    <p:set>
+                                      <p:cBhvr>
+                                        <p:cTn id="6" dur="1" fill="hold">
+                                          <p:stCondLst>
+                                            <p:cond delay="0"/>
+                                          </p:stCondLst>
+                                        </p:cTn>
+                                        <p:tgtEl>
+                                          <p:spTgt spid="9"/>
+                                        </p:tgtEl>
+                                        <p:attrNameLst>
+                                          <p:attrName>style.visibility</p:attrName>
+                                        </p:attrNameLst>
+                                      </p:cBhvr>
+                                      <p:to>
+                                        <p:strVal val="visible"/>
+                                      </p:to>
+                                    </p:set>
+                                  </p:childTnLst>
+                                </p:cTn>
+                              </p:par>
+                            </p:childTnLst>
+                          </p:cTn>
+                        </p:par>
+                      </p:childTnLst>
+                    </p:cTn>
+                  </p:par>
+                  <p:par>
+                    <p:cTn id="7" fill="hold">
+                      <p:stCondLst>
+                        <p:cond delay="indefinite"/>
+                      </p:stCondLst>
+                      <p:childTnLst>
+                        <p:par>
+                          <p:cTn id="8" fill="hold">
+                            <p:stCondLst>
+                              <p:cond delay="0"/>
+                            </p:stCondLst>
+                            <p:childTnLst>
+                              <p:par>
+                                <p:cTn id="9" presetID="1" presetClass="entr" presetSubtype="0" fill="hold" nodeType="clickEffect">
+                                  <p:stCondLst>
+                                    <p:cond delay="0"/>
+                                  </p:stCondLst>
+                                  <p:childTnLst>
+                                    <p:set>
+                                      <p:cBhvr>
+                                        <p:cTn id="10" dur="1" fill="hold">
+                                          <p:stCondLst>
+                                            <p:cond delay="0"/>
+                                          </p:stCondLst>
+                                        </p:cTn>
+                                        <p:tgtEl>
+                                          <p:spTgt spid="15"/>
+                                        </p:tgtEl>
+                                        <p:attrNameLst>
+                                          <p:attrName>style.visibility</p:attrName>
+                                        </p:attrNameLst>
+                                      </p:cBhvr>
+                                      <p:to>
+                                        <p:strVal val="visible"/>
+                                      </p:to>
+                                    </p:set>
+                                  </p:childTnLst>
+                                </p:cTn>
+                              </p:par>
+                            </p:childTnLst>
+                          </p:cTn>
+                        </p:par>
+                      </p:childTnLst>
+                    </p:cTn>
+                  </p:par>
+                  <p:par>
+                    <p:cTn id="11" fill="hold">
+                      <p:stCondLst>
+                        <p:cond delay="indefinite"/>
+                      </p:stCondLst>
+                      <p:childTnLst>
+                        <p:par>
+                          <p:cTn id="12" fill="hold">
+                            <p:stCondLst>
+                              <p:cond delay="0"/>
+                            </p:stCondLst>
+                            <p:childTnLst>
+                              <p:par>
+                                <p:cTn id="13" presetID="1" presetClass="entr" presetSubtype="0" fill="hold" nodeType="clickEffect">
+                                  <p:stCondLst>
+                                    <p:cond delay="0"/>
+                                  </p:stCondLst>
+                                  <p:childTnLst>
+                                    <p:set>
+                                      <p:cBhvr>
+                                        <p:cTn id="14" dur="1" fill="hold">
+                                          <p:stCondLst>
+                                            <p:cond delay="0"/>
+                                          </p:stCondLst>
+                                        </p:cTn>
+                                        <p:tgtEl>
+                                          <p:spTgt spid="25"/>
+                                        </p:tgtEl>
+                                        <p:attrNameLst>
+                                          <p:attrName>style.visibility</p:attrName>
+                                        </p:attrNameLst>
+                                      </p:cBhvr>
+                                      <p:to>
+                                        <p:strVal val="visible"/>
+                                      </p:to>
+                                    </p:set>
+                                  </p:childTnLst>
+                                </p:cTn>
+                              </p:par>
+                            </p:childTnLst>
+                          </p:cTn>
+                        </p:par>
+                      </p:childTnLst>
+                    </p:cTn>
+                  </p:par>
+                </p:childTnLst>
+              </p:cTn>
+              <p:prevCondLst>
+                <p:cond evt="onPrev" delay="0">
+                  <p:tgtEl>
+                    <p:sldTgt/>
+                  </p:tgtEl>
+                </p:cond>
+              </p:prevCondLst>
+              <p:nextCondLst>
+                <p:cond evt="onNext" delay="0">
+                  <p:tgtEl>
+                    <p:sldTgt/>
+                  </p:tgtEl>
+                </p:cond>
+              </p:nextCondLst>
+            </p:seq>
+          </p:childTnLst>
+        </p:cTn>
+      </p:par>
+    </p:tnLst>
+  </p:timing>
 </p:sld>
 </file>
 
@@ -8007,12 +7662,12 @@
             <a:r>
               <a:rPr lang="nb-NO" b="0" i="0" dirty="0">
                 <a:solidFill>
-                  <a:srgbClr val="E7135D"/>
+                  <a:srgbClr val="0070C0"/>
                 </a:solidFill>
                 <a:effectLst/>
                 <a:latin typeface="IntegralCF-Regular"/>
               </a:rPr>
-              <a:t>29 Sep 2022, 10:00– 12:00</a:t>
+              <a:t>24/01/24, 10:00 -12:00</a:t>
             </a:r>
           </a:p>
           <a:p>
@@ -8053,41 +7708,38 @@
             <a:r>
               <a:rPr lang="en-US" dirty="0">
                 <a:solidFill>
-                  <a:srgbClr val="E7135D"/>
+                  <a:srgbClr val="0070C0"/>
                 </a:solidFill>
                 <a:latin typeface="IntegralCF-Regular"/>
               </a:rPr>
-              <a:t>06</a:t>
+              <a:t>31/01/24</a:t>
             </a:r>
             <a:r>
               <a:rPr lang="en-US" b="0" i="0" dirty="0">
                 <a:solidFill>
-                  <a:srgbClr val="E7135D"/>
+                  <a:srgbClr val="0070C0"/>
                 </a:solidFill>
                 <a:effectLst/>
                 <a:latin typeface="IntegralCF-Regular"/>
               </a:rPr>
-              <a:t> Oct 2022, </a:t>
+              <a:t>, </a:t>
             </a:r>
             <a:r>
               <a:rPr lang="en-US" dirty="0">
                 <a:solidFill>
-                  <a:srgbClr val="E7135D"/>
+                  <a:srgbClr val="0070C0"/>
                 </a:solidFill>
                 <a:latin typeface="IntegralCF-Regular"/>
               </a:rPr>
-              <a:t>10</a:t>
-            </a:r>
-            <a:r>
-              <a:rPr lang="en-US" b="0" i="0" dirty="0">
-                <a:solidFill>
-                  <a:srgbClr val="E7135D"/>
-                </a:solidFill>
-                <a:effectLst/>
-                <a:latin typeface="IntegralCF-Regular"/>
-              </a:rPr>
-              <a:t>:00 – 12:00 </a:t>
-            </a:r>
+              <a:t>10:00 – 12:00</a:t>
+            </a:r>
+            <a:endParaRPr lang="en-US" b="0" i="0" dirty="0">
+              <a:solidFill>
+                <a:srgbClr val="0070C0"/>
+              </a:solidFill>
+              <a:effectLst/>
+              <a:latin typeface="IntegralCF-Regular"/>
+            </a:endParaRPr>
           </a:p>
           <a:p>
             <a:pPr>
@@ -8142,633 +7794,6 @@
             </a:endParaRPr>
           </a:p>
         </p:txBody>
-      </p:sp>
-      <p:cxnSp>
-        <p:nvCxnSpPr>
-          <p:cNvPr id="11" name="Straight Connector 10">
-            <a:extLst>
-              <a:ext uri="{FF2B5EF4-FFF2-40B4-BE49-F238E27FC236}">
-                <a16:creationId xmlns:a16="http://schemas.microsoft.com/office/drawing/2014/main" id="{64FA5DFF-7FE6-4855-84E6-DFA78EE978BD}"/>
-              </a:ext>
-              <a:ext uri="{C183D7F6-B498-43B3-948B-1728B52AA6E4}">
-                <adec:decorative xmlns:adec="http://schemas.microsoft.com/office/drawing/2017/decorative" val="1"/>
-              </a:ext>
-            </a:extLst>
-          </p:cNvPr>
-          <p:cNvCxnSpPr>
-            <a:cxnSpLocks noGrp="1" noRot="1" noChangeAspect="1" noMove="1" noResize="1" noEditPoints="1" noAdjustHandles="1" noChangeArrowheads="1" noChangeShapeType="1"/>
-          </p:cNvCxnSpPr>
-          <p:nvPr>
-            <p:extLst>
-              <p:ext uri="{386F3935-93C4-4BCD-93E2-E3B085C9AB24}">
-                <p16:designElem xmlns:p16="http://schemas.microsoft.com/office/powerpoint/2015/main" val="1"/>
-              </p:ext>
-            </p:extLst>
-          </p:nvPr>
-        </p:nvCxnSpPr>
-        <p:spPr>
-          <a:xfrm>
-            <a:off x="9371012" y="0"/>
-            <a:ext cx="1219200" cy="6858000"/>
-          </a:xfrm>
-          <a:prstGeom prst="line">
-            <a:avLst/>
-          </a:prstGeom>
-          <a:ln w="9525">
-            <a:solidFill>
-              <a:schemeClr val="bg1">
-                <a:lumMod val="75000"/>
-              </a:schemeClr>
-            </a:solidFill>
-          </a:ln>
-        </p:spPr>
-        <p:style>
-          <a:lnRef idx="2">
-            <a:schemeClr val="accent1"/>
-          </a:lnRef>
-          <a:fillRef idx="0">
-            <a:schemeClr val="accent1"/>
-          </a:fillRef>
-          <a:effectRef idx="1">
-            <a:schemeClr val="accent1"/>
-          </a:effectRef>
-          <a:fontRef idx="minor">
-            <a:schemeClr val="tx1"/>
-          </a:fontRef>
-        </p:style>
-      </p:cxnSp>
-      <p:cxnSp>
-        <p:nvCxnSpPr>
-          <p:cNvPr id="13" name="Straight Connector 12">
-            <a:extLst>
-              <a:ext uri="{FF2B5EF4-FFF2-40B4-BE49-F238E27FC236}">
-                <a16:creationId xmlns:a16="http://schemas.microsoft.com/office/drawing/2014/main" id="{2AFD8CBA-54A3-4363-991B-B9C631BBFA74}"/>
-              </a:ext>
-              <a:ext uri="{C183D7F6-B498-43B3-948B-1728B52AA6E4}">
-                <adec:decorative xmlns:adec="http://schemas.microsoft.com/office/drawing/2017/decorative" val="1"/>
-              </a:ext>
-            </a:extLst>
-          </p:cNvPr>
-          <p:cNvCxnSpPr>
-            <a:cxnSpLocks noGrp="1" noRot="1" noChangeAspect="1" noMove="1" noResize="1" noEditPoints="1" noAdjustHandles="1" noChangeArrowheads="1" noChangeShapeType="1"/>
-          </p:cNvCxnSpPr>
-          <p:nvPr>
-            <p:extLst>
-              <p:ext uri="{386F3935-93C4-4BCD-93E2-E3B085C9AB24}">
-                <p16:designElem xmlns:p16="http://schemas.microsoft.com/office/powerpoint/2015/main" val="1"/>
-              </p:ext>
-            </p:extLst>
-          </p:nvPr>
-        </p:nvCxnSpPr>
-        <p:spPr>
-          <a:xfrm flipH="1">
-            <a:off x="7425267" y="3681413"/>
-            <a:ext cx="4763558" cy="3176587"/>
-          </a:xfrm>
-          <a:prstGeom prst="line">
-            <a:avLst/>
-          </a:prstGeom>
-          <a:ln w="9525">
-            <a:solidFill>
-              <a:schemeClr val="bg1">
-                <a:lumMod val="85000"/>
-              </a:schemeClr>
-            </a:solidFill>
-          </a:ln>
-        </p:spPr>
-        <p:style>
-          <a:lnRef idx="2">
-            <a:schemeClr val="accent1"/>
-          </a:lnRef>
-          <a:fillRef idx="0">
-            <a:schemeClr val="accent1"/>
-          </a:fillRef>
-          <a:effectRef idx="1">
-            <a:schemeClr val="accent1"/>
-          </a:effectRef>
-          <a:fontRef idx="minor">
-            <a:schemeClr val="tx1"/>
-          </a:fontRef>
-        </p:style>
-      </p:cxnSp>
-      <p:sp>
-        <p:nvSpPr>
-          <p:cNvPr id="15" name="Rectangle 23">
-            <a:extLst>
-              <a:ext uri="{FF2B5EF4-FFF2-40B4-BE49-F238E27FC236}">
-                <a16:creationId xmlns:a16="http://schemas.microsoft.com/office/drawing/2014/main" id="{3F088236-D655-4F88-B238-E16762358025}"/>
-              </a:ext>
-              <a:ext uri="{C183D7F6-B498-43B3-948B-1728B52AA6E4}">
-                <adec:decorative xmlns:adec="http://schemas.microsoft.com/office/drawing/2017/decorative" val="1"/>
-              </a:ext>
-            </a:extLst>
-          </p:cNvPr>
-          <p:cNvSpPr>
-            <a:spLocks noGrp="1" noRot="1" noChangeAspect="1" noMove="1" noResize="1" noEditPoints="1" noAdjustHandles="1" noChangeArrowheads="1" noChangeShapeType="1" noTextEdit="1"/>
-          </p:cNvSpPr>
-          <p:nvPr>
-            <p:extLst>
-              <p:ext uri="{386F3935-93C4-4BCD-93E2-E3B085C9AB24}">
-                <p16:designElem xmlns:p16="http://schemas.microsoft.com/office/powerpoint/2015/main" val="1"/>
-              </p:ext>
-            </p:extLst>
-          </p:nvPr>
-        </p:nvSpPr>
-        <p:spPr>
-          <a:xfrm>
-            <a:off x="9181476" y="-8467"/>
-            <a:ext cx="3007349" cy="6866467"/>
-          </a:xfrm>
-          <a:custGeom>
-            <a:avLst/>
-            <a:gdLst/>
-            <a:ahLst/>
-            <a:cxnLst/>
-            <a:rect l="l" t="t" r="r" b="b"/>
-            <a:pathLst>
-              <a:path w="3007349" h="6866467">
-                <a:moveTo>
-                  <a:pt x="2045532" y="0"/>
-                </a:moveTo>
-                <a:lnTo>
-                  <a:pt x="3007349" y="0"/>
-                </a:lnTo>
-                <a:lnTo>
-                  <a:pt x="3007349" y="6866467"/>
-                </a:lnTo>
-                <a:lnTo>
-                  <a:pt x="0" y="6866467"/>
-                </a:lnTo>
-                <a:lnTo>
-                  <a:pt x="2045532" y="0"/>
-                </a:lnTo>
-                <a:close/>
-              </a:path>
-            </a:pathLst>
-          </a:custGeom>
-          <a:solidFill>
-            <a:schemeClr val="accent1">
-              <a:alpha val="30000"/>
-            </a:schemeClr>
-          </a:solidFill>
-          <a:ln>
-            <a:noFill/>
-          </a:ln>
-          <a:effectLst/>
-        </p:spPr>
-        <p:style>
-          <a:lnRef idx="1">
-            <a:schemeClr val="accent1"/>
-          </a:lnRef>
-          <a:fillRef idx="3">
-            <a:schemeClr val="accent1"/>
-          </a:fillRef>
-          <a:effectRef idx="2">
-            <a:schemeClr val="accent1"/>
-          </a:effectRef>
-          <a:fontRef idx="minor">
-            <a:schemeClr val="lt1"/>
-          </a:fontRef>
-        </p:style>
-      </p:sp>
-      <p:sp>
-        <p:nvSpPr>
-          <p:cNvPr id="17" name="Rectangle 25">
-            <a:extLst>
-              <a:ext uri="{FF2B5EF4-FFF2-40B4-BE49-F238E27FC236}">
-                <a16:creationId xmlns:a16="http://schemas.microsoft.com/office/drawing/2014/main" id="{3DAC0C92-199E-475C-9390-119A9B027276}"/>
-              </a:ext>
-              <a:ext uri="{C183D7F6-B498-43B3-948B-1728B52AA6E4}">
-                <adec:decorative xmlns:adec="http://schemas.microsoft.com/office/drawing/2017/decorative" val="1"/>
-              </a:ext>
-            </a:extLst>
-          </p:cNvPr>
-          <p:cNvSpPr>
-            <a:spLocks noGrp="1" noRot="1" noChangeAspect="1" noMove="1" noResize="1" noEditPoints="1" noAdjustHandles="1" noChangeArrowheads="1" noChangeShapeType="1" noTextEdit="1"/>
-          </p:cNvSpPr>
-          <p:nvPr>
-            <p:extLst>
-              <p:ext uri="{386F3935-93C4-4BCD-93E2-E3B085C9AB24}">
-                <p16:designElem xmlns:p16="http://schemas.microsoft.com/office/powerpoint/2015/main" val="1"/>
-              </p:ext>
-            </p:extLst>
-          </p:nvPr>
-        </p:nvSpPr>
-        <p:spPr>
-          <a:xfrm>
-            <a:off x="9603442" y="-8467"/>
-            <a:ext cx="2588558" cy="6866467"/>
-          </a:xfrm>
-          <a:custGeom>
-            <a:avLst/>
-            <a:gdLst/>
-            <a:ahLst/>
-            <a:cxnLst/>
-            <a:rect l="l" t="t" r="r" b="b"/>
-            <a:pathLst>
-              <a:path w="2573311" h="6866467">
-                <a:moveTo>
-                  <a:pt x="0" y="0"/>
-                </a:moveTo>
-                <a:lnTo>
-                  <a:pt x="2573311" y="0"/>
-                </a:lnTo>
-                <a:lnTo>
-                  <a:pt x="2573311" y="6866467"/>
-                </a:lnTo>
-                <a:lnTo>
-                  <a:pt x="1202336" y="6866467"/>
-                </a:lnTo>
-                <a:lnTo>
-                  <a:pt x="0" y="0"/>
-                </a:lnTo>
-                <a:close/>
-              </a:path>
-            </a:pathLst>
-          </a:custGeom>
-          <a:solidFill>
-            <a:schemeClr val="accent1">
-              <a:alpha val="20000"/>
-            </a:schemeClr>
-          </a:solidFill>
-          <a:ln>
-            <a:noFill/>
-          </a:ln>
-          <a:effectLst/>
-        </p:spPr>
-        <p:style>
-          <a:lnRef idx="1">
-            <a:schemeClr val="accent1"/>
-          </a:lnRef>
-          <a:fillRef idx="3">
-            <a:schemeClr val="accent1"/>
-          </a:fillRef>
-          <a:effectRef idx="2">
-            <a:schemeClr val="accent1"/>
-          </a:effectRef>
-          <a:fontRef idx="minor">
-            <a:schemeClr val="lt1"/>
-          </a:fontRef>
-        </p:style>
-      </p:sp>
-      <p:sp>
-        <p:nvSpPr>
-          <p:cNvPr id="19" name="Isosceles Triangle 24">
-            <a:extLst>
-              <a:ext uri="{FF2B5EF4-FFF2-40B4-BE49-F238E27FC236}">
-                <a16:creationId xmlns:a16="http://schemas.microsoft.com/office/drawing/2014/main" id="{C4CFB339-0ED8-4FE2-9EF1-6D1375B8499B}"/>
-              </a:ext>
-              <a:ext uri="{C183D7F6-B498-43B3-948B-1728B52AA6E4}">
-                <adec:decorative xmlns:adec="http://schemas.microsoft.com/office/drawing/2017/decorative" val="1"/>
-              </a:ext>
-            </a:extLst>
-          </p:cNvPr>
-          <p:cNvSpPr>
-            <a:spLocks noGrp="1" noRot="1" noChangeAspect="1" noMove="1" noResize="1" noEditPoints="1" noAdjustHandles="1" noChangeArrowheads="1" noChangeShapeType="1" noTextEdit="1"/>
-          </p:cNvSpPr>
-          <p:nvPr>
-            <p:extLst>
-              <p:ext uri="{386F3935-93C4-4BCD-93E2-E3B085C9AB24}">
-                <p16:designElem xmlns:p16="http://schemas.microsoft.com/office/powerpoint/2015/main" val="1"/>
-              </p:ext>
-            </p:extLst>
-          </p:nvPr>
-        </p:nvSpPr>
-        <p:spPr>
-          <a:xfrm>
-            <a:off x="8932333" y="3048000"/>
-            <a:ext cx="3259667" cy="3810000"/>
-          </a:xfrm>
-          <a:prstGeom prst="triangle">
-            <a:avLst>
-              <a:gd name="adj" fmla="val 100000"/>
-            </a:avLst>
-          </a:prstGeom>
-          <a:solidFill>
-            <a:schemeClr val="accent2">
-              <a:alpha val="72000"/>
-            </a:schemeClr>
-          </a:solidFill>
-          <a:ln>
-            <a:noFill/>
-          </a:ln>
-          <a:effectLst/>
-        </p:spPr>
-        <p:style>
-          <a:lnRef idx="1">
-            <a:schemeClr val="accent1"/>
-          </a:lnRef>
-          <a:fillRef idx="3">
-            <a:schemeClr val="accent1"/>
-          </a:fillRef>
-          <a:effectRef idx="2">
-            <a:schemeClr val="accent1"/>
-          </a:effectRef>
-          <a:fontRef idx="minor">
-            <a:schemeClr val="lt1"/>
-          </a:fontRef>
-        </p:style>
-      </p:sp>
-      <p:sp>
-        <p:nvSpPr>
-          <p:cNvPr id="21" name="Rectangle 27">
-            <a:extLst>
-              <a:ext uri="{FF2B5EF4-FFF2-40B4-BE49-F238E27FC236}">
-                <a16:creationId xmlns:a16="http://schemas.microsoft.com/office/drawing/2014/main" id="{31896C80-2069-4431-9C19-83B913734490}"/>
-              </a:ext>
-              <a:ext uri="{C183D7F6-B498-43B3-948B-1728B52AA6E4}">
-                <adec:decorative xmlns:adec="http://schemas.microsoft.com/office/drawing/2017/decorative" val="1"/>
-              </a:ext>
-            </a:extLst>
-          </p:cNvPr>
-          <p:cNvSpPr>
-            <a:spLocks noGrp="1" noRot="1" noChangeAspect="1" noMove="1" noResize="1" noEditPoints="1" noAdjustHandles="1" noChangeArrowheads="1" noChangeShapeType="1" noTextEdit="1"/>
-          </p:cNvSpPr>
-          <p:nvPr>
-            <p:extLst>
-              <p:ext uri="{386F3935-93C4-4BCD-93E2-E3B085C9AB24}">
-                <p16:designElem xmlns:p16="http://schemas.microsoft.com/office/powerpoint/2015/main" val="1"/>
-              </p:ext>
-            </p:extLst>
-          </p:nvPr>
-        </p:nvSpPr>
-        <p:spPr>
-          <a:xfrm>
-            <a:off x="9334500" y="-8467"/>
-            <a:ext cx="2854326" cy="6866467"/>
-          </a:xfrm>
-          <a:custGeom>
-            <a:avLst/>
-            <a:gdLst/>
-            <a:ahLst/>
-            <a:cxnLst/>
-            <a:rect l="l" t="t" r="r" b="b"/>
-            <a:pathLst>
-              <a:path w="2858013" h="6866467">
-                <a:moveTo>
-                  <a:pt x="0" y="0"/>
-                </a:moveTo>
-                <a:lnTo>
-                  <a:pt x="2858013" y="0"/>
-                </a:lnTo>
-                <a:lnTo>
-                  <a:pt x="2858013" y="6866467"/>
-                </a:lnTo>
-                <a:lnTo>
-                  <a:pt x="2473942" y="6866467"/>
-                </a:lnTo>
-                <a:lnTo>
-                  <a:pt x="0" y="0"/>
-                </a:lnTo>
-                <a:close/>
-              </a:path>
-            </a:pathLst>
-          </a:custGeom>
-          <a:solidFill>
-            <a:schemeClr val="accent2">
-              <a:lumMod val="75000"/>
-              <a:alpha val="47000"/>
-            </a:schemeClr>
-          </a:solidFill>
-          <a:ln>
-            <a:noFill/>
-          </a:ln>
-          <a:effectLst/>
-        </p:spPr>
-        <p:style>
-          <a:lnRef idx="1">
-            <a:schemeClr val="accent1"/>
-          </a:lnRef>
-          <a:fillRef idx="3">
-            <a:schemeClr val="accent1"/>
-          </a:fillRef>
-          <a:effectRef idx="2">
-            <a:schemeClr val="accent1"/>
-          </a:effectRef>
-          <a:fontRef idx="minor">
-            <a:schemeClr val="lt1"/>
-          </a:fontRef>
-        </p:style>
-      </p:sp>
-      <p:sp>
-        <p:nvSpPr>
-          <p:cNvPr id="23" name="Rectangle 28">
-            <a:extLst>
-              <a:ext uri="{FF2B5EF4-FFF2-40B4-BE49-F238E27FC236}">
-                <a16:creationId xmlns:a16="http://schemas.microsoft.com/office/drawing/2014/main" id="{BF120A21-0841-4823-B0C4-28AEBCEF9B78}"/>
-              </a:ext>
-              <a:ext uri="{C183D7F6-B498-43B3-948B-1728B52AA6E4}">
-                <adec:decorative xmlns:adec="http://schemas.microsoft.com/office/drawing/2017/decorative" val="1"/>
-              </a:ext>
-            </a:extLst>
-          </p:cNvPr>
-          <p:cNvSpPr>
-            <a:spLocks noGrp="1" noRot="1" noChangeAspect="1" noMove="1" noResize="1" noEditPoints="1" noAdjustHandles="1" noChangeArrowheads="1" noChangeShapeType="1" noTextEdit="1"/>
-          </p:cNvSpPr>
-          <p:nvPr>
-            <p:extLst>
-              <p:ext uri="{386F3935-93C4-4BCD-93E2-E3B085C9AB24}">
-                <p16:designElem xmlns:p16="http://schemas.microsoft.com/office/powerpoint/2015/main" val="1"/>
-              </p:ext>
-            </p:extLst>
-          </p:nvPr>
-        </p:nvSpPr>
-        <p:spPr>
-          <a:xfrm>
-            <a:off x="10898730" y="-8467"/>
-            <a:ext cx="1290094" cy="6866467"/>
-          </a:xfrm>
-          <a:custGeom>
-            <a:avLst/>
-            <a:gdLst/>
-            <a:ahLst/>
-            <a:cxnLst/>
-            <a:rect l="l" t="t" r="r" b="b"/>
-            <a:pathLst>
-              <a:path w="1290094" h="6858000">
-                <a:moveTo>
-                  <a:pt x="1019735" y="0"/>
-                </a:moveTo>
-                <a:lnTo>
-                  <a:pt x="1290094" y="0"/>
-                </a:lnTo>
-                <a:lnTo>
-                  <a:pt x="1290094" y="6858000"/>
-                </a:lnTo>
-                <a:lnTo>
-                  <a:pt x="0" y="6858000"/>
-                </a:lnTo>
-                <a:lnTo>
-                  <a:pt x="1019735" y="0"/>
-                </a:lnTo>
-                <a:close/>
-              </a:path>
-            </a:pathLst>
-          </a:custGeom>
-          <a:solidFill>
-            <a:schemeClr val="accent1">
-              <a:lumMod val="60000"/>
-              <a:lumOff val="40000"/>
-              <a:alpha val="70000"/>
-            </a:schemeClr>
-          </a:solidFill>
-          <a:ln>
-            <a:noFill/>
-          </a:ln>
-          <a:effectLst/>
-        </p:spPr>
-        <p:style>
-          <a:lnRef idx="1">
-            <a:schemeClr val="accent1"/>
-          </a:lnRef>
-          <a:fillRef idx="3">
-            <a:schemeClr val="accent1"/>
-          </a:fillRef>
-          <a:effectRef idx="2">
-            <a:schemeClr val="accent1"/>
-          </a:effectRef>
-          <a:fontRef idx="minor">
-            <a:schemeClr val="lt1"/>
-          </a:fontRef>
-        </p:style>
-      </p:sp>
-      <p:sp>
-        <p:nvSpPr>
-          <p:cNvPr id="25" name="Rectangle 29">
-            <a:extLst>
-              <a:ext uri="{FF2B5EF4-FFF2-40B4-BE49-F238E27FC236}">
-                <a16:creationId xmlns:a16="http://schemas.microsoft.com/office/drawing/2014/main" id="{DBB05BAE-BBD3-4289-899F-A6851503C6B0}"/>
-              </a:ext>
-              <a:ext uri="{C183D7F6-B498-43B3-948B-1728B52AA6E4}">
-                <adec:decorative xmlns:adec="http://schemas.microsoft.com/office/drawing/2017/decorative" val="1"/>
-              </a:ext>
-            </a:extLst>
-          </p:cNvPr>
-          <p:cNvSpPr>
-            <a:spLocks noGrp="1" noRot="1" noChangeAspect="1" noMove="1" noResize="1" noEditPoints="1" noAdjustHandles="1" noChangeArrowheads="1" noChangeShapeType="1" noTextEdit="1"/>
-          </p:cNvSpPr>
-          <p:nvPr>
-            <p:extLst>
-              <p:ext uri="{386F3935-93C4-4BCD-93E2-E3B085C9AB24}">
-                <p16:designElem xmlns:p16="http://schemas.microsoft.com/office/powerpoint/2015/main" val="1"/>
-              </p:ext>
-            </p:extLst>
-          </p:nvPr>
-        </p:nvSpPr>
-        <p:spPr>
-          <a:xfrm>
-            <a:off x="10938999" y="-8467"/>
-            <a:ext cx="1249825" cy="6866467"/>
-          </a:xfrm>
-          <a:custGeom>
-            <a:avLst/>
-            <a:gdLst/>
-            <a:ahLst/>
-            <a:cxnLst/>
-            <a:rect l="l" t="t" r="r" b="b"/>
-            <a:pathLst>
-              <a:path w="1249825" h="6858000">
-                <a:moveTo>
-                  <a:pt x="0" y="0"/>
-                </a:moveTo>
-                <a:lnTo>
-                  <a:pt x="1249825" y="0"/>
-                </a:lnTo>
-                <a:lnTo>
-                  <a:pt x="1249825" y="6858000"/>
-                </a:lnTo>
-                <a:lnTo>
-                  <a:pt x="1109382" y="6858000"/>
-                </a:lnTo>
-                <a:lnTo>
-                  <a:pt x="0" y="0"/>
-                </a:lnTo>
-                <a:close/>
-              </a:path>
-            </a:pathLst>
-          </a:custGeom>
-          <a:solidFill>
-            <a:schemeClr val="accent1">
-              <a:alpha val="65000"/>
-            </a:schemeClr>
-          </a:solidFill>
-          <a:ln>
-            <a:noFill/>
-          </a:ln>
-          <a:effectLst/>
-        </p:spPr>
-        <p:style>
-          <a:lnRef idx="1">
-            <a:schemeClr val="accent1"/>
-          </a:lnRef>
-          <a:fillRef idx="3">
-            <a:schemeClr val="accent1"/>
-          </a:fillRef>
-          <a:effectRef idx="2">
-            <a:schemeClr val="accent1"/>
-          </a:effectRef>
-          <a:fontRef idx="minor">
-            <a:schemeClr val="lt1"/>
-          </a:fontRef>
-        </p:style>
-      </p:sp>
-      <p:sp>
-        <p:nvSpPr>
-          <p:cNvPr id="27" name="Isosceles Triangle 29">
-            <a:extLst>
-              <a:ext uri="{FF2B5EF4-FFF2-40B4-BE49-F238E27FC236}">
-                <a16:creationId xmlns:a16="http://schemas.microsoft.com/office/drawing/2014/main" id="{9874D11C-36F5-4BBE-A490-019A54E953B0}"/>
-              </a:ext>
-              <a:ext uri="{C183D7F6-B498-43B3-948B-1728B52AA6E4}">
-                <adec:decorative xmlns:adec="http://schemas.microsoft.com/office/drawing/2017/decorative" val="1"/>
-              </a:ext>
-            </a:extLst>
-          </p:cNvPr>
-          <p:cNvSpPr>
-            <a:spLocks noGrp="1" noRot="1" noChangeAspect="1" noMove="1" noResize="1" noEditPoints="1" noAdjustHandles="1" noChangeArrowheads="1" noChangeShapeType="1" noTextEdit="1"/>
-          </p:cNvSpPr>
-          <p:nvPr>
-            <p:extLst>
-              <p:ext uri="{386F3935-93C4-4BCD-93E2-E3B085C9AB24}">
-                <p16:designElem xmlns:p16="http://schemas.microsoft.com/office/powerpoint/2015/main" val="1"/>
-              </p:ext>
-            </p:extLst>
-          </p:nvPr>
-        </p:nvSpPr>
-        <p:spPr>
-          <a:xfrm>
-            <a:off x="10371666" y="3589867"/>
-            <a:ext cx="1817159" cy="3268133"/>
-          </a:xfrm>
-          <a:prstGeom prst="triangle">
-            <a:avLst>
-              <a:gd name="adj" fmla="val 100000"/>
-            </a:avLst>
-          </a:prstGeom>
-          <a:solidFill>
-            <a:schemeClr val="accent1">
-              <a:alpha val="80000"/>
-            </a:schemeClr>
-          </a:solidFill>
-          <a:ln>
-            <a:noFill/>
-          </a:ln>
-          <a:effectLst/>
-        </p:spPr>
-        <p:style>
-          <a:lnRef idx="1">
-            <a:schemeClr val="accent1"/>
-          </a:lnRef>
-          <a:fillRef idx="3">
-            <a:schemeClr val="accent1"/>
-          </a:fillRef>
-          <a:effectRef idx="2">
-            <a:schemeClr val="accent1"/>
-          </a:effectRef>
-          <a:fontRef idx="minor">
-            <a:schemeClr val="lt1"/>
-          </a:fontRef>
-        </p:style>
       </p:sp>
     </p:spTree>
     <p:extLst>
@@ -9309,25 +8334,25 @@
           <a:p>
             <a:r>
               <a:rPr lang="en-GB" dirty="0"/>
-              <a:t>Text-based, reproducible</a:t>
+              <a:t>Text-based, reproducible.</a:t>
             </a:r>
           </a:p>
           <a:p>
             <a:r>
               <a:rPr lang="en-GB" dirty="0"/>
-              <a:t>Extensive, wide range of user-developed packages</a:t>
+              <a:t>Extensive, wide range of user-developed packages.</a:t>
             </a:r>
           </a:p>
           <a:p>
             <a:r>
               <a:rPr lang="en-GB" dirty="0"/>
-              <a:t>Large &amp; active user community, so very easy to find support if you have difficulties</a:t>
+              <a:t>Large &amp; active user community, so very easy to find support if you have difficulties.</a:t>
             </a:r>
           </a:p>
           <a:p>
             <a:r>
               <a:rPr lang="en-GB" dirty="0"/>
-              <a:t>An industry standard for data science and statistics, so whether you want to get into academia or business, R is an important skill to have</a:t>
+              <a:t>An industry standard for data science and statistics, so whether you want to get into academia or business, R is an important skill to have.</a:t>
             </a:r>
           </a:p>
           <a:p>
@@ -9443,7 +8468,13 @@
               </a:lnSpc>
             </a:pPr>
             <a:r>
-              <a:rPr lang="en-GB" sz="2800" dirty="0"/>
+              <a:rPr lang="en-GB" sz="2800" dirty="0">
+                <a:solidFill>
+                  <a:schemeClr val="accent1">
+                    <a:lumMod val="50000"/>
+                  </a:schemeClr>
+                </a:solidFill>
+              </a:rPr>
               <a:t>What is R and RStudio?</a:t>
             </a:r>
             <a:br>
@@ -9485,8 +8516,8 @@
         </p:nvSpPr>
         <p:spPr>
           <a:xfrm>
-            <a:off x="685167" y="2160589"/>
-            <a:ext cx="3720916" cy="3560733"/>
+            <a:off x="625672" y="1648633"/>
+            <a:ext cx="4309620" cy="3560733"/>
           </a:xfrm>
         </p:spPr>
         <p:txBody>
@@ -9502,6 +8533,12 @@
           </a:p>
           <a:p>
             <a:r>
+              <a:rPr lang="en-GB" dirty="0"/>
+              <a:t>Packages contain ready-made useful functions to help us code.</a:t>
+            </a:r>
+          </a:p>
+          <a:p>
+            <a:r>
               <a:rPr lang="en-US" dirty="0"/>
               <a:t>A very commonly used package is ‘</a:t>
             </a:r>
@@ -9517,7 +8554,7 @@
           <a:p>
             <a:r>
               <a:rPr lang="en-US" dirty="0"/>
-              <a:t>This combines a number of important packages, and is the main package we will use during the classes</a:t>
+              <a:t>This combines several important packages, and is the main package we will use during the classes</a:t>
             </a:r>
             <a:endParaRPr lang="en-GB" dirty="0"/>
           </a:p>
@@ -9537,8 +8574,8 @@
         </p:nvSpPr>
         <p:spPr>
           <a:xfrm>
-            <a:off x="456136" y="5721322"/>
-            <a:ext cx="6105524" cy="1477328"/>
+            <a:off x="468836" y="5775060"/>
+            <a:ext cx="10491264" cy="1477328"/>
           </a:xfrm>
           <a:prstGeom prst="rect">
             <a:avLst/>
@@ -9553,20 +8590,147 @@
           <a:p>
             <a:r>
               <a:rPr lang="en-GB" dirty="0">
-                <a:hlinkClick r:id="rId2"/>
+                <a:solidFill>
+                  <a:schemeClr val="accent1">
+                    <a:lumMod val="50000"/>
+                  </a:schemeClr>
+                </a:solidFill>
+                <a:hlinkClick r:id="rId2">
+                  <a:extLst>
+                    <a:ext uri="{A12FA001-AC4F-418D-AE19-62706E023703}">
+                      <ahyp:hlinkClr xmlns:ahyp="http://schemas.microsoft.com/office/drawing/2018/hyperlinkcolor" val="tx"/>
+                    </a:ext>
+                  </a:extLst>
+                </a:hlinkClick>
               </a:rPr>
               <a:t>https://support.rstudio.com/hc/en-us/articles/201057987-Quick-list-of-useful-R-packages</a:t>
             </a:r>
-            <a:endParaRPr lang="en-GB" dirty="0"/>
+            <a:endParaRPr lang="en-GB" dirty="0">
+              <a:solidFill>
+                <a:schemeClr val="accent1">
+                  <a:lumMod val="50000"/>
+                </a:schemeClr>
+              </a:solidFill>
+            </a:endParaRPr>
           </a:p>
           <a:p>
             <a:r>
               <a:rPr lang="en-GB" dirty="0">
-                <a:hlinkClick r:id="rId3"/>
+                <a:solidFill>
+                  <a:schemeClr val="accent2"/>
+                </a:solidFill>
+                <a:hlinkClick r:id="rId3">
+                  <a:extLst>
+                    <a:ext uri="{A12FA001-AC4F-418D-AE19-62706E023703}">
+                      <ahyp:hlinkClr xmlns:ahyp="http://schemas.microsoft.com/office/drawing/2018/hyperlinkcolor" val="tx"/>
+                    </a:ext>
+                  </a:extLst>
+                </a:hlinkClick>
               </a:rPr>
               <a:t>https://www.tidyverse.org/</a:t>
             </a:r>
-            <a:endParaRPr lang="en-GB" dirty="0"/>
+            <a:endParaRPr lang="en-GB" dirty="0">
+              <a:solidFill>
+                <a:schemeClr val="accent2"/>
+              </a:solidFill>
+            </a:endParaRPr>
+          </a:p>
+          <a:p>
+            <a:r>
+              <a:rPr lang="en-GB" dirty="0" err="1">
+                <a:solidFill>
+                  <a:schemeClr val="accent2"/>
+                </a:solidFill>
+                <a:hlinkClick r:id="rId4">
+                  <a:extLst>
+                    <a:ext uri="{A12FA001-AC4F-418D-AE19-62706E023703}">
+                      <ahyp:hlinkClr xmlns:ahyp="http://schemas.microsoft.com/office/drawing/2018/hyperlinkcolor" val="tx"/>
+                    </a:ext>
+                  </a:extLst>
+                </a:hlinkClick>
+              </a:rPr>
+              <a:t>cheatsheets</a:t>
+            </a:r>
+            <a:r>
+              <a:rPr lang="en-GB" dirty="0">
+                <a:solidFill>
+                  <a:schemeClr val="accent2"/>
+                </a:solidFill>
+                <a:hlinkClick r:id="rId4">
+                  <a:extLst>
+                    <a:ext uri="{A12FA001-AC4F-418D-AE19-62706E023703}">
+                      <ahyp:hlinkClr xmlns:ahyp="http://schemas.microsoft.com/office/drawing/2018/hyperlinkcolor" val="tx"/>
+                    </a:ext>
+                  </a:extLst>
+                </a:hlinkClick>
+              </a:rPr>
+              <a:t>/data-transformation.pdf at main · </a:t>
+            </a:r>
+            <a:r>
+              <a:rPr lang="en-GB" dirty="0" err="1">
+                <a:solidFill>
+                  <a:schemeClr val="accent2"/>
+                </a:solidFill>
+                <a:hlinkClick r:id="rId4">
+                  <a:extLst>
+                    <a:ext uri="{A12FA001-AC4F-418D-AE19-62706E023703}">
+                      <ahyp:hlinkClr xmlns:ahyp="http://schemas.microsoft.com/office/drawing/2018/hyperlinkcolor" val="tx"/>
+                    </a:ext>
+                  </a:extLst>
+                </a:hlinkClick>
+              </a:rPr>
+              <a:t>rstudio</a:t>
+            </a:r>
+            <a:r>
+              <a:rPr lang="en-GB" dirty="0">
+                <a:solidFill>
+                  <a:schemeClr val="accent2"/>
+                </a:solidFill>
+                <a:hlinkClick r:id="rId4">
+                  <a:extLst>
+                    <a:ext uri="{A12FA001-AC4F-418D-AE19-62706E023703}">
+                      <ahyp:hlinkClr xmlns:ahyp="http://schemas.microsoft.com/office/drawing/2018/hyperlinkcolor" val="tx"/>
+                    </a:ext>
+                  </a:extLst>
+                </a:hlinkClick>
+              </a:rPr>
+              <a:t>/</a:t>
+            </a:r>
+            <a:r>
+              <a:rPr lang="en-GB" dirty="0" err="1">
+                <a:solidFill>
+                  <a:schemeClr val="accent2"/>
+                </a:solidFill>
+                <a:hlinkClick r:id="rId4">
+                  <a:extLst>
+                    <a:ext uri="{A12FA001-AC4F-418D-AE19-62706E023703}">
+                      <ahyp:hlinkClr xmlns:ahyp="http://schemas.microsoft.com/office/drawing/2018/hyperlinkcolor" val="tx"/>
+                    </a:ext>
+                  </a:extLst>
+                </a:hlinkClick>
+              </a:rPr>
+              <a:t>cheatsheets</a:t>
+            </a:r>
+            <a:r>
+              <a:rPr lang="en-GB" dirty="0">
+                <a:solidFill>
+                  <a:schemeClr val="accent2"/>
+                </a:solidFill>
+                <a:hlinkClick r:id="rId4">
+                  <a:extLst>
+                    <a:ext uri="{A12FA001-AC4F-418D-AE19-62706E023703}">
+                      <ahyp:hlinkClr xmlns:ahyp="http://schemas.microsoft.com/office/drawing/2018/hyperlinkcolor" val="tx"/>
+                    </a:ext>
+                  </a:extLst>
+                </a:hlinkClick>
+              </a:rPr>
+              <a:t> (github.com)</a:t>
+            </a:r>
+            <a:endParaRPr lang="en-GB" dirty="0">
+              <a:solidFill>
+                <a:schemeClr val="accent2"/>
+              </a:solidFill>
+            </a:endParaRPr>
           </a:p>
           <a:p>
             <a:endParaRPr lang="en-GB" dirty="0"/>
@@ -9590,7 +8754,7 @@
         </p:nvSpPr>
         <p:spPr>
           <a:xfrm>
-            <a:off x="748519" y="5206261"/>
+            <a:off x="625672" y="5263104"/>
             <a:ext cx="4436040" cy="369332"/>
           </a:xfrm>
           <a:prstGeom prst="rect">
@@ -9609,7 +8773,7 @@
             <a:r>
               <a:rPr lang="en-GB" b="0" i="0" dirty="0">
                 <a:solidFill>
-                  <a:srgbClr val="444444"/>
+                  <a:schemeClr val="bg1"/>
                 </a:solidFill>
                 <a:effectLst/>
                 <a:latin typeface="Lucida Console" panose="020B0609040504020204" pitchFamily="49" charset="0"/>
@@ -9619,7 +8783,7 @@
             <a:r>
               <a:rPr lang="en-GB" b="0" i="0" dirty="0" err="1">
                 <a:solidFill>
-                  <a:srgbClr val="444444"/>
+                  <a:schemeClr val="bg1"/>
                 </a:solidFill>
                 <a:effectLst/>
                 <a:latin typeface="Lucida Console" panose="020B0609040504020204" pitchFamily="49" charset="0"/>
@@ -9629,7 +8793,7 @@
             <a:r>
               <a:rPr lang="en-GB" b="0" i="0" dirty="0">
                 <a:solidFill>
-                  <a:srgbClr val="444444"/>
+                  <a:schemeClr val="bg1"/>
                 </a:solidFill>
                 <a:effectLst/>
                 <a:latin typeface="Lucida Console" panose="020B0609040504020204" pitchFamily="49" charset="0"/>
@@ -9639,7 +8803,7 @@
             <a:r>
               <a:rPr lang="en-GB" b="0" i="0" dirty="0" err="1">
                 <a:solidFill>
-                  <a:srgbClr val="444444"/>
+                  <a:schemeClr val="bg1"/>
                 </a:solidFill>
                 <a:effectLst/>
                 <a:latin typeface="Lucida Console" panose="020B0609040504020204" pitchFamily="49" charset="0"/>
@@ -9649,7 +8813,7 @@
             <a:r>
               <a:rPr lang="en-GB" b="0" i="0" dirty="0">
                 <a:solidFill>
-                  <a:srgbClr val="444444"/>
+                  <a:schemeClr val="bg1"/>
                 </a:solidFill>
                 <a:effectLst/>
                 <a:latin typeface="Lucida Console" panose="020B0609040504020204" pitchFamily="49" charset="0"/>
@@ -9658,7 +8822,7 @@
             </a:r>
             <a:endParaRPr lang="en-GB" b="0" dirty="0">
               <a:solidFill>
-                <a:srgbClr val="D4D4D4"/>
+                <a:schemeClr val="bg1"/>
               </a:solidFill>
               <a:effectLst/>
               <a:highlight>
@@ -9684,7 +8848,7 @@
           <p:nvPr/>
         </p:nvPicPr>
         <p:blipFill>
-          <a:blip r:embed="rId4">
+          <a:blip r:embed="rId5">
             <a:extLst>
               <a:ext uri="{28A0092B-C50C-407E-A947-70E740481C1C}">
                 <a14:useLocalDpi xmlns:a14="http://schemas.microsoft.com/office/drawing/2010/main" val="0"/>
@@ -9777,7 +8941,13 @@
               </a:lnSpc>
             </a:pPr>
             <a:r>
-              <a:rPr lang="en-GB" sz="2800" dirty="0"/>
+              <a:rPr lang="en-GB" sz="2800" dirty="0">
+                <a:solidFill>
+                  <a:schemeClr val="accent1">
+                    <a:lumMod val="50000"/>
+                  </a:schemeClr>
+                </a:solidFill>
+              </a:rPr>
               <a:t>What is R and RStudio?</a:t>
             </a:r>
             <a:br>
@@ -9825,13 +8995,19 @@
         </p:spPr>
         <p:txBody>
           <a:bodyPr>
-            <a:normAutofit/>
+            <a:normAutofit lnSpcReduction="10000"/>
           </a:bodyPr>
           <a:lstStyle/>
           <a:p>
             <a:r>
               <a:rPr lang="en-GB" dirty="0"/>
-              <a:t>The R environment can seem confusing at first, and the packages and functions overwhelming</a:t>
+              <a:t>The R environment can seem confusing at first, and the packages and functions overwhelming.</a:t>
+            </a:r>
+          </a:p>
+          <a:p>
+            <a:r>
+              <a:rPr lang="en-GB" dirty="0"/>
+              <a:t>A lot can be learned by playing around! Embrace mistakes.</a:t>
             </a:r>
           </a:p>
           <a:p>
@@ -9956,7 +9132,13 @@
               </a:lnSpc>
             </a:pPr>
             <a:r>
-              <a:rPr lang="en-GB" sz="2800" dirty="0"/>
+              <a:rPr lang="en-GB" sz="2800" dirty="0">
+                <a:solidFill>
+                  <a:schemeClr val="accent1">
+                    <a:lumMod val="50000"/>
+                  </a:schemeClr>
+                </a:solidFill>
+              </a:rPr>
               <a:t>Projects and Working Directories</a:t>
             </a:r>
             <a:br>
@@ -10119,7 +9301,7 @@
             <a:r>
               <a:rPr lang="en-GB" b="0" i="0" dirty="0">
                 <a:solidFill>
-                  <a:srgbClr val="444444"/>
+                  <a:schemeClr val="bg1"/>
                 </a:solidFill>
                 <a:effectLst/>
                 <a:latin typeface="Lucida Console" panose="020B0609040504020204" pitchFamily="49" charset="0"/>
@@ -10129,7 +9311,7 @@
             <a:r>
               <a:rPr lang="en-GB" b="0" i="0" dirty="0" err="1">
                 <a:solidFill>
-                  <a:srgbClr val="444444"/>
+                  <a:schemeClr val="bg1"/>
                 </a:solidFill>
                 <a:effectLst/>
                 <a:latin typeface="Lucida Console" panose="020B0609040504020204" pitchFamily="49" charset="0"/>
@@ -10139,7 +9321,7 @@
             <a:r>
               <a:rPr lang="en-GB" b="0" i="0" dirty="0">
                 <a:solidFill>
-                  <a:srgbClr val="444444"/>
+                  <a:schemeClr val="bg1"/>
                 </a:solidFill>
                 <a:effectLst/>
                 <a:latin typeface="Lucida Console" panose="020B0609040504020204" pitchFamily="49" charset="0"/>
@@ -10151,7 +9333,7 @@
             <a:r>
               <a:rPr lang="en-US" b="0" dirty="0">
                 <a:solidFill>
-                  <a:srgbClr val="D4D4D4"/>
+                  <a:schemeClr val="bg1"/>
                 </a:solidFill>
                 <a:effectLst/>
                 <a:highlight>
@@ -10159,14 +9341,14 @@
                 </a:highlight>
                 <a:latin typeface="Consolas" panose="020B0609020204030204" pitchFamily="49" charset="0"/>
               </a:rPr>
-              <a:t>[1] "C:/Users/amclea/OneDrive - University of Edinburgh"</a:t>
+              <a:t>[1] "C:/Users/rdavies/OneDrive - University of Edinburgh"</a:t>
             </a:r>
           </a:p>
           <a:p>
             <a:r>
               <a:rPr lang="en-GB" b="0" i="0" dirty="0">
                 <a:solidFill>
-                  <a:srgbClr val="444444"/>
+                  <a:schemeClr val="bg1"/>
                 </a:solidFill>
                 <a:effectLst/>
                 <a:latin typeface="Lucida Console" panose="020B0609040504020204" pitchFamily="49" charset="0"/>
@@ -10176,7 +9358,7 @@
             <a:r>
               <a:rPr lang="en-GB" dirty="0" err="1">
                 <a:solidFill>
-                  <a:srgbClr val="444444"/>
+                  <a:schemeClr val="bg1"/>
                 </a:solidFill>
                 <a:latin typeface="Lucida Console" panose="020B0609040504020204" pitchFamily="49" charset="0"/>
               </a:rPr>
@@ -10185,7 +9367,7 @@
             <a:r>
               <a:rPr lang="en-GB" b="0" i="0" dirty="0" err="1">
                 <a:solidFill>
-                  <a:srgbClr val="444444"/>
+                  <a:schemeClr val="bg1"/>
                 </a:solidFill>
                 <a:effectLst/>
                 <a:latin typeface="Lucida Console" panose="020B0609040504020204" pitchFamily="49" charset="0"/>
@@ -10195,7 +9377,7 @@
             <a:r>
               <a:rPr lang="en-GB" b="0" i="0" dirty="0">
                 <a:solidFill>
-                  <a:srgbClr val="444444"/>
+                  <a:schemeClr val="bg1"/>
                 </a:solidFill>
                 <a:effectLst/>
                 <a:latin typeface="Lucida Console" panose="020B0609040504020204" pitchFamily="49" charset="0"/>
@@ -10205,7 +9387,7 @@
             <a:r>
               <a:rPr lang="en-US" b="0" dirty="0">
                 <a:solidFill>
-                  <a:srgbClr val="D4D4D4"/>
+                  <a:schemeClr val="bg1"/>
                 </a:solidFill>
                 <a:effectLst/>
                 <a:highlight>
@@ -10218,7 +9400,7 @@
             <a:r>
               <a:rPr lang="en-GB" b="0" i="0" dirty="0">
                 <a:solidFill>
-                  <a:srgbClr val="444444"/>
+                  <a:schemeClr val="bg1"/>
                 </a:solidFill>
                 <a:effectLst/>
                 <a:latin typeface="Lucida Console" panose="020B0609040504020204" pitchFamily="49" charset="0"/>
@@ -10258,28 +9440,28 @@
         <a:srgbClr val="EBEBEB"/>
       </a:lt2>
       <a:accent1>
-        <a:srgbClr val="90C226"/>
+        <a:srgbClr val="5FCBEF"/>
       </a:accent1>
       <a:accent2>
-        <a:srgbClr val="54A021"/>
+        <a:srgbClr val="2E83C3"/>
       </a:accent2>
       <a:accent3>
-        <a:srgbClr val="E6B91E"/>
+        <a:srgbClr val="42D0A2"/>
       </a:accent3>
       <a:accent4>
-        <a:srgbClr val="E76618"/>
+        <a:srgbClr val="2E946B"/>
       </a:accent4>
       <a:accent5>
-        <a:srgbClr val="C42F1A"/>
+        <a:srgbClr val="42B051"/>
       </a:accent5>
       <a:accent6>
-        <a:srgbClr val="918655"/>
+        <a:srgbClr val="96D141"/>
       </a:accent6>
       <a:hlink>
-        <a:srgbClr val="99CA3C"/>
+        <a:srgbClr val="3FCDE7"/>
       </a:hlink>
       <a:folHlink>
-        <a:srgbClr val="B9D181"/>
+        <a:srgbClr val="A9D3E1"/>
       </a:folHlink>
     </a:clrScheme>
     <a:fontScheme name="Facet">
@@ -10492,28 +9674,308 @@
   <a:extraClrSchemeLst/>
   <a:extLst>
     <a:ext uri="{05A4C25C-085E-4340-85A3-A5531E510DB2}">
-      <thm15:themeFamily xmlns:thm15="http://schemas.microsoft.com/office/thememl/2012/main" name="Facet" id="{C0C680CD-088A-49FC-A102-D699147F32B2}" vid="{CFBC31BA-B70F-4F30-BCAA-4F3011E16C4D}"/>
+      <thm15:themeFamily xmlns:thm15="http://schemas.microsoft.com/office/thememl/2012/main" name="Facet" id="{C0C680CD-088A-49FC-A102-D699147F32B2}" vid="{0B5AB586-D108-4FC1-8368-649FE654B894}"/>
+    </a:ext>
+  </a:extLst>
+</a:theme>
+</file>
+
+<file path=ppt/theme/theme2.xml><?xml version="1.0" encoding="utf-8"?>
+<a:theme xmlns:a="http://schemas.openxmlformats.org/drawingml/2006/main" name="Office Theme">
+  <a:themeElements>
+    <a:clrScheme name="Office">
+      <a:dk1>
+        <a:sysClr val="windowText" lastClr="000000"/>
+      </a:dk1>
+      <a:lt1>
+        <a:sysClr val="window" lastClr="FFFFFF"/>
+      </a:lt1>
+      <a:dk2>
+        <a:srgbClr val="44546A"/>
+      </a:dk2>
+      <a:lt2>
+        <a:srgbClr val="E7E6E6"/>
+      </a:lt2>
+      <a:accent1>
+        <a:srgbClr val="4472C4"/>
+      </a:accent1>
+      <a:accent2>
+        <a:srgbClr val="ED7D31"/>
+      </a:accent2>
+      <a:accent3>
+        <a:srgbClr val="A5A5A5"/>
+      </a:accent3>
+      <a:accent4>
+        <a:srgbClr val="FFC000"/>
+      </a:accent4>
+      <a:accent5>
+        <a:srgbClr val="5B9BD5"/>
+      </a:accent5>
+      <a:accent6>
+        <a:srgbClr val="70AD47"/>
+      </a:accent6>
+      <a:hlink>
+        <a:srgbClr val="0563C1"/>
+      </a:hlink>
+      <a:folHlink>
+        <a:srgbClr val="954F72"/>
+      </a:folHlink>
+    </a:clrScheme>
+    <a:fontScheme name="Office">
+      <a:majorFont>
+        <a:latin typeface="Calibri Light" panose="020F0302020204030204"/>
+        <a:ea typeface=""/>
+        <a:cs typeface=""/>
+        <a:font script="Jpan" typeface="游ゴシック Light"/>
+        <a:font script="Hang" typeface="맑은 고딕"/>
+        <a:font script="Hans" typeface="等线 Light"/>
+        <a:font script="Hant" typeface="新細明體"/>
+        <a:font script="Arab" typeface="Times New Roman"/>
+        <a:font script="Hebr" typeface="Times New Roman"/>
+        <a:font script="Thai" typeface="Angsana New"/>
+        <a:font script="Ethi" typeface="Nyala"/>
+        <a:font script="Beng" typeface="Vrinda"/>
+        <a:font script="Gujr" typeface="Shruti"/>
+        <a:font script="Khmr" typeface="MoolBoran"/>
+        <a:font script="Knda" typeface="Tunga"/>
+        <a:font script="Guru" typeface="Raavi"/>
+        <a:font script="Cans" typeface="Euphemia"/>
+        <a:font script="Cher" typeface="Plantagenet Cherokee"/>
+        <a:font script="Yiii" typeface="Microsoft Yi Baiti"/>
+        <a:font script="Tibt" typeface="Microsoft Himalaya"/>
+        <a:font script="Thaa" typeface="MV Boli"/>
+        <a:font script="Deva" typeface="Mangal"/>
+        <a:font script="Telu" typeface="Gautami"/>
+        <a:font script="Taml" typeface="Latha"/>
+        <a:font script="Syrc" typeface="Estrangelo Edessa"/>
+        <a:font script="Orya" typeface="Kalinga"/>
+        <a:font script="Mlym" typeface="Kartika"/>
+        <a:font script="Laoo" typeface="DokChampa"/>
+        <a:font script="Sinh" typeface="Iskoola Pota"/>
+        <a:font script="Mong" typeface="Mongolian Baiti"/>
+        <a:font script="Viet" typeface="Times New Roman"/>
+        <a:font script="Uigh" typeface="Microsoft Uighur"/>
+        <a:font script="Geor" typeface="Sylfaen"/>
+        <a:font script="Armn" typeface="Arial"/>
+        <a:font script="Bugi" typeface="Leelawadee UI"/>
+        <a:font script="Bopo" typeface="Microsoft JhengHei"/>
+        <a:font script="Java" typeface="Javanese Text"/>
+        <a:font script="Lisu" typeface="Segoe UI"/>
+        <a:font script="Mymr" typeface="Myanmar Text"/>
+        <a:font script="Nkoo" typeface="Ebrima"/>
+        <a:font script="Olck" typeface="Nirmala UI"/>
+        <a:font script="Osma" typeface="Ebrima"/>
+        <a:font script="Phag" typeface="Phagspa"/>
+        <a:font script="Syrn" typeface="Estrangelo Edessa"/>
+        <a:font script="Syrj" typeface="Estrangelo Edessa"/>
+        <a:font script="Syre" typeface="Estrangelo Edessa"/>
+        <a:font script="Sora" typeface="Nirmala UI"/>
+        <a:font script="Tale" typeface="Microsoft Tai Le"/>
+        <a:font script="Talu" typeface="Microsoft New Tai Lue"/>
+        <a:font script="Tfng" typeface="Ebrima"/>
+      </a:majorFont>
+      <a:minorFont>
+        <a:latin typeface="Calibri" panose="020F0502020204030204"/>
+        <a:ea typeface=""/>
+        <a:cs typeface=""/>
+        <a:font script="Jpan" typeface="游ゴシック"/>
+        <a:font script="Hang" typeface="맑은 고딕"/>
+        <a:font script="Hans" typeface="等线"/>
+        <a:font script="Hant" typeface="新細明體"/>
+        <a:font script="Arab" typeface="Arial"/>
+        <a:font script="Hebr" typeface="Arial"/>
+        <a:font script="Thai" typeface="Cordia New"/>
+        <a:font script="Ethi" typeface="Nyala"/>
+        <a:font script="Beng" typeface="Vrinda"/>
+        <a:font script="Gujr" typeface="Shruti"/>
+        <a:font script="Khmr" typeface="DaunPenh"/>
+        <a:font script="Knda" typeface="Tunga"/>
+        <a:font script="Guru" typeface="Raavi"/>
+        <a:font script="Cans" typeface="Euphemia"/>
+        <a:font script="Cher" typeface="Plantagenet Cherokee"/>
+        <a:font script="Yiii" typeface="Microsoft Yi Baiti"/>
+        <a:font script="Tibt" typeface="Microsoft Himalaya"/>
+        <a:font script="Thaa" typeface="MV Boli"/>
+        <a:font script="Deva" typeface="Mangal"/>
+        <a:font script="Telu" typeface="Gautami"/>
+        <a:font script="Taml" typeface="Latha"/>
+        <a:font script="Syrc" typeface="Estrangelo Edessa"/>
+        <a:font script="Orya" typeface="Kalinga"/>
+        <a:font script="Mlym" typeface="Kartika"/>
+        <a:font script="Laoo" typeface="DokChampa"/>
+        <a:font script="Sinh" typeface="Iskoola Pota"/>
+        <a:font script="Mong" typeface="Mongolian Baiti"/>
+        <a:font script="Viet" typeface="Arial"/>
+        <a:font script="Uigh" typeface="Microsoft Uighur"/>
+        <a:font script="Geor" typeface="Sylfaen"/>
+        <a:font script="Armn" typeface="Arial"/>
+        <a:font script="Bugi" typeface="Leelawadee UI"/>
+        <a:font script="Bopo" typeface="Microsoft JhengHei"/>
+        <a:font script="Java" typeface="Javanese Text"/>
+        <a:font script="Lisu" typeface="Segoe UI"/>
+        <a:font script="Mymr" typeface="Myanmar Text"/>
+        <a:font script="Nkoo" typeface="Ebrima"/>
+        <a:font script="Olck" typeface="Nirmala UI"/>
+        <a:font script="Osma" typeface="Ebrima"/>
+        <a:font script="Phag" typeface="Phagspa"/>
+        <a:font script="Syrn" typeface="Estrangelo Edessa"/>
+        <a:font script="Syrj" typeface="Estrangelo Edessa"/>
+        <a:font script="Syre" typeface="Estrangelo Edessa"/>
+        <a:font script="Sora" typeface="Nirmala UI"/>
+        <a:font script="Tale" typeface="Microsoft Tai Le"/>
+        <a:font script="Talu" typeface="Microsoft New Tai Lue"/>
+        <a:font script="Tfng" typeface="Ebrima"/>
+      </a:minorFont>
+    </a:fontScheme>
+    <a:fmtScheme name="Office">
+      <a:fillStyleLst>
+        <a:solidFill>
+          <a:schemeClr val="phClr"/>
+        </a:solidFill>
+        <a:gradFill rotWithShape="1">
+          <a:gsLst>
+            <a:gs pos="0">
+              <a:schemeClr val="phClr">
+                <a:lumMod val="110000"/>
+                <a:satMod val="105000"/>
+                <a:tint val="67000"/>
+              </a:schemeClr>
+            </a:gs>
+            <a:gs pos="50000">
+              <a:schemeClr val="phClr">
+                <a:lumMod val="105000"/>
+                <a:satMod val="103000"/>
+                <a:tint val="73000"/>
+              </a:schemeClr>
+            </a:gs>
+            <a:gs pos="100000">
+              <a:schemeClr val="phClr">
+                <a:lumMod val="105000"/>
+                <a:satMod val="109000"/>
+                <a:tint val="81000"/>
+              </a:schemeClr>
+            </a:gs>
+          </a:gsLst>
+          <a:lin ang="5400000" scaled="0"/>
+        </a:gradFill>
+        <a:gradFill rotWithShape="1">
+          <a:gsLst>
+            <a:gs pos="0">
+              <a:schemeClr val="phClr">
+                <a:satMod val="103000"/>
+                <a:lumMod val="102000"/>
+                <a:tint val="94000"/>
+              </a:schemeClr>
+            </a:gs>
+            <a:gs pos="50000">
+              <a:schemeClr val="phClr">
+                <a:satMod val="110000"/>
+                <a:lumMod val="100000"/>
+                <a:shade val="100000"/>
+              </a:schemeClr>
+            </a:gs>
+            <a:gs pos="100000">
+              <a:schemeClr val="phClr">
+                <a:lumMod val="99000"/>
+                <a:satMod val="120000"/>
+                <a:shade val="78000"/>
+              </a:schemeClr>
+            </a:gs>
+          </a:gsLst>
+          <a:lin ang="5400000" scaled="0"/>
+        </a:gradFill>
+      </a:fillStyleLst>
+      <a:lnStyleLst>
+        <a:ln w="6350" cap="flat" cmpd="sng" algn="ctr">
+          <a:solidFill>
+            <a:schemeClr val="phClr"/>
+          </a:solidFill>
+          <a:prstDash val="solid"/>
+          <a:miter lim="800000"/>
+        </a:ln>
+        <a:ln w="12700" cap="flat" cmpd="sng" algn="ctr">
+          <a:solidFill>
+            <a:schemeClr val="phClr"/>
+          </a:solidFill>
+          <a:prstDash val="solid"/>
+          <a:miter lim="800000"/>
+        </a:ln>
+        <a:ln w="19050" cap="flat" cmpd="sng" algn="ctr">
+          <a:solidFill>
+            <a:schemeClr val="phClr"/>
+          </a:solidFill>
+          <a:prstDash val="solid"/>
+          <a:miter lim="800000"/>
+        </a:ln>
+      </a:lnStyleLst>
+      <a:effectStyleLst>
+        <a:effectStyle>
+          <a:effectLst/>
+        </a:effectStyle>
+        <a:effectStyle>
+          <a:effectLst/>
+        </a:effectStyle>
+        <a:effectStyle>
+          <a:effectLst>
+            <a:outerShdw blurRad="57150" dist="19050" dir="5400000" algn="ctr" rotWithShape="0">
+              <a:srgbClr val="000000">
+                <a:alpha val="63000"/>
+              </a:srgbClr>
+            </a:outerShdw>
+          </a:effectLst>
+        </a:effectStyle>
+      </a:effectStyleLst>
+      <a:bgFillStyleLst>
+        <a:solidFill>
+          <a:schemeClr val="phClr"/>
+        </a:solidFill>
+        <a:solidFill>
+          <a:schemeClr val="phClr">
+            <a:tint val="95000"/>
+            <a:satMod val="170000"/>
+          </a:schemeClr>
+        </a:solidFill>
+        <a:gradFill rotWithShape="1">
+          <a:gsLst>
+            <a:gs pos="0">
+              <a:schemeClr val="phClr">
+                <a:tint val="93000"/>
+                <a:satMod val="150000"/>
+                <a:shade val="98000"/>
+                <a:lumMod val="102000"/>
+              </a:schemeClr>
+            </a:gs>
+            <a:gs pos="50000">
+              <a:schemeClr val="phClr">
+                <a:tint val="98000"/>
+                <a:satMod val="130000"/>
+                <a:shade val="90000"/>
+                <a:lumMod val="103000"/>
+              </a:schemeClr>
+            </a:gs>
+            <a:gs pos="100000">
+              <a:schemeClr val="phClr">
+                <a:shade val="63000"/>
+                <a:satMod val="120000"/>
+              </a:schemeClr>
+            </a:gs>
+          </a:gsLst>
+          <a:lin ang="5400000" scaled="0"/>
+        </a:gradFill>
+      </a:bgFillStyleLst>
+    </a:fmtScheme>
+  </a:themeElements>
+  <a:objectDefaults/>
+  <a:extraClrSchemeLst/>
+  <a:extLst>
+    <a:ext uri="{05A4C25C-085E-4340-85A3-A5531E510DB2}">
+      <thm15:themeFamily xmlns:thm15="http://schemas.microsoft.com/office/thememl/2012/main" name="Office Theme" id="{62F939B6-93AF-4DB8-9C6B-D6C7DFDC589F}" vid="{4A3C46E8-61CC-4603-A589-7422A47A8E4A}"/>
     </a:ext>
   </a:extLst>
 </a:theme>
 </file>
 
 <file path=customXml/item1.xml><?xml version="1.0" encoding="utf-8"?>
-<p:properties xmlns:p="http://schemas.microsoft.com/office/2006/metadata/properties" xmlns:xsi="http://www.w3.org/2001/XMLSchema-instance" xmlns:pc="http://schemas.microsoft.com/office/infopath/2007/PartnerControls">
-  <documentManagement/>
-</p:properties>
-</file>
-
-<file path=customXml/item2.xml><?xml version="1.0" encoding="utf-8"?>
-<?mso-contentType ?>
-<FormTemplates xmlns="http://schemas.microsoft.com/sharepoint/v3/contenttype/forms">
-  <Display>DocumentLibraryForm</Display>
-  <Edit>DocumentLibraryForm</Edit>
-  <New>DocumentLibraryForm</New>
-</FormTemplates>
-</file>
-
-<file path=customXml/item3.xml><?xml version="1.0" encoding="utf-8"?>
 <ct:contentTypeSchema xmlns:ct="http://schemas.microsoft.com/office/2006/metadata/contentType" xmlns:ma="http://schemas.microsoft.com/office/2006/metadata/properties/metaAttributes" ct:_="" ma:_="" ma:contentTypeName="Document" ma:contentTypeID="0x010100A6FA43870EC3F1479C794ECA0A85DC3A" ma:contentTypeVersion="2" ma:contentTypeDescription="Create a new document." ma:contentTypeScope="" ma:versionID="064810d467210a95de952a583c0e092c">
   <xsd:schema xmlns:xsd="http://www.w3.org/2001/XMLSchema" xmlns:xs="http://www.w3.org/2001/XMLSchema" xmlns:p="http://schemas.microsoft.com/office/2006/metadata/properties" xmlns:ns2="b364318b-48cb-49ac-ac49-de67ddd977f7" targetNamespace="http://schemas.microsoft.com/office/2006/metadata/properties" ma:root="true" ma:fieldsID="691b68d22381f767a6817b4c67c58c89" ns2:_="">
     <xsd:import namespace="b364318b-48cb-49ac-ac49-de67ddd977f7"/>
@@ -10645,7 +10107,40 @@
 </ct:contentTypeSchema>
 </file>
 
+<file path=customXml/item2.xml><?xml version="1.0" encoding="utf-8"?>
+<p:properties xmlns:p="http://schemas.microsoft.com/office/2006/metadata/properties" xmlns:xsi="http://www.w3.org/2001/XMLSchema-instance" xmlns:pc="http://schemas.microsoft.com/office/infopath/2007/PartnerControls">
+  <documentManagement/>
+</p:properties>
+</file>
+
+<file path=customXml/item3.xml><?xml version="1.0" encoding="utf-8"?>
+<?mso-contentType ?>
+<FormTemplates xmlns="http://schemas.microsoft.com/sharepoint/v3/contenttype/forms">
+  <Display>DocumentLibraryForm</Display>
+  <Edit>DocumentLibraryForm</Edit>
+  <New>DocumentLibraryForm</New>
+</FormTemplates>
+</file>
+
 <file path=customXml/itemProps1.xml><?xml version="1.0" encoding="utf-8"?>
+<ds:datastoreItem xmlns:ds="http://schemas.openxmlformats.org/officeDocument/2006/customXml" ds:itemID="{DCB836F7-82AF-4E23-9D21-9859FC9D55C1}">
+  <ds:schemaRefs>
+    <ds:schemaRef ds:uri="http://schemas.microsoft.com/office/2006/metadata/contentType"/>
+    <ds:schemaRef ds:uri="http://schemas.microsoft.com/office/2006/metadata/properties/metaAttributes"/>
+    <ds:schemaRef ds:uri="http://www.w3.org/2001/XMLSchema"/>
+    <ds:schemaRef ds:uri="http://schemas.microsoft.com/office/2006/metadata/properties"/>
+    <ds:schemaRef ds:uri="b364318b-48cb-49ac-ac49-de67ddd977f7"/>
+    <ds:schemaRef ds:uri="http://schemas.microsoft.com/office/2006/documentManagement/types"/>
+    <ds:schemaRef ds:uri="http://schemas.microsoft.com/office/infopath/2007/PartnerControls"/>
+    <ds:schemaRef ds:uri="http://schemas.openxmlformats.org/package/2006/metadata/core-properties"/>
+    <ds:schemaRef ds:uri="http://purl.org/dc/elements/1.1/"/>
+    <ds:schemaRef ds:uri="http://purl.org/dc/terms/"/>
+    <ds:schemaRef ds:uri="http://schemas.microsoft.com/internal/obd"/>
+  </ds:schemaRefs>
+</ds:datastoreItem>
+</file>
+
+<file path=customXml/itemProps2.xml><?xml version="1.0" encoding="utf-8"?>
 <ds:datastoreItem xmlns:ds="http://schemas.openxmlformats.org/officeDocument/2006/customXml" ds:itemID="{CCA43202-FD69-4248-821B-F7FA1D3D9397}">
   <ds:schemaRefs>
     <ds:schemaRef ds:uri="3d9c2ab7-9c2a-45a6-bf32-9905677724b1"/>
@@ -10662,14 +10157,10 @@
 </ds:datastoreItem>
 </file>
 
-<file path=customXml/itemProps2.xml><?xml version="1.0" encoding="utf-8"?>
+<file path=customXml/itemProps3.xml><?xml version="1.0" encoding="utf-8"?>
 <ds:datastoreItem xmlns:ds="http://schemas.openxmlformats.org/officeDocument/2006/customXml" ds:itemID="{788658A8-8C4E-41E7-AE7E-2016A5FB5267}">
   <ds:schemaRefs>
     <ds:schemaRef ds:uri="http://schemas.microsoft.com/sharepoint/v3/contenttype/forms"/>
   </ds:schemaRefs>
 </ds:datastoreItem>
-</file>
-
-<file path=customXml/itemProps3.xml><?xml version="1.0" encoding="utf-8"?>
-<ds:datastoreItem xmlns:ds="http://schemas.openxmlformats.org/officeDocument/2006/customXml" ds:itemID="{DCB836F7-82AF-4E23-9D21-9859FC9D55C1}"/>
 </file>